--- a/doc/최종 PPT.pptx
+++ b/doc/최종 PPT.pptx
@@ -6,6 +6,17 @@
   </p:sldMasterIdLst>
   <p:sldIdLst>
     <p:sldId id="256" r:id="rId2"/>
+    <p:sldId id="257" r:id="rId3"/>
+    <p:sldId id="258" r:id="rId4"/>
+    <p:sldId id="259" r:id="rId5"/>
+    <p:sldId id="286" r:id="rId6"/>
+    <p:sldId id="260" r:id="rId7"/>
+    <p:sldId id="287" r:id="rId8"/>
+    <p:sldId id="261" r:id="rId9"/>
+    <p:sldId id="262" r:id="rId10"/>
+    <p:sldId id="263" r:id="rId11"/>
+    <p:sldId id="264" r:id="rId12"/>
+    <p:sldId id="265" r:id="rId13"/>
   </p:sldIdLst>
   <p:sldSz cx="9144000" cy="6858000" type="screen4x3"/>
   <p:notesSz cx="6858000" cy="9144000"/>
@@ -105,6 +116,6244 @@
     </a:lvl9pPr>
   </p:defaultTextStyle>
 </p:presentation>
+</file>
+
+<file path=ppt/diagrams/colors1.xml><?xml version="1.0" encoding="utf-8"?>
+<dgm:colorsDef xmlns:dgm="http://schemas.openxmlformats.org/drawingml/2006/diagram" xmlns:a="http://schemas.openxmlformats.org/drawingml/2006/main" uniqueId="urn:microsoft.com/office/officeart/2005/8/colors/accent1_1">
+  <dgm:title val=""/>
+  <dgm:desc val=""/>
+  <dgm:catLst>
+    <dgm:cat type="accent1" pri="11100"/>
+  </dgm:catLst>
+  <dgm:styleLbl name="node0">
+    <dgm:fillClrLst meth="repeat">
+      <a:schemeClr val="lt1"/>
+    </dgm:fillClrLst>
+    <dgm:linClrLst meth="repeat">
+      <a:schemeClr val="accent1">
+        <a:shade val="80000"/>
+      </a:schemeClr>
+    </dgm:linClrLst>
+    <dgm:effectClrLst/>
+    <dgm:txLinClrLst/>
+    <dgm:txFillClrLst meth="repeat">
+      <a:schemeClr val="dk1"/>
+    </dgm:txFillClrLst>
+    <dgm:txEffectClrLst/>
+  </dgm:styleLbl>
+  <dgm:styleLbl name="alignNode1">
+    <dgm:fillClrLst meth="repeat">
+      <a:schemeClr val="lt1"/>
+    </dgm:fillClrLst>
+    <dgm:linClrLst meth="repeat">
+      <a:schemeClr val="accent1">
+        <a:shade val="80000"/>
+      </a:schemeClr>
+    </dgm:linClrLst>
+    <dgm:effectClrLst/>
+    <dgm:txLinClrLst/>
+    <dgm:txFillClrLst meth="repeat">
+      <a:schemeClr val="dk1"/>
+    </dgm:txFillClrLst>
+    <dgm:txEffectClrLst/>
+  </dgm:styleLbl>
+  <dgm:styleLbl name="node1">
+    <dgm:fillClrLst meth="repeat">
+      <a:schemeClr val="lt1"/>
+    </dgm:fillClrLst>
+    <dgm:linClrLst meth="repeat">
+      <a:schemeClr val="accent1">
+        <a:shade val="80000"/>
+      </a:schemeClr>
+    </dgm:linClrLst>
+    <dgm:effectClrLst/>
+    <dgm:txLinClrLst/>
+    <dgm:txFillClrLst meth="repeat">
+      <a:schemeClr val="dk1"/>
+    </dgm:txFillClrLst>
+    <dgm:txEffectClrLst/>
+  </dgm:styleLbl>
+  <dgm:styleLbl name="lnNode1">
+    <dgm:fillClrLst meth="repeat">
+      <a:schemeClr val="lt1"/>
+    </dgm:fillClrLst>
+    <dgm:linClrLst meth="repeat">
+      <a:schemeClr val="accent1">
+        <a:shade val="80000"/>
+      </a:schemeClr>
+    </dgm:linClrLst>
+    <dgm:effectClrLst/>
+    <dgm:txLinClrLst/>
+    <dgm:txFillClrLst meth="repeat">
+      <a:schemeClr val="dk1"/>
+    </dgm:txFillClrLst>
+    <dgm:txEffectClrLst/>
+  </dgm:styleLbl>
+  <dgm:styleLbl name="vennNode1">
+    <dgm:fillClrLst meth="repeat">
+      <a:schemeClr val="lt1">
+        <a:alpha val="50000"/>
+      </a:schemeClr>
+    </dgm:fillClrLst>
+    <dgm:linClrLst meth="repeat">
+      <a:schemeClr val="accent1">
+        <a:shade val="80000"/>
+      </a:schemeClr>
+    </dgm:linClrLst>
+    <dgm:effectClrLst/>
+    <dgm:txLinClrLst/>
+    <dgm:txFillClrLst/>
+    <dgm:txEffectClrLst/>
+  </dgm:styleLbl>
+  <dgm:styleLbl name="node2">
+    <dgm:fillClrLst meth="repeat">
+      <a:schemeClr val="lt1"/>
+    </dgm:fillClrLst>
+    <dgm:linClrLst meth="repeat">
+      <a:schemeClr val="accent1">
+        <a:shade val="80000"/>
+      </a:schemeClr>
+    </dgm:linClrLst>
+    <dgm:effectClrLst/>
+    <dgm:txLinClrLst/>
+    <dgm:txFillClrLst meth="repeat">
+      <a:schemeClr val="dk1"/>
+    </dgm:txFillClrLst>
+    <dgm:txEffectClrLst/>
+  </dgm:styleLbl>
+  <dgm:styleLbl name="node3">
+    <dgm:fillClrLst meth="repeat">
+      <a:schemeClr val="lt1"/>
+    </dgm:fillClrLst>
+    <dgm:linClrLst meth="repeat">
+      <a:schemeClr val="accent1">
+        <a:shade val="80000"/>
+      </a:schemeClr>
+    </dgm:linClrLst>
+    <dgm:effectClrLst/>
+    <dgm:txLinClrLst/>
+    <dgm:txFillClrLst meth="repeat">
+      <a:schemeClr val="dk1"/>
+    </dgm:txFillClrLst>
+    <dgm:txEffectClrLst/>
+  </dgm:styleLbl>
+  <dgm:styleLbl name="node4">
+    <dgm:fillClrLst meth="repeat">
+      <a:schemeClr val="lt1"/>
+    </dgm:fillClrLst>
+    <dgm:linClrLst meth="repeat">
+      <a:schemeClr val="accent1">
+        <a:shade val="80000"/>
+      </a:schemeClr>
+    </dgm:linClrLst>
+    <dgm:effectClrLst/>
+    <dgm:txLinClrLst/>
+    <dgm:txFillClrLst meth="repeat">
+      <a:schemeClr val="dk1"/>
+    </dgm:txFillClrLst>
+    <dgm:txEffectClrLst/>
+  </dgm:styleLbl>
+  <dgm:styleLbl name="fgImgPlace1">
+    <dgm:fillClrLst meth="repeat">
+      <a:schemeClr val="accent1">
+        <a:tint val="40000"/>
+      </a:schemeClr>
+    </dgm:fillClrLst>
+    <dgm:linClrLst meth="repeat">
+      <a:schemeClr val="accent1">
+        <a:shade val="80000"/>
+      </a:schemeClr>
+    </dgm:linClrLst>
+    <dgm:effectClrLst/>
+    <dgm:txLinClrLst/>
+    <dgm:txFillClrLst meth="repeat">
+      <a:schemeClr val="lt1"/>
+    </dgm:txFillClrLst>
+    <dgm:txEffectClrLst/>
+  </dgm:styleLbl>
+  <dgm:styleLbl name="alignImgPlace1">
+    <dgm:fillClrLst meth="repeat">
+      <a:schemeClr val="accent1">
+        <a:tint val="40000"/>
+      </a:schemeClr>
+    </dgm:fillClrLst>
+    <dgm:linClrLst meth="repeat">
+      <a:schemeClr val="accent1">
+        <a:shade val="80000"/>
+      </a:schemeClr>
+    </dgm:linClrLst>
+    <dgm:effectClrLst/>
+    <dgm:txLinClrLst/>
+    <dgm:txFillClrLst meth="repeat">
+      <a:schemeClr val="lt1"/>
+    </dgm:txFillClrLst>
+    <dgm:txEffectClrLst/>
+  </dgm:styleLbl>
+  <dgm:styleLbl name="bgImgPlace1">
+    <dgm:fillClrLst meth="repeat">
+      <a:schemeClr val="accent1">
+        <a:tint val="40000"/>
+      </a:schemeClr>
+    </dgm:fillClrLst>
+    <dgm:linClrLst meth="repeat">
+      <a:schemeClr val="accent1">
+        <a:shade val="80000"/>
+      </a:schemeClr>
+    </dgm:linClrLst>
+    <dgm:effectClrLst/>
+    <dgm:txLinClrLst/>
+    <dgm:txFillClrLst meth="repeat">
+      <a:schemeClr val="lt1"/>
+    </dgm:txFillClrLst>
+    <dgm:txEffectClrLst/>
+  </dgm:styleLbl>
+  <dgm:styleLbl name="sibTrans2D1">
+    <dgm:fillClrLst meth="repeat">
+      <a:schemeClr val="accent1">
+        <a:tint val="60000"/>
+      </a:schemeClr>
+    </dgm:fillClrLst>
+    <dgm:linClrLst meth="repeat">
+      <a:schemeClr val="accent1">
+        <a:tint val="60000"/>
+      </a:schemeClr>
+    </dgm:linClrLst>
+    <dgm:effectClrLst/>
+    <dgm:txLinClrLst/>
+    <dgm:txFillClrLst meth="repeat">
+      <a:schemeClr val="dk1"/>
+    </dgm:txFillClrLst>
+    <dgm:txEffectClrLst/>
+  </dgm:styleLbl>
+  <dgm:styleLbl name="fgSibTrans2D1">
+    <dgm:fillClrLst meth="repeat">
+      <a:schemeClr val="accent1">
+        <a:tint val="60000"/>
+      </a:schemeClr>
+    </dgm:fillClrLst>
+    <dgm:linClrLst meth="repeat">
+      <a:schemeClr val="accent1">
+        <a:tint val="60000"/>
+      </a:schemeClr>
+    </dgm:linClrLst>
+    <dgm:effectClrLst/>
+    <dgm:txLinClrLst/>
+    <dgm:txFillClrLst meth="repeat">
+      <a:schemeClr val="dk1"/>
+    </dgm:txFillClrLst>
+    <dgm:txEffectClrLst/>
+  </dgm:styleLbl>
+  <dgm:styleLbl name="bgSibTrans2D1">
+    <dgm:fillClrLst meth="repeat">
+      <a:schemeClr val="accent1">
+        <a:tint val="60000"/>
+      </a:schemeClr>
+    </dgm:fillClrLst>
+    <dgm:linClrLst meth="repeat">
+      <a:schemeClr val="accent1">
+        <a:tint val="60000"/>
+      </a:schemeClr>
+    </dgm:linClrLst>
+    <dgm:effectClrLst/>
+    <dgm:txLinClrLst/>
+    <dgm:txFillClrLst meth="repeat">
+      <a:schemeClr val="dk1"/>
+    </dgm:txFillClrLst>
+    <dgm:txEffectClrLst/>
+  </dgm:styleLbl>
+  <dgm:styleLbl name="sibTrans1D1">
+    <dgm:fillClrLst meth="repeat">
+      <a:schemeClr val="accent1"/>
+    </dgm:fillClrLst>
+    <dgm:linClrLst meth="repeat">
+      <a:schemeClr val="accent1"/>
+    </dgm:linClrLst>
+    <dgm:effectClrLst/>
+    <dgm:txLinClrLst/>
+    <dgm:txFillClrLst meth="repeat">
+      <a:schemeClr val="tx1"/>
+    </dgm:txFillClrLst>
+    <dgm:txEffectClrLst/>
+  </dgm:styleLbl>
+  <dgm:styleLbl name="callout">
+    <dgm:fillClrLst meth="repeat">
+      <a:schemeClr val="accent1"/>
+    </dgm:fillClrLst>
+    <dgm:linClrLst meth="repeat">
+      <a:schemeClr val="accent1"/>
+    </dgm:linClrLst>
+    <dgm:effectClrLst/>
+    <dgm:txLinClrLst/>
+    <dgm:txFillClrLst meth="repeat">
+      <a:schemeClr val="tx1"/>
+    </dgm:txFillClrLst>
+    <dgm:txEffectClrLst/>
+  </dgm:styleLbl>
+  <dgm:styleLbl name="asst0">
+    <dgm:fillClrLst meth="repeat">
+      <a:schemeClr val="lt1"/>
+    </dgm:fillClrLst>
+    <dgm:linClrLst meth="repeat">
+      <a:schemeClr val="accent1">
+        <a:shade val="80000"/>
+      </a:schemeClr>
+    </dgm:linClrLst>
+    <dgm:effectClrLst/>
+    <dgm:txLinClrLst/>
+    <dgm:txFillClrLst meth="repeat">
+      <a:schemeClr val="dk1"/>
+    </dgm:txFillClrLst>
+    <dgm:txEffectClrLst/>
+  </dgm:styleLbl>
+  <dgm:styleLbl name="asst1">
+    <dgm:fillClrLst meth="repeat">
+      <a:schemeClr val="lt1"/>
+    </dgm:fillClrLst>
+    <dgm:linClrLst meth="repeat">
+      <a:schemeClr val="accent1">
+        <a:shade val="80000"/>
+      </a:schemeClr>
+    </dgm:linClrLst>
+    <dgm:effectClrLst/>
+    <dgm:txLinClrLst/>
+    <dgm:txFillClrLst meth="repeat">
+      <a:schemeClr val="dk1"/>
+    </dgm:txFillClrLst>
+    <dgm:txEffectClrLst/>
+  </dgm:styleLbl>
+  <dgm:styleLbl name="asst2">
+    <dgm:fillClrLst meth="repeat">
+      <a:schemeClr val="lt1"/>
+    </dgm:fillClrLst>
+    <dgm:linClrLst meth="repeat">
+      <a:schemeClr val="accent1">
+        <a:shade val="80000"/>
+      </a:schemeClr>
+    </dgm:linClrLst>
+    <dgm:effectClrLst/>
+    <dgm:txLinClrLst/>
+    <dgm:txFillClrLst meth="repeat">
+      <a:schemeClr val="dk1"/>
+    </dgm:txFillClrLst>
+    <dgm:txEffectClrLst/>
+  </dgm:styleLbl>
+  <dgm:styleLbl name="asst3">
+    <dgm:fillClrLst meth="repeat">
+      <a:schemeClr val="lt1"/>
+    </dgm:fillClrLst>
+    <dgm:linClrLst meth="repeat">
+      <a:schemeClr val="accent1">
+        <a:shade val="80000"/>
+      </a:schemeClr>
+    </dgm:linClrLst>
+    <dgm:effectClrLst/>
+    <dgm:txLinClrLst/>
+    <dgm:txFillClrLst meth="repeat">
+      <a:schemeClr val="dk1"/>
+    </dgm:txFillClrLst>
+    <dgm:txEffectClrLst/>
+  </dgm:styleLbl>
+  <dgm:styleLbl name="asst4">
+    <dgm:fillClrLst meth="repeat">
+      <a:schemeClr val="lt1"/>
+    </dgm:fillClrLst>
+    <dgm:linClrLst meth="repeat">
+      <a:schemeClr val="accent1">
+        <a:shade val="80000"/>
+      </a:schemeClr>
+    </dgm:linClrLst>
+    <dgm:effectClrLst/>
+    <dgm:txLinClrLst/>
+    <dgm:txFillClrLst meth="repeat">
+      <a:schemeClr val="dk1"/>
+    </dgm:txFillClrLst>
+    <dgm:txEffectClrLst/>
+  </dgm:styleLbl>
+  <dgm:styleLbl name="parChTrans2D1">
+    <dgm:fillClrLst meth="repeat">
+      <a:schemeClr val="accent1">
+        <a:tint val="60000"/>
+      </a:schemeClr>
+    </dgm:fillClrLst>
+    <dgm:linClrLst meth="repeat">
+      <a:schemeClr val="accent1">
+        <a:tint val="60000"/>
+      </a:schemeClr>
+    </dgm:linClrLst>
+    <dgm:effectClrLst/>
+    <dgm:txLinClrLst/>
+    <dgm:txFillClrLst/>
+    <dgm:txEffectClrLst/>
+  </dgm:styleLbl>
+  <dgm:styleLbl name="parChTrans2D2">
+    <dgm:fillClrLst meth="repeat">
+      <a:schemeClr val="accent1"/>
+    </dgm:fillClrLst>
+    <dgm:linClrLst meth="repeat">
+      <a:schemeClr val="accent1"/>
+    </dgm:linClrLst>
+    <dgm:effectClrLst/>
+    <dgm:txLinClrLst/>
+    <dgm:txFillClrLst/>
+    <dgm:txEffectClrLst/>
+  </dgm:styleLbl>
+  <dgm:styleLbl name="parChTrans2D3">
+    <dgm:fillClrLst meth="repeat">
+      <a:schemeClr val="accent1"/>
+    </dgm:fillClrLst>
+    <dgm:linClrLst meth="repeat">
+      <a:schemeClr val="accent1"/>
+    </dgm:linClrLst>
+    <dgm:effectClrLst/>
+    <dgm:txLinClrLst/>
+    <dgm:txFillClrLst/>
+    <dgm:txEffectClrLst/>
+  </dgm:styleLbl>
+  <dgm:styleLbl name="parChTrans2D4">
+    <dgm:fillClrLst meth="repeat">
+      <a:schemeClr val="accent1"/>
+    </dgm:fillClrLst>
+    <dgm:linClrLst meth="repeat">
+      <a:schemeClr val="accent1"/>
+    </dgm:linClrLst>
+    <dgm:effectClrLst/>
+    <dgm:txLinClrLst/>
+    <dgm:txFillClrLst meth="repeat">
+      <a:schemeClr val="lt1"/>
+    </dgm:txFillClrLst>
+    <dgm:txEffectClrLst/>
+  </dgm:styleLbl>
+  <dgm:styleLbl name="parChTrans1D1">
+    <dgm:fillClrLst meth="repeat">
+      <a:schemeClr val="accent1"/>
+    </dgm:fillClrLst>
+    <dgm:linClrLst meth="repeat">
+      <a:schemeClr val="accent1">
+        <a:shade val="60000"/>
+      </a:schemeClr>
+    </dgm:linClrLst>
+    <dgm:effectClrLst/>
+    <dgm:txLinClrLst/>
+    <dgm:txFillClrLst meth="repeat">
+      <a:schemeClr val="tx1"/>
+    </dgm:txFillClrLst>
+    <dgm:txEffectClrLst/>
+  </dgm:styleLbl>
+  <dgm:styleLbl name="parChTrans1D2">
+    <dgm:fillClrLst meth="repeat">
+      <a:schemeClr val="accent1"/>
+    </dgm:fillClrLst>
+    <dgm:linClrLst meth="repeat">
+      <a:schemeClr val="accent1">
+        <a:shade val="60000"/>
+      </a:schemeClr>
+    </dgm:linClrLst>
+    <dgm:effectClrLst/>
+    <dgm:txLinClrLst/>
+    <dgm:txFillClrLst meth="repeat">
+      <a:schemeClr val="tx1"/>
+    </dgm:txFillClrLst>
+    <dgm:txEffectClrLst/>
+  </dgm:styleLbl>
+  <dgm:styleLbl name="parChTrans1D3">
+    <dgm:fillClrLst meth="repeat">
+      <a:schemeClr val="accent1"/>
+    </dgm:fillClrLst>
+    <dgm:linClrLst meth="repeat">
+      <a:schemeClr val="accent1">
+        <a:shade val="80000"/>
+      </a:schemeClr>
+    </dgm:linClrLst>
+    <dgm:effectClrLst/>
+    <dgm:txLinClrLst/>
+    <dgm:txFillClrLst meth="repeat">
+      <a:schemeClr val="tx1"/>
+    </dgm:txFillClrLst>
+    <dgm:txEffectClrLst/>
+  </dgm:styleLbl>
+  <dgm:styleLbl name="parChTrans1D4">
+    <dgm:fillClrLst meth="repeat">
+      <a:schemeClr val="accent1"/>
+    </dgm:fillClrLst>
+    <dgm:linClrLst meth="repeat">
+      <a:schemeClr val="accent1">
+        <a:shade val="80000"/>
+      </a:schemeClr>
+    </dgm:linClrLst>
+    <dgm:effectClrLst/>
+    <dgm:txLinClrLst/>
+    <dgm:txFillClrLst meth="repeat">
+      <a:schemeClr val="tx1"/>
+    </dgm:txFillClrLst>
+    <dgm:txEffectClrLst/>
+  </dgm:styleLbl>
+  <dgm:styleLbl name="fgAcc1">
+    <dgm:fillClrLst meth="repeat">
+      <a:schemeClr val="accent1">
+        <a:alpha val="90000"/>
+        <a:tint val="40000"/>
+      </a:schemeClr>
+    </dgm:fillClrLst>
+    <dgm:linClrLst meth="repeat">
+      <a:schemeClr val="accent1"/>
+    </dgm:linClrLst>
+    <dgm:effectClrLst/>
+    <dgm:txLinClrLst/>
+    <dgm:txFillClrLst meth="repeat">
+      <a:schemeClr val="dk1"/>
+    </dgm:txFillClrLst>
+    <dgm:txEffectClrLst/>
+  </dgm:styleLbl>
+  <dgm:styleLbl name="conFgAcc1">
+    <dgm:fillClrLst meth="repeat">
+      <a:schemeClr val="accent1">
+        <a:alpha val="90000"/>
+        <a:tint val="40000"/>
+      </a:schemeClr>
+    </dgm:fillClrLst>
+    <dgm:linClrLst meth="repeat">
+      <a:schemeClr val="accent1"/>
+    </dgm:linClrLst>
+    <dgm:effectClrLst/>
+    <dgm:txLinClrLst/>
+    <dgm:txFillClrLst meth="repeat">
+      <a:schemeClr val="dk1"/>
+    </dgm:txFillClrLst>
+    <dgm:txEffectClrLst/>
+  </dgm:styleLbl>
+  <dgm:styleLbl name="alignAcc1">
+    <dgm:fillClrLst meth="repeat">
+      <a:schemeClr val="accent1">
+        <a:alpha val="90000"/>
+        <a:tint val="40000"/>
+      </a:schemeClr>
+    </dgm:fillClrLst>
+    <dgm:linClrLst meth="repeat">
+      <a:schemeClr val="accent1"/>
+    </dgm:linClrLst>
+    <dgm:effectClrLst/>
+    <dgm:txLinClrLst/>
+    <dgm:txFillClrLst meth="repeat">
+      <a:schemeClr val="dk1"/>
+    </dgm:txFillClrLst>
+    <dgm:txEffectClrLst/>
+  </dgm:styleLbl>
+  <dgm:styleLbl name="trAlignAcc1">
+    <dgm:fillClrLst meth="repeat">
+      <a:schemeClr val="accent1">
+        <a:alpha val="40000"/>
+        <a:tint val="40000"/>
+      </a:schemeClr>
+    </dgm:fillClrLst>
+    <dgm:linClrLst meth="repeat">
+      <a:schemeClr val="accent1"/>
+    </dgm:linClrLst>
+    <dgm:effectClrLst/>
+    <dgm:txLinClrLst/>
+    <dgm:txFillClrLst meth="repeat">
+      <a:schemeClr val="dk1"/>
+    </dgm:txFillClrLst>
+    <dgm:txEffectClrLst/>
+  </dgm:styleLbl>
+  <dgm:styleLbl name="bgAcc1">
+    <dgm:fillClrLst meth="repeat">
+      <a:schemeClr val="accent1">
+        <a:alpha val="90000"/>
+        <a:tint val="40000"/>
+      </a:schemeClr>
+    </dgm:fillClrLst>
+    <dgm:linClrLst meth="repeat">
+      <a:schemeClr val="accent1"/>
+    </dgm:linClrLst>
+    <dgm:effectClrLst/>
+    <dgm:txLinClrLst/>
+    <dgm:txFillClrLst meth="repeat">
+      <a:schemeClr val="dk1"/>
+    </dgm:txFillClrLst>
+    <dgm:txEffectClrLst/>
+  </dgm:styleLbl>
+  <dgm:styleLbl name="solidFgAcc1">
+    <dgm:fillClrLst meth="repeat">
+      <a:schemeClr val="lt1"/>
+    </dgm:fillClrLst>
+    <dgm:linClrLst meth="repeat">
+      <a:schemeClr val="accent1"/>
+    </dgm:linClrLst>
+    <dgm:effectClrLst/>
+    <dgm:txLinClrLst/>
+    <dgm:txFillClrLst meth="repeat">
+      <a:schemeClr val="dk1"/>
+    </dgm:txFillClrLst>
+    <dgm:txEffectClrLst/>
+  </dgm:styleLbl>
+  <dgm:styleLbl name="solidAlignAcc1">
+    <dgm:fillClrLst meth="repeat">
+      <a:schemeClr val="lt1"/>
+    </dgm:fillClrLst>
+    <dgm:linClrLst meth="repeat">
+      <a:schemeClr val="accent1"/>
+    </dgm:linClrLst>
+    <dgm:effectClrLst/>
+    <dgm:txLinClrLst/>
+    <dgm:txFillClrLst meth="repeat">
+      <a:schemeClr val="dk1"/>
+    </dgm:txFillClrLst>
+    <dgm:txEffectClrLst/>
+  </dgm:styleLbl>
+  <dgm:styleLbl name="solidBgAcc1">
+    <dgm:fillClrLst meth="repeat">
+      <a:schemeClr val="lt1"/>
+    </dgm:fillClrLst>
+    <dgm:linClrLst meth="repeat">
+      <a:schemeClr val="accent1"/>
+    </dgm:linClrLst>
+    <dgm:effectClrLst/>
+    <dgm:txLinClrLst/>
+    <dgm:txFillClrLst meth="repeat">
+      <a:schemeClr val="dk1"/>
+    </dgm:txFillClrLst>
+    <dgm:txEffectClrLst/>
+  </dgm:styleLbl>
+  <dgm:styleLbl name="fgAccFollowNode1">
+    <dgm:fillClrLst meth="repeat">
+      <a:schemeClr val="lt1">
+        <a:alpha val="90000"/>
+        <a:tint val="40000"/>
+      </a:schemeClr>
+    </dgm:fillClrLst>
+    <dgm:linClrLst meth="repeat">
+      <a:schemeClr val="accent1">
+        <a:alpha val="90000"/>
+      </a:schemeClr>
+    </dgm:linClrLst>
+    <dgm:effectClrLst/>
+    <dgm:txLinClrLst/>
+    <dgm:txFillClrLst meth="repeat">
+      <a:schemeClr val="dk1"/>
+    </dgm:txFillClrLst>
+    <dgm:txEffectClrLst/>
+  </dgm:styleLbl>
+  <dgm:styleLbl name="alignAccFollowNode1">
+    <dgm:fillClrLst meth="repeat">
+      <a:schemeClr val="lt1">
+        <a:alpha val="90000"/>
+        <a:tint val="40000"/>
+      </a:schemeClr>
+    </dgm:fillClrLst>
+    <dgm:linClrLst meth="repeat">
+      <a:schemeClr val="accent1">
+        <a:alpha val="90000"/>
+      </a:schemeClr>
+    </dgm:linClrLst>
+    <dgm:effectClrLst/>
+    <dgm:txLinClrLst/>
+    <dgm:txFillClrLst meth="repeat">
+      <a:schemeClr val="dk1"/>
+    </dgm:txFillClrLst>
+    <dgm:txEffectClrLst/>
+  </dgm:styleLbl>
+  <dgm:styleLbl name="bgAccFollowNode1">
+    <dgm:fillClrLst meth="repeat">
+      <a:schemeClr val="lt1">
+        <a:alpha val="90000"/>
+        <a:tint val="40000"/>
+      </a:schemeClr>
+    </dgm:fillClrLst>
+    <dgm:linClrLst meth="repeat">
+      <a:schemeClr val="accent1">
+        <a:alpha val="90000"/>
+      </a:schemeClr>
+    </dgm:linClrLst>
+    <dgm:effectClrLst/>
+    <dgm:txLinClrLst/>
+    <dgm:txFillClrLst meth="repeat">
+      <a:schemeClr val="dk1"/>
+    </dgm:txFillClrLst>
+    <dgm:txEffectClrLst/>
+  </dgm:styleLbl>
+  <dgm:styleLbl name="fgAcc0">
+    <dgm:fillClrLst meth="repeat">
+      <a:schemeClr val="accent1">
+        <a:alpha val="90000"/>
+        <a:tint val="40000"/>
+      </a:schemeClr>
+    </dgm:fillClrLst>
+    <dgm:linClrLst meth="repeat">
+      <a:schemeClr val="accent1"/>
+    </dgm:linClrLst>
+    <dgm:effectClrLst/>
+    <dgm:txLinClrLst/>
+    <dgm:txFillClrLst meth="repeat">
+      <a:schemeClr val="dk1"/>
+    </dgm:txFillClrLst>
+    <dgm:txEffectClrLst/>
+  </dgm:styleLbl>
+  <dgm:styleLbl name="fgAcc2">
+    <dgm:fillClrLst meth="repeat">
+      <a:schemeClr val="accent1">
+        <a:alpha val="90000"/>
+        <a:tint val="40000"/>
+      </a:schemeClr>
+    </dgm:fillClrLst>
+    <dgm:linClrLst meth="repeat">
+      <a:schemeClr val="accent1"/>
+    </dgm:linClrLst>
+    <dgm:effectClrLst/>
+    <dgm:txLinClrLst/>
+    <dgm:txFillClrLst meth="repeat">
+      <a:schemeClr val="dk1"/>
+    </dgm:txFillClrLst>
+    <dgm:txEffectClrLst/>
+  </dgm:styleLbl>
+  <dgm:styleLbl name="fgAcc3">
+    <dgm:fillClrLst meth="repeat">
+      <a:schemeClr val="accent1">
+        <a:alpha val="90000"/>
+        <a:tint val="40000"/>
+      </a:schemeClr>
+    </dgm:fillClrLst>
+    <dgm:linClrLst meth="repeat">
+      <a:schemeClr val="accent1"/>
+    </dgm:linClrLst>
+    <dgm:effectClrLst/>
+    <dgm:txLinClrLst/>
+    <dgm:txFillClrLst meth="repeat">
+      <a:schemeClr val="dk1"/>
+    </dgm:txFillClrLst>
+    <dgm:txEffectClrLst/>
+  </dgm:styleLbl>
+  <dgm:styleLbl name="fgAcc4">
+    <dgm:fillClrLst meth="repeat">
+      <a:schemeClr val="accent1">
+        <a:alpha val="90000"/>
+        <a:tint val="40000"/>
+      </a:schemeClr>
+    </dgm:fillClrLst>
+    <dgm:linClrLst meth="repeat">
+      <a:schemeClr val="accent1"/>
+    </dgm:linClrLst>
+    <dgm:effectClrLst/>
+    <dgm:txLinClrLst/>
+    <dgm:txFillClrLst meth="repeat">
+      <a:schemeClr val="dk1"/>
+    </dgm:txFillClrLst>
+    <dgm:txEffectClrLst/>
+  </dgm:styleLbl>
+  <dgm:styleLbl name="bgShp">
+    <dgm:fillClrLst meth="repeat">
+      <a:schemeClr val="accent1">
+        <a:tint val="40000"/>
+      </a:schemeClr>
+    </dgm:fillClrLst>
+    <dgm:linClrLst meth="repeat">
+      <a:schemeClr val="accent1"/>
+    </dgm:linClrLst>
+    <dgm:effectClrLst/>
+    <dgm:txLinClrLst/>
+    <dgm:txFillClrLst meth="repeat">
+      <a:schemeClr val="dk1"/>
+    </dgm:txFillClrLst>
+    <dgm:txEffectClrLst/>
+  </dgm:styleLbl>
+  <dgm:styleLbl name="dkBgShp">
+    <dgm:fillClrLst meth="repeat">
+      <a:schemeClr val="accent1">
+        <a:shade val="80000"/>
+      </a:schemeClr>
+    </dgm:fillClrLst>
+    <dgm:linClrLst meth="repeat">
+      <a:schemeClr val="accent1"/>
+    </dgm:linClrLst>
+    <dgm:effectClrLst/>
+    <dgm:txLinClrLst/>
+    <dgm:txFillClrLst meth="repeat">
+      <a:schemeClr val="lt1"/>
+    </dgm:txFillClrLst>
+    <dgm:txEffectClrLst/>
+  </dgm:styleLbl>
+  <dgm:styleLbl name="trBgShp">
+    <dgm:fillClrLst meth="repeat">
+      <a:schemeClr val="accent1">
+        <a:tint val="50000"/>
+        <a:alpha val="40000"/>
+      </a:schemeClr>
+    </dgm:fillClrLst>
+    <dgm:linClrLst meth="repeat">
+      <a:schemeClr val="accent1"/>
+    </dgm:linClrLst>
+    <dgm:effectClrLst/>
+    <dgm:txLinClrLst/>
+    <dgm:txFillClrLst meth="repeat">
+      <a:schemeClr val="lt1"/>
+    </dgm:txFillClrLst>
+    <dgm:txEffectClrLst/>
+  </dgm:styleLbl>
+  <dgm:styleLbl name="fgShp">
+    <dgm:fillClrLst meth="repeat">
+      <a:schemeClr val="accent1">
+        <a:tint val="60000"/>
+      </a:schemeClr>
+    </dgm:fillClrLst>
+    <dgm:linClrLst meth="repeat">
+      <a:schemeClr val="lt1"/>
+    </dgm:linClrLst>
+    <dgm:effectClrLst/>
+    <dgm:txLinClrLst/>
+    <dgm:txFillClrLst meth="repeat">
+      <a:schemeClr val="dk1"/>
+    </dgm:txFillClrLst>
+    <dgm:txEffectClrLst/>
+  </dgm:styleLbl>
+  <dgm:styleLbl name="revTx">
+    <dgm:fillClrLst meth="repeat">
+      <a:schemeClr val="lt1">
+        <a:alpha val="0"/>
+      </a:schemeClr>
+    </dgm:fillClrLst>
+    <dgm:linClrLst meth="repeat">
+      <a:schemeClr val="dk1">
+        <a:alpha val="0"/>
+      </a:schemeClr>
+    </dgm:linClrLst>
+    <dgm:effectClrLst/>
+    <dgm:txLinClrLst/>
+    <dgm:txFillClrLst meth="repeat">
+      <a:schemeClr val="tx1"/>
+    </dgm:txFillClrLst>
+    <dgm:txEffectClrLst/>
+  </dgm:styleLbl>
+</dgm:colorsDef>
+</file>
+
+<file path=ppt/diagrams/colors2.xml><?xml version="1.0" encoding="utf-8"?>
+<dgm:colorsDef xmlns:dgm="http://schemas.openxmlformats.org/drawingml/2006/diagram" xmlns:a="http://schemas.openxmlformats.org/drawingml/2006/main" uniqueId="urn:microsoft.com/office/officeart/2005/8/colors/accent1_1">
+  <dgm:title val=""/>
+  <dgm:desc val=""/>
+  <dgm:catLst>
+    <dgm:cat type="accent1" pri="11100"/>
+  </dgm:catLst>
+  <dgm:styleLbl name="node0">
+    <dgm:fillClrLst meth="repeat">
+      <a:schemeClr val="lt1"/>
+    </dgm:fillClrLst>
+    <dgm:linClrLst meth="repeat">
+      <a:schemeClr val="accent1">
+        <a:shade val="80000"/>
+      </a:schemeClr>
+    </dgm:linClrLst>
+    <dgm:effectClrLst/>
+    <dgm:txLinClrLst/>
+    <dgm:txFillClrLst meth="repeat">
+      <a:schemeClr val="dk1"/>
+    </dgm:txFillClrLst>
+    <dgm:txEffectClrLst/>
+  </dgm:styleLbl>
+  <dgm:styleLbl name="alignNode1">
+    <dgm:fillClrLst meth="repeat">
+      <a:schemeClr val="lt1"/>
+    </dgm:fillClrLst>
+    <dgm:linClrLst meth="repeat">
+      <a:schemeClr val="accent1">
+        <a:shade val="80000"/>
+      </a:schemeClr>
+    </dgm:linClrLst>
+    <dgm:effectClrLst/>
+    <dgm:txLinClrLst/>
+    <dgm:txFillClrLst meth="repeat">
+      <a:schemeClr val="dk1"/>
+    </dgm:txFillClrLst>
+    <dgm:txEffectClrLst/>
+  </dgm:styleLbl>
+  <dgm:styleLbl name="node1">
+    <dgm:fillClrLst meth="repeat">
+      <a:schemeClr val="lt1"/>
+    </dgm:fillClrLst>
+    <dgm:linClrLst meth="repeat">
+      <a:schemeClr val="accent1">
+        <a:shade val="80000"/>
+      </a:schemeClr>
+    </dgm:linClrLst>
+    <dgm:effectClrLst/>
+    <dgm:txLinClrLst/>
+    <dgm:txFillClrLst meth="repeat">
+      <a:schemeClr val="dk1"/>
+    </dgm:txFillClrLst>
+    <dgm:txEffectClrLst/>
+  </dgm:styleLbl>
+  <dgm:styleLbl name="lnNode1">
+    <dgm:fillClrLst meth="repeat">
+      <a:schemeClr val="lt1"/>
+    </dgm:fillClrLst>
+    <dgm:linClrLst meth="repeat">
+      <a:schemeClr val="accent1">
+        <a:shade val="80000"/>
+      </a:schemeClr>
+    </dgm:linClrLst>
+    <dgm:effectClrLst/>
+    <dgm:txLinClrLst/>
+    <dgm:txFillClrLst meth="repeat">
+      <a:schemeClr val="dk1"/>
+    </dgm:txFillClrLst>
+    <dgm:txEffectClrLst/>
+  </dgm:styleLbl>
+  <dgm:styleLbl name="vennNode1">
+    <dgm:fillClrLst meth="repeat">
+      <a:schemeClr val="lt1">
+        <a:alpha val="50000"/>
+      </a:schemeClr>
+    </dgm:fillClrLst>
+    <dgm:linClrLst meth="repeat">
+      <a:schemeClr val="accent1">
+        <a:shade val="80000"/>
+      </a:schemeClr>
+    </dgm:linClrLst>
+    <dgm:effectClrLst/>
+    <dgm:txLinClrLst/>
+    <dgm:txFillClrLst/>
+    <dgm:txEffectClrLst/>
+  </dgm:styleLbl>
+  <dgm:styleLbl name="node2">
+    <dgm:fillClrLst meth="repeat">
+      <a:schemeClr val="lt1"/>
+    </dgm:fillClrLst>
+    <dgm:linClrLst meth="repeat">
+      <a:schemeClr val="accent1">
+        <a:shade val="80000"/>
+      </a:schemeClr>
+    </dgm:linClrLst>
+    <dgm:effectClrLst/>
+    <dgm:txLinClrLst/>
+    <dgm:txFillClrLst meth="repeat">
+      <a:schemeClr val="dk1"/>
+    </dgm:txFillClrLst>
+    <dgm:txEffectClrLst/>
+  </dgm:styleLbl>
+  <dgm:styleLbl name="node3">
+    <dgm:fillClrLst meth="repeat">
+      <a:schemeClr val="lt1"/>
+    </dgm:fillClrLst>
+    <dgm:linClrLst meth="repeat">
+      <a:schemeClr val="accent1">
+        <a:shade val="80000"/>
+      </a:schemeClr>
+    </dgm:linClrLst>
+    <dgm:effectClrLst/>
+    <dgm:txLinClrLst/>
+    <dgm:txFillClrLst meth="repeat">
+      <a:schemeClr val="dk1"/>
+    </dgm:txFillClrLst>
+    <dgm:txEffectClrLst/>
+  </dgm:styleLbl>
+  <dgm:styleLbl name="node4">
+    <dgm:fillClrLst meth="repeat">
+      <a:schemeClr val="lt1"/>
+    </dgm:fillClrLst>
+    <dgm:linClrLst meth="repeat">
+      <a:schemeClr val="accent1">
+        <a:shade val="80000"/>
+      </a:schemeClr>
+    </dgm:linClrLst>
+    <dgm:effectClrLst/>
+    <dgm:txLinClrLst/>
+    <dgm:txFillClrLst meth="repeat">
+      <a:schemeClr val="dk1"/>
+    </dgm:txFillClrLst>
+    <dgm:txEffectClrLst/>
+  </dgm:styleLbl>
+  <dgm:styleLbl name="fgImgPlace1">
+    <dgm:fillClrLst meth="repeat">
+      <a:schemeClr val="accent1">
+        <a:tint val="40000"/>
+      </a:schemeClr>
+    </dgm:fillClrLst>
+    <dgm:linClrLst meth="repeat">
+      <a:schemeClr val="accent1">
+        <a:shade val="80000"/>
+      </a:schemeClr>
+    </dgm:linClrLst>
+    <dgm:effectClrLst/>
+    <dgm:txLinClrLst/>
+    <dgm:txFillClrLst meth="repeat">
+      <a:schemeClr val="lt1"/>
+    </dgm:txFillClrLst>
+    <dgm:txEffectClrLst/>
+  </dgm:styleLbl>
+  <dgm:styleLbl name="alignImgPlace1">
+    <dgm:fillClrLst meth="repeat">
+      <a:schemeClr val="accent1">
+        <a:tint val="40000"/>
+      </a:schemeClr>
+    </dgm:fillClrLst>
+    <dgm:linClrLst meth="repeat">
+      <a:schemeClr val="accent1">
+        <a:shade val="80000"/>
+      </a:schemeClr>
+    </dgm:linClrLst>
+    <dgm:effectClrLst/>
+    <dgm:txLinClrLst/>
+    <dgm:txFillClrLst meth="repeat">
+      <a:schemeClr val="lt1"/>
+    </dgm:txFillClrLst>
+    <dgm:txEffectClrLst/>
+  </dgm:styleLbl>
+  <dgm:styleLbl name="bgImgPlace1">
+    <dgm:fillClrLst meth="repeat">
+      <a:schemeClr val="accent1">
+        <a:tint val="40000"/>
+      </a:schemeClr>
+    </dgm:fillClrLst>
+    <dgm:linClrLst meth="repeat">
+      <a:schemeClr val="accent1">
+        <a:shade val="80000"/>
+      </a:schemeClr>
+    </dgm:linClrLst>
+    <dgm:effectClrLst/>
+    <dgm:txLinClrLst/>
+    <dgm:txFillClrLst meth="repeat">
+      <a:schemeClr val="lt1"/>
+    </dgm:txFillClrLst>
+    <dgm:txEffectClrLst/>
+  </dgm:styleLbl>
+  <dgm:styleLbl name="sibTrans2D1">
+    <dgm:fillClrLst meth="repeat">
+      <a:schemeClr val="accent1">
+        <a:tint val="60000"/>
+      </a:schemeClr>
+    </dgm:fillClrLst>
+    <dgm:linClrLst meth="repeat">
+      <a:schemeClr val="accent1">
+        <a:tint val="60000"/>
+      </a:schemeClr>
+    </dgm:linClrLst>
+    <dgm:effectClrLst/>
+    <dgm:txLinClrLst/>
+    <dgm:txFillClrLst meth="repeat">
+      <a:schemeClr val="dk1"/>
+    </dgm:txFillClrLst>
+    <dgm:txEffectClrLst/>
+  </dgm:styleLbl>
+  <dgm:styleLbl name="fgSibTrans2D1">
+    <dgm:fillClrLst meth="repeat">
+      <a:schemeClr val="accent1">
+        <a:tint val="60000"/>
+      </a:schemeClr>
+    </dgm:fillClrLst>
+    <dgm:linClrLst meth="repeat">
+      <a:schemeClr val="accent1">
+        <a:tint val="60000"/>
+      </a:schemeClr>
+    </dgm:linClrLst>
+    <dgm:effectClrLst/>
+    <dgm:txLinClrLst/>
+    <dgm:txFillClrLst meth="repeat">
+      <a:schemeClr val="dk1"/>
+    </dgm:txFillClrLst>
+    <dgm:txEffectClrLst/>
+  </dgm:styleLbl>
+  <dgm:styleLbl name="bgSibTrans2D1">
+    <dgm:fillClrLst meth="repeat">
+      <a:schemeClr val="accent1">
+        <a:tint val="60000"/>
+      </a:schemeClr>
+    </dgm:fillClrLst>
+    <dgm:linClrLst meth="repeat">
+      <a:schemeClr val="accent1">
+        <a:tint val="60000"/>
+      </a:schemeClr>
+    </dgm:linClrLst>
+    <dgm:effectClrLst/>
+    <dgm:txLinClrLst/>
+    <dgm:txFillClrLst meth="repeat">
+      <a:schemeClr val="dk1"/>
+    </dgm:txFillClrLst>
+    <dgm:txEffectClrLst/>
+  </dgm:styleLbl>
+  <dgm:styleLbl name="sibTrans1D1">
+    <dgm:fillClrLst meth="repeat">
+      <a:schemeClr val="accent1"/>
+    </dgm:fillClrLst>
+    <dgm:linClrLst meth="repeat">
+      <a:schemeClr val="accent1"/>
+    </dgm:linClrLst>
+    <dgm:effectClrLst/>
+    <dgm:txLinClrLst/>
+    <dgm:txFillClrLst meth="repeat">
+      <a:schemeClr val="tx1"/>
+    </dgm:txFillClrLst>
+    <dgm:txEffectClrLst/>
+  </dgm:styleLbl>
+  <dgm:styleLbl name="callout">
+    <dgm:fillClrLst meth="repeat">
+      <a:schemeClr val="accent1"/>
+    </dgm:fillClrLst>
+    <dgm:linClrLst meth="repeat">
+      <a:schemeClr val="accent1"/>
+    </dgm:linClrLst>
+    <dgm:effectClrLst/>
+    <dgm:txLinClrLst/>
+    <dgm:txFillClrLst meth="repeat">
+      <a:schemeClr val="tx1"/>
+    </dgm:txFillClrLst>
+    <dgm:txEffectClrLst/>
+  </dgm:styleLbl>
+  <dgm:styleLbl name="asst0">
+    <dgm:fillClrLst meth="repeat">
+      <a:schemeClr val="lt1"/>
+    </dgm:fillClrLst>
+    <dgm:linClrLst meth="repeat">
+      <a:schemeClr val="accent1">
+        <a:shade val="80000"/>
+      </a:schemeClr>
+    </dgm:linClrLst>
+    <dgm:effectClrLst/>
+    <dgm:txLinClrLst/>
+    <dgm:txFillClrLst meth="repeat">
+      <a:schemeClr val="dk1"/>
+    </dgm:txFillClrLst>
+    <dgm:txEffectClrLst/>
+  </dgm:styleLbl>
+  <dgm:styleLbl name="asst1">
+    <dgm:fillClrLst meth="repeat">
+      <a:schemeClr val="lt1"/>
+    </dgm:fillClrLst>
+    <dgm:linClrLst meth="repeat">
+      <a:schemeClr val="accent1">
+        <a:shade val="80000"/>
+      </a:schemeClr>
+    </dgm:linClrLst>
+    <dgm:effectClrLst/>
+    <dgm:txLinClrLst/>
+    <dgm:txFillClrLst meth="repeat">
+      <a:schemeClr val="dk1"/>
+    </dgm:txFillClrLst>
+    <dgm:txEffectClrLst/>
+  </dgm:styleLbl>
+  <dgm:styleLbl name="asst2">
+    <dgm:fillClrLst meth="repeat">
+      <a:schemeClr val="lt1"/>
+    </dgm:fillClrLst>
+    <dgm:linClrLst meth="repeat">
+      <a:schemeClr val="accent1">
+        <a:shade val="80000"/>
+      </a:schemeClr>
+    </dgm:linClrLst>
+    <dgm:effectClrLst/>
+    <dgm:txLinClrLst/>
+    <dgm:txFillClrLst meth="repeat">
+      <a:schemeClr val="dk1"/>
+    </dgm:txFillClrLst>
+    <dgm:txEffectClrLst/>
+  </dgm:styleLbl>
+  <dgm:styleLbl name="asst3">
+    <dgm:fillClrLst meth="repeat">
+      <a:schemeClr val="lt1"/>
+    </dgm:fillClrLst>
+    <dgm:linClrLst meth="repeat">
+      <a:schemeClr val="accent1">
+        <a:shade val="80000"/>
+      </a:schemeClr>
+    </dgm:linClrLst>
+    <dgm:effectClrLst/>
+    <dgm:txLinClrLst/>
+    <dgm:txFillClrLst meth="repeat">
+      <a:schemeClr val="dk1"/>
+    </dgm:txFillClrLst>
+    <dgm:txEffectClrLst/>
+  </dgm:styleLbl>
+  <dgm:styleLbl name="asst4">
+    <dgm:fillClrLst meth="repeat">
+      <a:schemeClr val="lt1"/>
+    </dgm:fillClrLst>
+    <dgm:linClrLst meth="repeat">
+      <a:schemeClr val="accent1">
+        <a:shade val="80000"/>
+      </a:schemeClr>
+    </dgm:linClrLst>
+    <dgm:effectClrLst/>
+    <dgm:txLinClrLst/>
+    <dgm:txFillClrLst meth="repeat">
+      <a:schemeClr val="dk1"/>
+    </dgm:txFillClrLst>
+    <dgm:txEffectClrLst/>
+  </dgm:styleLbl>
+  <dgm:styleLbl name="parChTrans2D1">
+    <dgm:fillClrLst meth="repeat">
+      <a:schemeClr val="accent1">
+        <a:tint val="60000"/>
+      </a:schemeClr>
+    </dgm:fillClrLst>
+    <dgm:linClrLst meth="repeat">
+      <a:schemeClr val="accent1">
+        <a:tint val="60000"/>
+      </a:schemeClr>
+    </dgm:linClrLst>
+    <dgm:effectClrLst/>
+    <dgm:txLinClrLst/>
+    <dgm:txFillClrLst/>
+    <dgm:txEffectClrLst/>
+  </dgm:styleLbl>
+  <dgm:styleLbl name="parChTrans2D2">
+    <dgm:fillClrLst meth="repeat">
+      <a:schemeClr val="accent1"/>
+    </dgm:fillClrLst>
+    <dgm:linClrLst meth="repeat">
+      <a:schemeClr val="accent1"/>
+    </dgm:linClrLst>
+    <dgm:effectClrLst/>
+    <dgm:txLinClrLst/>
+    <dgm:txFillClrLst/>
+    <dgm:txEffectClrLst/>
+  </dgm:styleLbl>
+  <dgm:styleLbl name="parChTrans2D3">
+    <dgm:fillClrLst meth="repeat">
+      <a:schemeClr val="accent1"/>
+    </dgm:fillClrLst>
+    <dgm:linClrLst meth="repeat">
+      <a:schemeClr val="accent1"/>
+    </dgm:linClrLst>
+    <dgm:effectClrLst/>
+    <dgm:txLinClrLst/>
+    <dgm:txFillClrLst/>
+    <dgm:txEffectClrLst/>
+  </dgm:styleLbl>
+  <dgm:styleLbl name="parChTrans2D4">
+    <dgm:fillClrLst meth="repeat">
+      <a:schemeClr val="accent1"/>
+    </dgm:fillClrLst>
+    <dgm:linClrLst meth="repeat">
+      <a:schemeClr val="accent1"/>
+    </dgm:linClrLst>
+    <dgm:effectClrLst/>
+    <dgm:txLinClrLst/>
+    <dgm:txFillClrLst meth="repeat">
+      <a:schemeClr val="lt1"/>
+    </dgm:txFillClrLst>
+    <dgm:txEffectClrLst/>
+  </dgm:styleLbl>
+  <dgm:styleLbl name="parChTrans1D1">
+    <dgm:fillClrLst meth="repeat">
+      <a:schemeClr val="accent1"/>
+    </dgm:fillClrLst>
+    <dgm:linClrLst meth="repeat">
+      <a:schemeClr val="accent1">
+        <a:shade val="60000"/>
+      </a:schemeClr>
+    </dgm:linClrLst>
+    <dgm:effectClrLst/>
+    <dgm:txLinClrLst/>
+    <dgm:txFillClrLst meth="repeat">
+      <a:schemeClr val="tx1"/>
+    </dgm:txFillClrLst>
+    <dgm:txEffectClrLst/>
+  </dgm:styleLbl>
+  <dgm:styleLbl name="parChTrans1D2">
+    <dgm:fillClrLst meth="repeat">
+      <a:schemeClr val="accent1"/>
+    </dgm:fillClrLst>
+    <dgm:linClrLst meth="repeat">
+      <a:schemeClr val="accent1">
+        <a:shade val="60000"/>
+      </a:schemeClr>
+    </dgm:linClrLst>
+    <dgm:effectClrLst/>
+    <dgm:txLinClrLst/>
+    <dgm:txFillClrLst meth="repeat">
+      <a:schemeClr val="tx1"/>
+    </dgm:txFillClrLst>
+    <dgm:txEffectClrLst/>
+  </dgm:styleLbl>
+  <dgm:styleLbl name="parChTrans1D3">
+    <dgm:fillClrLst meth="repeat">
+      <a:schemeClr val="accent1"/>
+    </dgm:fillClrLst>
+    <dgm:linClrLst meth="repeat">
+      <a:schemeClr val="accent1">
+        <a:shade val="80000"/>
+      </a:schemeClr>
+    </dgm:linClrLst>
+    <dgm:effectClrLst/>
+    <dgm:txLinClrLst/>
+    <dgm:txFillClrLst meth="repeat">
+      <a:schemeClr val="tx1"/>
+    </dgm:txFillClrLst>
+    <dgm:txEffectClrLst/>
+  </dgm:styleLbl>
+  <dgm:styleLbl name="parChTrans1D4">
+    <dgm:fillClrLst meth="repeat">
+      <a:schemeClr val="accent1"/>
+    </dgm:fillClrLst>
+    <dgm:linClrLst meth="repeat">
+      <a:schemeClr val="accent1">
+        <a:shade val="80000"/>
+      </a:schemeClr>
+    </dgm:linClrLst>
+    <dgm:effectClrLst/>
+    <dgm:txLinClrLst/>
+    <dgm:txFillClrLst meth="repeat">
+      <a:schemeClr val="tx1"/>
+    </dgm:txFillClrLst>
+    <dgm:txEffectClrLst/>
+  </dgm:styleLbl>
+  <dgm:styleLbl name="fgAcc1">
+    <dgm:fillClrLst meth="repeat">
+      <a:schemeClr val="accent1">
+        <a:alpha val="90000"/>
+        <a:tint val="40000"/>
+      </a:schemeClr>
+    </dgm:fillClrLst>
+    <dgm:linClrLst meth="repeat">
+      <a:schemeClr val="accent1"/>
+    </dgm:linClrLst>
+    <dgm:effectClrLst/>
+    <dgm:txLinClrLst/>
+    <dgm:txFillClrLst meth="repeat">
+      <a:schemeClr val="dk1"/>
+    </dgm:txFillClrLst>
+    <dgm:txEffectClrLst/>
+  </dgm:styleLbl>
+  <dgm:styleLbl name="conFgAcc1">
+    <dgm:fillClrLst meth="repeat">
+      <a:schemeClr val="accent1">
+        <a:alpha val="90000"/>
+        <a:tint val="40000"/>
+      </a:schemeClr>
+    </dgm:fillClrLst>
+    <dgm:linClrLst meth="repeat">
+      <a:schemeClr val="accent1"/>
+    </dgm:linClrLst>
+    <dgm:effectClrLst/>
+    <dgm:txLinClrLst/>
+    <dgm:txFillClrLst meth="repeat">
+      <a:schemeClr val="dk1"/>
+    </dgm:txFillClrLst>
+    <dgm:txEffectClrLst/>
+  </dgm:styleLbl>
+  <dgm:styleLbl name="alignAcc1">
+    <dgm:fillClrLst meth="repeat">
+      <a:schemeClr val="accent1">
+        <a:alpha val="90000"/>
+        <a:tint val="40000"/>
+      </a:schemeClr>
+    </dgm:fillClrLst>
+    <dgm:linClrLst meth="repeat">
+      <a:schemeClr val="accent1"/>
+    </dgm:linClrLst>
+    <dgm:effectClrLst/>
+    <dgm:txLinClrLst/>
+    <dgm:txFillClrLst meth="repeat">
+      <a:schemeClr val="dk1"/>
+    </dgm:txFillClrLst>
+    <dgm:txEffectClrLst/>
+  </dgm:styleLbl>
+  <dgm:styleLbl name="trAlignAcc1">
+    <dgm:fillClrLst meth="repeat">
+      <a:schemeClr val="accent1">
+        <a:alpha val="40000"/>
+        <a:tint val="40000"/>
+      </a:schemeClr>
+    </dgm:fillClrLst>
+    <dgm:linClrLst meth="repeat">
+      <a:schemeClr val="accent1"/>
+    </dgm:linClrLst>
+    <dgm:effectClrLst/>
+    <dgm:txLinClrLst/>
+    <dgm:txFillClrLst meth="repeat">
+      <a:schemeClr val="dk1"/>
+    </dgm:txFillClrLst>
+    <dgm:txEffectClrLst/>
+  </dgm:styleLbl>
+  <dgm:styleLbl name="bgAcc1">
+    <dgm:fillClrLst meth="repeat">
+      <a:schemeClr val="accent1">
+        <a:alpha val="90000"/>
+        <a:tint val="40000"/>
+      </a:schemeClr>
+    </dgm:fillClrLst>
+    <dgm:linClrLst meth="repeat">
+      <a:schemeClr val="accent1"/>
+    </dgm:linClrLst>
+    <dgm:effectClrLst/>
+    <dgm:txLinClrLst/>
+    <dgm:txFillClrLst meth="repeat">
+      <a:schemeClr val="dk1"/>
+    </dgm:txFillClrLst>
+    <dgm:txEffectClrLst/>
+  </dgm:styleLbl>
+  <dgm:styleLbl name="solidFgAcc1">
+    <dgm:fillClrLst meth="repeat">
+      <a:schemeClr val="lt1"/>
+    </dgm:fillClrLst>
+    <dgm:linClrLst meth="repeat">
+      <a:schemeClr val="accent1"/>
+    </dgm:linClrLst>
+    <dgm:effectClrLst/>
+    <dgm:txLinClrLst/>
+    <dgm:txFillClrLst meth="repeat">
+      <a:schemeClr val="dk1"/>
+    </dgm:txFillClrLst>
+    <dgm:txEffectClrLst/>
+  </dgm:styleLbl>
+  <dgm:styleLbl name="solidAlignAcc1">
+    <dgm:fillClrLst meth="repeat">
+      <a:schemeClr val="lt1"/>
+    </dgm:fillClrLst>
+    <dgm:linClrLst meth="repeat">
+      <a:schemeClr val="accent1"/>
+    </dgm:linClrLst>
+    <dgm:effectClrLst/>
+    <dgm:txLinClrLst/>
+    <dgm:txFillClrLst meth="repeat">
+      <a:schemeClr val="dk1"/>
+    </dgm:txFillClrLst>
+    <dgm:txEffectClrLst/>
+  </dgm:styleLbl>
+  <dgm:styleLbl name="solidBgAcc1">
+    <dgm:fillClrLst meth="repeat">
+      <a:schemeClr val="lt1"/>
+    </dgm:fillClrLst>
+    <dgm:linClrLst meth="repeat">
+      <a:schemeClr val="accent1"/>
+    </dgm:linClrLst>
+    <dgm:effectClrLst/>
+    <dgm:txLinClrLst/>
+    <dgm:txFillClrLst meth="repeat">
+      <a:schemeClr val="dk1"/>
+    </dgm:txFillClrLst>
+    <dgm:txEffectClrLst/>
+  </dgm:styleLbl>
+  <dgm:styleLbl name="fgAccFollowNode1">
+    <dgm:fillClrLst meth="repeat">
+      <a:schemeClr val="lt1">
+        <a:alpha val="90000"/>
+        <a:tint val="40000"/>
+      </a:schemeClr>
+    </dgm:fillClrLst>
+    <dgm:linClrLst meth="repeat">
+      <a:schemeClr val="accent1">
+        <a:alpha val="90000"/>
+      </a:schemeClr>
+    </dgm:linClrLst>
+    <dgm:effectClrLst/>
+    <dgm:txLinClrLst/>
+    <dgm:txFillClrLst meth="repeat">
+      <a:schemeClr val="dk1"/>
+    </dgm:txFillClrLst>
+    <dgm:txEffectClrLst/>
+  </dgm:styleLbl>
+  <dgm:styleLbl name="alignAccFollowNode1">
+    <dgm:fillClrLst meth="repeat">
+      <a:schemeClr val="lt1">
+        <a:alpha val="90000"/>
+        <a:tint val="40000"/>
+      </a:schemeClr>
+    </dgm:fillClrLst>
+    <dgm:linClrLst meth="repeat">
+      <a:schemeClr val="accent1">
+        <a:alpha val="90000"/>
+      </a:schemeClr>
+    </dgm:linClrLst>
+    <dgm:effectClrLst/>
+    <dgm:txLinClrLst/>
+    <dgm:txFillClrLst meth="repeat">
+      <a:schemeClr val="dk1"/>
+    </dgm:txFillClrLst>
+    <dgm:txEffectClrLst/>
+  </dgm:styleLbl>
+  <dgm:styleLbl name="bgAccFollowNode1">
+    <dgm:fillClrLst meth="repeat">
+      <a:schemeClr val="lt1">
+        <a:alpha val="90000"/>
+        <a:tint val="40000"/>
+      </a:schemeClr>
+    </dgm:fillClrLst>
+    <dgm:linClrLst meth="repeat">
+      <a:schemeClr val="accent1">
+        <a:alpha val="90000"/>
+      </a:schemeClr>
+    </dgm:linClrLst>
+    <dgm:effectClrLst/>
+    <dgm:txLinClrLst/>
+    <dgm:txFillClrLst meth="repeat">
+      <a:schemeClr val="dk1"/>
+    </dgm:txFillClrLst>
+    <dgm:txEffectClrLst/>
+  </dgm:styleLbl>
+  <dgm:styleLbl name="fgAcc0">
+    <dgm:fillClrLst meth="repeat">
+      <a:schemeClr val="accent1">
+        <a:alpha val="90000"/>
+        <a:tint val="40000"/>
+      </a:schemeClr>
+    </dgm:fillClrLst>
+    <dgm:linClrLst meth="repeat">
+      <a:schemeClr val="accent1"/>
+    </dgm:linClrLst>
+    <dgm:effectClrLst/>
+    <dgm:txLinClrLst/>
+    <dgm:txFillClrLst meth="repeat">
+      <a:schemeClr val="dk1"/>
+    </dgm:txFillClrLst>
+    <dgm:txEffectClrLst/>
+  </dgm:styleLbl>
+  <dgm:styleLbl name="fgAcc2">
+    <dgm:fillClrLst meth="repeat">
+      <a:schemeClr val="accent1">
+        <a:alpha val="90000"/>
+        <a:tint val="40000"/>
+      </a:schemeClr>
+    </dgm:fillClrLst>
+    <dgm:linClrLst meth="repeat">
+      <a:schemeClr val="accent1"/>
+    </dgm:linClrLst>
+    <dgm:effectClrLst/>
+    <dgm:txLinClrLst/>
+    <dgm:txFillClrLst meth="repeat">
+      <a:schemeClr val="dk1"/>
+    </dgm:txFillClrLst>
+    <dgm:txEffectClrLst/>
+  </dgm:styleLbl>
+  <dgm:styleLbl name="fgAcc3">
+    <dgm:fillClrLst meth="repeat">
+      <a:schemeClr val="accent1">
+        <a:alpha val="90000"/>
+        <a:tint val="40000"/>
+      </a:schemeClr>
+    </dgm:fillClrLst>
+    <dgm:linClrLst meth="repeat">
+      <a:schemeClr val="accent1"/>
+    </dgm:linClrLst>
+    <dgm:effectClrLst/>
+    <dgm:txLinClrLst/>
+    <dgm:txFillClrLst meth="repeat">
+      <a:schemeClr val="dk1"/>
+    </dgm:txFillClrLst>
+    <dgm:txEffectClrLst/>
+  </dgm:styleLbl>
+  <dgm:styleLbl name="fgAcc4">
+    <dgm:fillClrLst meth="repeat">
+      <a:schemeClr val="accent1">
+        <a:alpha val="90000"/>
+        <a:tint val="40000"/>
+      </a:schemeClr>
+    </dgm:fillClrLst>
+    <dgm:linClrLst meth="repeat">
+      <a:schemeClr val="accent1"/>
+    </dgm:linClrLst>
+    <dgm:effectClrLst/>
+    <dgm:txLinClrLst/>
+    <dgm:txFillClrLst meth="repeat">
+      <a:schemeClr val="dk1"/>
+    </dgm:txFillClrLst>
+    <dgm:txEffectClrLst/>
+  </dgm:styleLbl>
+  <dgm:styleLbl name="bgShp">
+    <dgm:fillClrLst meth="repeat">
+      <a:schemeClr val="accent1">
+        <a:tint val="40000"/>
+      </a:schemeClr>
+    </dgm:fillClrLst>
+    <dgm:linClrLst meth="repeat">
+      <a:schemeClr val="accent1"/>
+    </dgm:linClrLst>
+    <dgm:effectClrLst/>
+    <dgm:txLinClrLst/>
+    <dgm:txFillClrLst meth="repeat">
+      <a:schemeClr val="dk1"/>
+    </dgm:txFillClrLst>
+    <dgm:txEffectClrLst/>
+  </dgm:styleLbl>
+  <dgm:styleLbl name="dkBgShp">
+    <dgm:fillClrLst meth="repeat">
+      <a:schemeClr val="accent1">
+        <a:shade val="80000"/>
+      </a:schemeClr>
+    </dgm:fillClrLst>
+    <dgm:linClrLst meth="repeat">
+      <a:schemeClr val="accent1"/>
+    </dgm:linClrLst>
+    <dgm:effectClrLst/>
+    <dgm:txLinClrLst/>
+    <dgm:txFillClrLst meth="repeat">
+      <a:schemeClr val="lt1"/>
+    </dgm:txFillClrLst>
+    <dgm:txEffectClrLst/>
+  </dgm:styleLbl>
+  <dgm:styleLbl name="trBgShp">
+    <dgm:fillClrLst meth="repeat">
+      <a:schemeClr val="accent1">
+        <a:tint val="50000"/>
+        <a:alpha val="40000"/>
+      </a:schemeClr>
+    </dgm:fillClrLst>
+    <dgm:linClrLst meth="repeat">
+      <a:schemeClr val="accent1"/>
+    </dgm:linClrLst>
+    <dgm:effectClrLst/>
+    <dgm:txLinClrLst/>
+    <dgm:txFillClrLst meth="repeat">
+      <a:schemeClr val="lt1"/>
+    </dgm:txFillClrLst>
+    <dgm:txEffectClrLst/>
+  </dgm:styleLbl>
+  <dgm:styleLbl name="fgShp">
+    <dgm:fillClrLst meth="repeat">
+      <a:schemeClr val="accent1">
+        <a:tint val="60000"/>
+      </a:schemeClr>
+    </dgm:fillClrLst>
+    <dgm:linClrLst meth="repeat">
+      <a:schemeClr val="lt1"/>
+    </dgm:linClrLst>
+    <dgm:effectClrLst/>
+    <dgm:txLinClrLst/>
+    <dgm:txFillClrLst meth="repeat">
+      <a:schemeClr val="dk1"/>
+    </dgm:txFillClrLst>
+    <dgm:txEffectClrLst/>
+  </dgm:styleLbl>
+  <dgm:styleLbl name="revTx">
+    <dgm:fillClrLst meth="repeat">
+      <a:schemeClr val="lt1">
+        <a:alpha val="0"/>
+      </a:schemeClr>
+    </dgm:fillClrLst>
+    <dgm:linClrLst meth="repeat">
+      <a:schemeClr val="dk1">
+        <a:alpha val="0"/>
+      </a:schemeClr>
+    </dgm:linClrLst>
+    <dgm:effectClrLst/>
+    <dgm:txLinClrLst/>
+    <dgm:txFillClrLst meth="repeat">
+      <a:schemeClr val="tx1"/>
+    </dgm:txFillClrLst>
+    <dgm:txEffectClrLst/>
+  </dgm:styleLbl>
+</dgm:colorsDef>
+</file>
+
+<file path=ppt/diagrams/data1.xml><?xml version="1.0" encoding="utf-8"?>
+<dgm:dataModel xmlns:dgm="http://schemas.openxmlformats.org/drawingml/2006/diagram" xmlns:a="http://schemas.openxmlformats.org/drawingml/2006/main">
+  <dgm:ptLst>
+    <dgm:pt modelId="{002D058C-0E6C-4248-B324-B4771D015659}" type="doc">
+      <dgm:prSet loTypeId="urn:microsoft.com/office/officeart/2005/8/layout/process1" loCatId="process" qsTypeId="urn:microsoft.com/office/officeart/2005/8/quickstyle/simple1" qsCatId="simple" csTypeId="urn:microsoft.com/office/officeart/2005/8/colors/accent1_1" csCatId="accent1" phldr="1"/>
+      <dgm:spPr/>
+    </dgm:pt>
+    <dgm:pt modelId="{7EA388BB-C55B-4705-B1A8-C726CA93CDD6}">
+      <dgm:prSet phldrT="[텍스트]" custT="1"/>
+      <dgm:spPr/>
+      <dgm:t>
+        <a:bodyPr/>
+        <a:lstStyle/>
+        <a:p>
+          <a:pPr latinLnBrk="1"/>
+          <a:r>
+            <a:rPr lang="ko-KR" altLang="en-US" sz="3600" dirty="0" err="1" smtClean="0">
+              <a:latin typeface="HY견명조" pitchFamily="18" charset="-127"/>
+              <a:ea typeface="HY견명조" pitchFamily="18" charset="-127"/>
+            </a:rPr>
+            <a:t>크롤링</a:t>
+          </a:r>
+          <a:endParaRPr lang="en-US" altLang="ko-KR" sz="1600" dirty="0" smtClean="0">
+            <a:latin typeface="HY견명조" pitchFamily="18" charset="-127"/>
+            <a:ea typeface="HY견명조" pitchFamily="18" charset="-127"/>
+          </a:endParaRPr>
+        </a:p>
+      </dgm:t>
+    </dgm:pt>
+    <dgm:pt modelId="{C15E12E0-BF34-4505-B863-23AD6CB399CC}" type="parTrans" cxnId="{137CBF47-1968-4644-AC14-CD7E7EB69318}">
+      <dgm:prSet/>
+      <dgm:spPr/>
+      <dgm:t>
+        <a:bodyPr/>
+        <a:lstStyle/>
+        <a:p>
+          <a:pPr latinLnBrk="1"/>
+          <a:endParaRPr lang="ko-KR" altLang="en-US"/>
+        </a:p>
+      </dgm:t>
+    </dgm:pt>
+    <dgm:pt modelId="{DBD899D0-3323-4E0E-ADAA-6C4D9DA1CC07}" type="sibTrans" cxnId="{137CBF47-1968-4644-AC14-CD7E7EB69318}">
+      <dgm:prSet/>
+      <dgm:spPr>
+        <a:noFill/>
+        <a:ln>
+          <a:solidFill>
+            <a:schemeClr val="accent1">
+              <a:alpha val="29000"/>
+            </a:schemeClr>
+          </a:solidFill>
+        </a:ln>
+      </dgm:spPr>
+      <dgm:t>
+        <a:bodyPr/>
+        <a:lstStyle/>
+        <a:p>
+          <a:pPr latinLnBrk="1"/>
+          <a:endParaRPr lang="ko-KR" altLang="en-US"/>
+        </a:p>
+      </dgm:t>
+    </dgm:pt>
+    <dgm:pt modelId="{0043F73B-BC1F-4701-BF4D-8FF237616A62}">
+      <dgm:prSet phldrT="[텍스트]"/>
+      <dgm:spPr>
+        <a:noFill/>
+        <a:ln>
+          <a:solidFill>
+            <a:schemeClr val="accent1">
+              <a:alpha val="29000"/>
+            </a:schemeClr>
+          </a:solidFill>
+        </a:ln>
+      </dgm:spPr>
+      <dgm:t>
+        <a:bodyPr/>
+        <a:lstStyle/>
+        <a:p>
+          <a:pPr latinLnBrk="1"/>
+          <a:r>
+            <a:rPr lang="ko-KR" altLang="en-US" dirty="0" smtClean="0">
+              <a:solidFill>
+                <a:srgbClr val="C0C0C0"/>
+              </a:solidFill>
+            </a:rPr>
+            <a:t>형태소분석</a:t>
+          </a:r>
+          <a:endParaRPr lang="ko-KR" altLang="en-US" dirty="0">
+            <a:solidFill>
+              <a:srgbClr val="C0C0C0"/>
+            </a:solidFill>
+          </a:endParaRPr>
+        </a:p>
+      </dgm:t>
+    </dgm:pt>
+    <dgm:pt modelId="{AF8DB399-96D7-4D2A-B5E3-0F204ECC0177}" type="parTrans" cxnId="{3F121385-A60A-4CFA-9A96-ECA81640B9E2}">
+      <dgm:prSet/>
+      <dgm:spPr/>
+      <dgm:t>
+        <a:bodyPr/>
+        <a:lstStyle/>
+        <a:p>
+          <a:pPr latinLnBrk="1"/>
+          <a:endParaRPr lang="ko-KR" altLang="en-US"/>
+        </a:p>
+      </dgm:t>
+    </dgm:pt>
+    <dgm:pt modelId="{00656191-271B-4388-84EB-B2A219699656}" type="sibTrans" cxnId="{3F121385-A60A-4CFA-9A96-ECA81640B9E2}">
+      <dgm:prSet/>
+      <dgm:spPr>
+        <a:noFill/>
+        <a:ln>
+          <a:solidFill>
+            <a:schemeClr val="accent1">
+              <a:alpha val="29000"/>
+            </a:schemeClr>
+          </a:solidFill>
+        </a:ln>
+      </dgm:spPr>
+      <dgm:t>
+        <a:bodyPr/>
+        <a:lstStyle/>
+        <a:p>
+          <a:pPr latinLnBrk="1"/>
+          <a:endParaRPr lang="ko-KR" altLang="en-US"/>
+        </a:p>
+      </dgm:t>
+    </dgm:pt>
+    <dgm:pt modelId="{23995C39-C9D1-46BA-98DC-6A4E232480BC}">
+      <dgm:prSet phldrT="[텍스트]"/>
+      <dgm:spPr>
+        <a:noFill/>
+        <a:ln>
+          <a:solidFill>
+            <a:schemeClr val="accent1">
+              <a:alpha val="29000"/>
+            </a:schemeClr>
+          </a:solidFill>
+        </a:ln>
+      </dgm:spPr>
+      <dgm:t>
+        <a:bodyPr/>
+        <a:lstStyle/>
+        <a:p>
+          <a:pPr latinLnBrk="1"/>
+          <a:r>
+            <a:rPr lang="ko-KR" altLang="en-US" dirty="0" smtClean="0">
+              <a:solidFill>
+                <a:srgbClr val="C0C0C0"/>
+              </a:solidFill>
+            </a:rPr>
+            <a:t>통계적 접근</a:t>
+          </a:r>
+          <a:endParaRPr lang="ko-KR" altLang="en-US" dirty="0">
+            <a:solidFill>
+              <a:srgbClr val="C0C0C0"/>
+            </a:solidFill>
+          </a:endParaRPr>
+        </a:p>
+      </dgm:t>
+    </dgm:pt>
+    <dgm:pt modelId="{68C7B4BE-C6C5-4C37-8BD4-A9EE44A70E8F}" type="parTrans" cxnId="{491E9036-49B4-46C2-BAC9-385F3363C586}">
+      <dgm:prSet/>
+      <dgm:spPr/>
+      <dgm:t>
+        <a:bodyPr/>
+        <a:lstStyle/>
+        <a:p>
+          <a:pPr latinLnBrk="1"/>
+          <a:endParaRPr lang="ko-KR" altLang="en-US"/>
+        </a:p>
+      </dgm:t>
+    </dgm:pt>
+    <dgm:pt modelId="{A8CC029D-8F96-48E8-B614-6A72A2753BF2}" type="sibTrans" cxnId="{491E9036-49B4-46C2-BAC9-385F3363C586}">
+      <dgm:prSet/>
+      <dgm:spPr>
+        <a:noFill/>
+        <a:ln>
+          <a:solidFill>
+            <a:schemeClr val="accent1">
+              <a:alpha val="29000"/>
+            </a:schemeClr>
+          </a:solidFill>
+        </a:ln>
+      </dgm:spPr>
+      <dgm:t>
+        <a:bodyPr/>
+        <a:lstStyle/>
+        <a:p>
+          <a:pPr latinLnBrk="1"/>
+          <a:endParaRPr lang="ko-KR" altLang="en-US"/>
+        </a:p>
+      </dgm:t>
+    </dgm:pt>
+    <dgm:pt modelId="{A48E7ACD-695C-45BF-9D40-20BF355E6A05}">
+      <dgm:prSet phldrT="[텍스트]"/>
+      <dgm:spPr>
+        <a:noFill/>
+        <a:ln>
+          <a:solidFill>
+            <a:schemeClr val="accent1">
+              <a:alpha val="29000"/>
+            </a:schemeClr>
+          </a:solidFill>
+        </a:ln>
+      </dgm:spPr>
+      <dgm:t>
+        <a:bodyPr/>
+        <a:lstStyle/>
+        <a:p>
+          <a:pPr latinLnBrk="1"/>
+          <a:r>
+            <a:rPr lang="en-US" altLang="ko-KR" dirty="0" smtClean="0">
+              <a:solidFill>
+                <a:srgbClr val="C0C0C0"/>
+              </a:solidFill>
+            </a:rPr>
+            <a:t>DB</a:t>
+          </a:r>
+          <a:endParaRPr lang="ko-KR" altLang="en-US" dirty="0">
+            <a:solidFill>
+              <a:srgbClr val="C0C0C0"/>
+            </a:solidFill>
+          </a:endParaRPr>
+        </a:p>
+      </dgm:t>
+    </dgm:pt>
+    <dgm:pt modelId="{40A39129-7B2B-46DF-AF6E-476143608060}" type="parTrans" cxnId="{A7D32570-0B64-44FD-9AB3-E7F53152DF6B}">
+      <dgm:prSet/>
+      <dgm:spPr/>
+      <dgm:t>
+        <a:bodyPr/>
+        <a:lstStyle/>
+        <a:p>
+          <a:pPr latinLnBrk="1"/>
+          <a:endParaRPr lang="ko-KR" altLang="en-US"/>
+        </a:p>
+      </dgm:t>
+    </dgm:pt>
+    <dgm:pt modelId="{3A4E202C-9F9F-4547-9C4A-9E8CCA383AE2}" type="sibTrans" cxnId="{A7D32570-0B64-44FD-9AB3-E7F53152DF6B}">
+      <dgm:prSet/>
+      <dgm:spPr>
+        <a:noFill/>
+        <a:ln>
+          <a:solidFill>
+            <a:schemeClr val="accent1">
+              <a:alpha val="29000"/>
+            </a:schemeClr>
+          </a:solidFill>
+        </a:ln>
+      </dgm:spPr>
+      <dgm:t>
+        <a:bodyPr/>
+        <a:lstStyle/>
+        <a:p>
+          <a:pPr latinLnBrk="1"/>
+          <a:endParaRPr lang="ko-KR" altLang="en-US"/>
+        </a:p>
+      </dgm:t>
+    </dgm:pt>
+    <dgm:pt modelId="{BE259B64-F260-4AD1-9F16-FED6F3B5B9EC}">
+      <dgm:prSet phldrT="[텍스트]"/>
+      <dgm:spPr>
+        <a:noFill/>
+        <a:ln>
+          <a:solidFill>
+            <a:schemeClr val="accent1">
+              <a:alpha val="29000"/>
+            </a:schemeClr>
+          </a:solidFill>
+        </a:ln>
+      </dgm:spPr>
+      <dgm:t>
+        <a:bodyPr/>
+        <a:lstStyle/>
+        <a:p>
+          <a:pPr latinLnBrk="1"/>
+          <a:r>
+            <a:rPr lang="en-US" altLang="ko-KR" dirty="0" smtClean="0">
+              <a:solidFill>
+                <a:srgbClr val="C0C0C0"/>
+              </a:solidFill>
+            </a:rPr>
+            <a:t>Visual</a:t>
+          </a:r>
+          <a:endParaRPr lang="ko-KR" altLang="en-US" dirty="0">
+            <a:solidFill>
+              <a:srgbClr val="C0C0C0"/>
+            </a:solidFill>
+          </a:endParaRPr>
+        </a:p>
+      </dgm:t>
+    </dgm:pt>
+    <dgm:pt modelId="{EDCABCCD-6EDF-4699-BC76-A93AE595E8D9}" type="parTrans" cxnId="{27527C60-F467-4807-8A71-A91CF8EBC7CC}">
+      <dgm:prSet/>
+      <dgm:spPr/>
+      <dgm:t>
+        <a:bodyPr/>
+        <a:lstStyle/>
+        <a:p>
+          <a:pPr latinLnBrk="1"/>
+          <a:endParaRPr lang="ko-KR" altLang="en-US"/>
+        </a:p>
+      </dgm:t>
+    </dgm:pt>
+    <dgm:pt modelId="{797214D6-5D35-42A2-8D66-A8928A66EE5A}" type="sibTrans" cxnId="{27527C60-F467-4807-8A71-A91CF8EBC7CC}">
+      <dgm:prSet/>
+      <dgm:spPr/>
+      <dgm:t>
+        <a:bodyPr/>
+        <a:lstStyle/>
+        <a:p>
+          <a:pPr latinLnBrk="1"/>
+          <a:endParaRPr lang="ko-KR" altLang="en-US"/>
+        </a:p>
+      </dgm:t>
+    </dgm:pt>
+    <dgm:pt modelId="{70266826-1CD1-4217-AC06-A98B2414AD39}" type="pres">
+      <dgm:prSet presAssocID="{002D058C-0E6C-4248-B324-B4771D015659}" presName="Name0" presStyleCnt="0">
+        <dgm:presLayoutVars>
+          <dgm:dir/>
+          <dgm:resizeHandles val="exact"/>
+        </dgm:presLayoutVars>
+      </dgm:prSet>
+      <dgm:spPr/>
+    </dgm:pt>
+    <dgm:pt modelId="{15FCC5DD-4179-4D15-98D1-A830460DAF16}" type="pres">
+      <dgm:prSet presAssocID="{7EA388BB-C55B-4705-B1A8-C726CA93CDD6}" presName="node" presStyleLbl="node1" presStyleIdx="0" presStyleCnt="5" custScaleX="197679" custScaleY="187354">
+        <dgm:presLayoutVars>
+          <dgm:bulletEnabled val="1"/>
+        </dgm:presLayoutVars>
+      </dgm:prSet>
+      <dgm:spPr/>
+      <dgm:t>
+        <a:bodyPr/>
+        <a:lstStyle/>
+        <a:p>
+          <a:pPr latinLnBrk="1"/>
+          <a:endParaRPr lang="ko-KR" altLang="en-US"/>
+        </a:p>
+      </dgm:t>
+    </dgm:pt>
+    <dgm:pt modelId="{A8D9BFB8-0A44-4388-A179-E8CA579E3B01}" type="pres">
+      <dgm:prSet presAssocID="{DBD899D0-3323-4E0E-ADAA-6C4D9DA1CC07}" presName="sibTrans" presStyleLbl="sibTrans2D1" presStyleIdx="0" presStyleCnt="4"/>
+      <dgm:spPr/>
+    </dgm:pt>
+    <dgm:pt modelId="{2C79172E-0546-4C98-9EA4-046A64E4BE69}" type="pres">
+      <dgm:prSet presAssocID="{DBD899D0-3323-4E0E-ADAA-6C4D9DA1CC07}" presName="connectorText" presStyleLbl="sibTrans2D1" presStyleIdx="0" presStyleCnt="4"/>
+      <dgm:spPr/>
+    </dgm:pt>
+    <dgm:pt modelId="{A125AC72-4617-43FD-8AE6-928C43F7A5F2}" type="pres">
+      <dgm:prSet presAssocID="{0043F73B-BC1F-4701-BF4D-8FF237616A62}" presName="node" presStyleLbl="node1" presStyleIdx="1" presStyleCnt="5">
+        <dgm:presLayoutVars>
+          <dgm:bulletEnabled val="1"/>
+        </dgm:presLayoutVars>
+      </dgm:prSet>
+      <dgm:spPr/>
+    </dgm:pt>
+    <dgm:pt modelId="{53322630-7AE2-4BA7-91EA-5B27225DFDD0}" type="pres">
+      <dgm:prSet presAssocID="{00656191-271B-4388-84EB-B2A219699656}" presName="sibTrans" presStyleLbl="sibTrans2D1" presStyleIdx="1" presStyleCnt="4"/>
+      <dgm:spPr/>
+    </dgm:pt>
+    <dgm:pt modelId="{130349F1-3A79-4119-A4AB-C7D78E584BA9}" type="pres">
+      <dgm:prSet presAssocID="{00656191-271B-4388-84EB-B2A219699656}" presName="connectorText" presStyleLbl="sibTrans2D1" presStyleIdx="1" presStyleCnt="4"/>
+      <dgm:spPr/>
+    </dgm:pt>
+    <dgm:pt modelId="{4D89949C-41CF-4400-9038-BEE5DE2E4A2C}" type="pres">
+      <dgm:prSet presAssocID="{23995C39-C9D1-46BA-98DC-6A4E232480BC}" presName="node" presStyleLbl="node1" presStyleIdx="2" presStyleCnt="5">
+        <dgm:presLayoutVars>
+          <dgm:bulletEnabled val="1"/>
+        </dgm:presLayoutVars>
+      </dgm:prSet>
+      <dgm:spPr/>
+    </dgm:pt>
+    <dgm:pt modelId="{5EABE632-7638-4B85-B53D-DCBA10F8B1D7}" type="pres">
+      <dgm:prSet presAssocID="{A8CC029D-8F96-48E8-B614-6A72A2753BF2}" presName="sibTrans" presStyleLbl="sibTrans2D1" presStyleIdx="2" presStyleCnt="4"/>
+      <dgm:spPr/>
+    </dgm:pt>
+    <dgm:pt modelId="{69BA2A6B-EDF4-4790-A2C5-BD9EF4F3EBB1}" type="pres">
+      <dgm:prSet presAssocID="{A8CC029D-8F96-48E8-B614-6A72A2753BF2}" presName="connectorText" presStyleLbl="sibTrans2D1" presStyleIdx="2" presStyleCnt="4"/>
+      <dgm:spPr/>
+    </dgm:pt>
+    <dgm:pt modelId="{B2C2E384-B2D8-4E84-980B-480E0DB7A6F3}" type="pres">
+      <dgm:prSet presAssocID="{A48E7ACD-695C-45BF-9D40-20BF355E6A05}" presName="node" presStyleLbl="node1" presStyleIdx="3" presStyleCnt="5">
+        <dgm:presLayoutVars>
+          <dgm:bulletEnabled val="1"/>
+        </dgm:presLayoutVars>
+      </dgm:prSet>
+      <dgm:spPr/>
+    </dgm:pt>
+    <dgm:pt modelId="{E6DD7AEF-FD24-42E8-BB04-BE1013A73531}" type="pres">
+      <dgm:prSet presAssocID="{3A4E202C-9F9F-4547-9C4A-9E8CCA383AE2}" presName="sibTrans" presStyleLbl="sibTrans2D1" presStyleIdx="3" presStyleCnt="4"/>
+      <dgm:spPr/>
+    </dgm:pt>
+    <dgm:pt modelId="{E76F04A7-2379-4304-BC3A-7CC571A33A60}" type="pres">
+      <dgm:prSet presAssocID="{3A4E202C-9F9F-4547-9C4A-9E8CCA383AE2}" presName="connectorText" presStyleLbl="sibTrans2D1" presStyleIdx="3" presStyleCnt="4"/>
+      <dgm:spPr/>
+    </dgm:pt>
+    <dgm:pt modelId="{5A1D6D7C-7F60-4761-BD9C-DFC0B094C3B1}" type="pres">
+      <dgm:prSet presAssocID="{BE259B64-F260-4AD1-9F16-FED6F3B5B9EC}" presName="node" presStyleLbl="node1" presStyleIdx="4" presStyleCnt="5">
+        <dgm:presLayoutVars>
+          <dgm:bulletEnabled val="1"/>
+        </dgm:presLayoutVars>
+      </dgm:prSet>
+      <dgm:spPr/>
+      <dgm:t>
+        <a:bodyPr/>
+        <a:lstStyle/>
+        <a:p>
+          <a:pPr latinLnBrk="1"/>
+          <a:endParaRPr lang="ko-KR" altLang="en-US"/>
+        </a:p>
+      </dgm:t>
+    </dgm:pt>
+  </dgm:ptLst>
+  <dgm:cxnLst>
+    <dgm:cxn modelId="{60FA3AE9-6DF1-4185-9491-3CF2DDE09978}" type="presOf" srcId="{DBD899D0-3323-4E0E-ADAA-6C4D9DA1CC07}" destId="{2C79172E-0546-4C98-9EA4-046A64E4BE69}" srcOrd="1" destOrd="0" presId="urn:microsoft.com/office/officeart/2005/8/layout/process1"/>
+    <dgm:cxn modelId="{3F121385-A60A-4CFA-9A96-ECA81640B9E2}" srcId="{002D058C-0E6C-4248-B324-B4771D015659}" destId="{0043F73B-BC1F-4701-BF4D-8FF237616A62}" srcOrd="1" destOrd="0" parTransId="{AF8DB399-96D7-4D2A-B5E3-0F204ECC0177}" sibTransId="{00656191-271B-4388-84EB-B2A219699656}"/>
+    <dgm:cxn modelId="{35AB4106-16AF-4CCE-B118-8540595C7627}" type="presOf" srcId="{3A4E202C-9F9F-4547-9C4A-9E8CCA383AE2}" destId="{E76F04A7-2379-4304-BC3A-7CC571A33A60}" srcOrd="1" destOrd="0" presId="urn:microsoft.com/office/officeart/2005/8/layout/process1"/>
+    <dgm:cxn modelId="{CFBCB59B-B748-4E07-80C3-27C950476D48}" type="presOf" srcId="{DBD899D0-3323-4E0E-ADAA-6C4D9DA1CC07}" destId="{A8D9BFB8-0A44-4388-A179-E8CA579E3B01}" srcOrd="0" destOrd="0" presId="urn:microsoft.com/office/officeart/2005/8/layout/process1"/>
+    <dgm:cxn modelId="{B8CD4570-B9AF-4F88-B85A-04EE6A1ED248}" type="presOf" srcId="{0043F73B-BC1F-4701-BF4D-8FF237616A62}" destId="{A125AC72-4617-43FD-8AE6-928C43F7A5F2}" srcOrd="0" destOrd="0" presId="urn:microsoft.com/office/officeart/2005/8/layout/process1"/>
+    <dgm:cxn modelId="{A8882BD0-E9FF-4137-80E9-3584F437A12D}" type="presOf" srcId="{A8CC029D-8F96-48E8-B614-6A72A2753BF2}" destId="{5EABE632-7638-4B85-B53D-DCBA10F8B1D7}" srcOrd="0" destOrd="0" presId="urn:microsoft.com/office/officeart/2005/8/layout/process1"/>
+    <dgm:cxn modelId="{4E665DF7-8DA3-452D-8EF2-FEED57F2F80C}" type="presOf" srcId="{A8CC029D-8F96-48E8-B614-6A72A2753BF2}" destId="{69BA2A6B-EDF4-4790-A2C5-BD9EF4F3EBB1}" srcOrd="1" destOrd="0" presId="urn:microsoft.com/office/officeart/2005/8/layout/process1"/>
+    <dgm:cxn modelId="{A7D32570-0B64-44FD-9AB3-E7F53152DF6B}" srcId="{002D058C-0E6C-4248-B324-B4771D015659}" destId="{A48E7ACD-695C-45BF-9D40-20BF355E6A05}" srcOrd="3" destOrd="0" parTransId="{40A39129-7B2B-46DF-AF6E-476143608060}" sibTransId="{3A4E202C-9F9F-4547-9C4A-9E8CCA383AE2}"/>
+    <dgm:cxn modelId="{B694CAB1-9687-490C-A59C-CAC8DCF3663F}" type="presOf" srcId="{00656191-271B-4388-84EB-B2A219699656}" destId="{53322630-7AE2-4BA7-91EA-5B27225DFDD0}" srcOrd="0" destOrd="0" presId="urn:microsoft.com/office/officeart/2005/8/layout/process1"/>
+    <dgm:cxn modelId="{5782C048-DD95-4E65-B8A4-67B55517A243}" type="presOf" srcId="{A48E7ACD-695C-45BF-9D40-20BF355E6A05}" destId="{B2C2E384-B2D8-4E84-980B-480E0DB7A6F3}" srcOrd="0" destOrd="0" presId="urn:microsoft.com/office/officeart/2005/8/layout/process1"/>
+    <dgm:cxn modelId="{491E9036-49B4-46C2-BAC9-385F3363C586}" srcId="{002D058C-0E6C-4248-B324-B4771D015659}" destId="{23995C39-C9D1-46BA-98DC-6A4E232480BC}" srcOrd="2" destOrd="0" parTransId="{68C7B4BE-C6C5-4C37-8BD4-A9EE44A70E8F}" sibTransId="{A8CC029D-8F96-48E8-B614-6A72A2753BF2}"/>
+    <dgm:cxn modelId="{137CBF47-1968-4644-AC14-CD7E7EB69318}" srcId="{002D058C-0E6C-4248-B324-B4771D015659}" destId="{7EA388BB-C55B-4705-B1A8-C726CA93CDD6}" srcOrd="0" destOrd="0" parTransId="{C15E12E0-BF34-4505-B863-23AD6CB399CC}" sibTransId="{DBD899D0-3323-4E0E-ADAA-6C4D9DA1CC07}"/>
+    <dgm:cxn modelId="{25570DE0-21B5-4559-BBD2-5609AA108F71}" type="presOf" srcId="{23995C39-C9D1-46BA-98DC-6A4E232480BC}" destId="{4D89949C-41CF-4400-9038-BEE5DE2E4A2C}" srcOrd="0" destOrd="0" presId="urn:microsoft.com/office/officeart/2005/8/layout/process1"/>
+    <dgm:cxn modelId="{27527C60-F467-4807-8A71-A91CF8EBC7CC}" srcId="{002D058C-0E6C-4248-B324-B4771D015659}" destId="{BE259B64-F260-4AD1-9F16-FED6F3B5B9EC}" srcOrd="4" destOrd="0" parTransId="{EDCABCCD-6EDF-4699-BC76-A93AE595E8D9}" sibTransId="{797214D6-5D35-42A2-8D66-A8928A66EE5A}"/>
+    <dgm:cxn modelId="{63032E5C-CF89-4A1E-89C0-5EFDE9980874}" type="presOf" srcId="{7EA388BB-C55B-4705-B1A8-C726CA93CDD6}" destId="{15FCC5DD-4179-4D15-98D1-A830460DAF16}" srcOrd="0" destOrd="0" presId="urn:microsoft.com/office/officeart/2005/8/layout/process1"/>
+    <dgm:cxn modelId="{AF00207E-A412-4EB6-B3D2-C69A877F0F9F}" type="presOf" srcId="{00656191-271B-4388-84EB-B2A219699656}" destId="{130349F1-3A79-4119-A4AB-C7D78E584BA9}" srcOrd="1" destOrd="0" presId="urn:microsoft.com/office/officeart/2005/8/layout/process1"/>
+    <dgm:cxn modelId="{06D53FB1-87FD-479A-875E-0EE8D1A7FB27}" type="presOf" srcId="{BE259B64-F260-4AD1-9F16-FED6F3B5B9EC}" destId="{5A1D6D7C-7F60-4761-BD9C-DFC0B094C3B1}" srcOrd="0" destOrd="0" presId="urn:microsoft.com/office/officeart/2005/8/layout/process1"/>
+    <dgm:cxn modelId="{CDE9E17A-4508-45F6-B471-46B7646C5934}" type="presOf" srcId="{002D058C-0E6C-4248-B324-B4771D015659}" destId="{70266826-1CD1-4217-AC06-A98B2414AD39}" srcOrd="0" destOrd="0" presId="urn:microsoft.com/office/officeart/2005/8/layout/process1"/>
+    <dgm:cxn modelId="{734CBE86-B472-4C5F-B8CF-E196A1C8A875}" type="presOf" srcId="{3A4E202C-9F9F-4547-9C4A-9E8CCA383AE2}" destId="{E6DD7AEF-FD24-42E8-BB04-BE1013A73531}" srcOrd="0" destOrd="0" presId="urn:microsoft.com/office/officeart/2005/8/layout/process1"/>
+    <dgm:cxn modelId="{3BE95124-F89B-43B5-8A0D-6BCE4BF5AD24}" type="presParOf" srcId="{70266826-1CD1-4217-AC06-A98B2414AD39}" destId="{15FCC5DD-4179-4D15-98D1-A830460DAF16}" srcOrd="0" destOrd="0" presId="urn:microsoft.com/office/officeart/2005/8/layout/process1"/>
+    <dgm:cxn modelId="{D1524D69-84E5-4857-AEEC-ED864322A746}" type="presParOf" srcId="{70266826-1CD1-4217-AC06-A98B2414AD39}" destId="{A8D9BFB8-0A44-4388-A179-E8CA579E3B01}" srcOrd="1" destOrd="0" presId="urn:microsoft.com/office/officeart/2005/8/layout/process1"/>
+    <dgm:cxn modelId="{301BD730-A4EE-497E-81AD-1B644EDE38DA}" type="presParOf" srcId="{A8D9BFB8-0A44-4388-A179-E8CA579E3B01}" destId="{2C79172E-0546-4C98-9EA4-046A64E4BE69}" srcOrd="0" destOrd="0" presId="urn:microsoft.com/office/officeart/2005/8/layout/process1"/>
+    <dgm:cxn modelId="{726C393D-32C3-4C62-A4E2-FEB5EB958167}" type="presParOf" srcId="{70266826-1CD1-4217-AC06-A98B2414AD39}" destId="{A125AC72-4617-43FD-8AE6-928C43F7A5F2}" srcOrd="2" destOrd="0" presId="urn:microsoft.com/office/officeart/2005/8/layout/process1"/>
+    <dgm:cxn modelId="{BE37F1ED-A954-40CE-8914-43172F871B97}" type="presParOf" srcId="{70266826-1CD1-4217-AC06-A98B2414AD39}" destId="{53322630-7AE2-4BA7-91EA-5B27225DFDD0}" srcOrd="3" destOrd="0" presId="urn:microsoft.com/office/officeart/2005/8/layout/process1"/>
+    <dgm:cxn modelId="{07F31735-9C2E-49DD-9556-4A33FF348EE4}" type="presParOf" srcId="{53322630-7AE2-4BA7-91EA-5B27225DFDD0}" destId="{130349F1-3A79-4119-A4AB-C7D78E584BA9}" srcOrd="0" destOrd="0" presId="urn:microsoft.com/office/officeart/2005/8/layout/process1"/>
+    <dgm:cxn modelId="{768B4E7D-1E22-4876-BEAB-030CA797C248}" type="presParOf" srcId="{70266826-1CD1-4217-AC06-A98B2414AD39}" destId="{4D89949C-41CF-4400-9038-BEE5DE2E4A2C}" srcOrd="4" destOrd="0" presId="urn:microsoft.com/office/officeart/2005/8/layout/process1"/>
+    <dgm:cxn modelId="{7E5ED3DB-B6F9-4CD0-873E-B2010D05A5D8}" type="presParOf" srcId="{70266826-1CD1-4217-AC06-A98B2414AD39}" destId="{5EABE632-7638-4B85-B53D-DCBA10F8B1D7}" srcOrd="5" destOrd="0" presId="urn:microsoft.com/office/officeart/2005/8/layout/process1"/>
+    <dgm:cxn modelId="{CB4F9461-D51D-4E30-A459-1CDECD619880}" type="presParOf" srcId="{5EABE632-7638-4B85-B53D-DCBA10F8B1D7}" destId="{69BA2A6B-EDF4-4790-A2C5-BD9EF4F3EBB1}" srcOrd="0" destOrd="0" presId="urn:microsoft.com/office/officeart/2005/8/layout/process1"/>
+    <dgm:cxn modelId="{1836D3E4-4140-4B0C-919F-F966A9A76D26}" type="presParOf" srcId="{70266826-1CD1-4217-AC06-A98B2414AD39}" destId="{B2C2E384-B2D8-4E84-980B-480E0DB7A6F3}" srcOrd="6" destOrd="0" presId="urn:microsoft.com/office/officeart/2005/8/layout/process1"/>
+    <dgm:cxn modelId="{EBFAB6AD-13F0-4EBB-8CF8-F17AA2ECE2E6}" type="presParOf" srcId="{70266826-1CD1-4217-AC06-A98B2414AD39}" destId="{E6DD7AEF-FD24-42E8-BB04-BE1013A73531}" srcOrd="7" destOrd="0" presId="urn:microsoft.com/office/officeart/2005/8/layout/process1"/>
+    <dgm:cxn modelId="{A2A9A58B-BC67-4DE2-BF63-E30950FBADAD}" type="presParOf" srcId="{E6DD7AEF-FD24-42E8-BB04-BE1013A73531}" destId="{E76F04A7-2379-4304-BC3A-7CC571A33A60}" srcOrd="0" destOrd="0" presId="urn:microsoft.com/office/officeart/2005/8/layout/process1"/>
+    <dgm:cxn modelId="{0686AAAC-E05D-41E6-B295-EDE5C861BA3D}" type="presParOf" srcId="{70266826-1CD1-4217-AC06-A98B2414AD39}" destId="{5A1D6D7C-7F60-4761-BD9C-DFC0B094C3B1}" srcOrd="8" destOrd="0" presId="urn:microsoft.com/office/officeart/2005/8/layout/process1"/>
+  </dgm:cxnLst>
+  <dgm:bg/>
+  <dgm:whole/>
+  <dgm:extLst>
+    <a:ext uri="http://schemas.microsoft.com/office/drawing/2008/diagram">
+      <dsp:dataModelExt xmlns:dsp="http://schemas.microsoft.com/office/drawing/2008/diagram" relId="rId6" minVer="http://schemas.openxmlformats.org/drawingml/2006/diagram"/>
+    </a:ext>
+  </dgm:extLst>
+</dgm:dataModel>
+</file>
+
+<file path=ppt/diagrams/data2.xml><?xml version="1.0" encoding="utf-8"?>
+<dgm:dataModel xmlns:dgm="http://schemas.openxmlformats.org/drawingml/2006/diagram" xmlns:a="http://schemas.openxmlformats.org/drawingml/2006/main">
+  <dgm:ptLst>
+    <dgm:pt modelId="{002D058C-0E6C-4248-B324-B4771D015659}" type="doc">
+      <dgm:prSet loTypeId="urn:microsoft.com/office/officeart/2005/8/layout/process1" loCatId="process" qsTypeId="urn:microsoft.com/office/officeart/2005/8/quickstyle/simple1" qsCatId="simple" csTypeId="urn:microsoft.com/office/officeart/2005/8/colors/accent1_1" csCatId="accent1" phldr="1"/>
+      <dgm:spPr/>
+    </dgm:pt>
+    <dgm:pt modelId="{7EA388BB-C55B-4705-B1A8-C726CA93CDD6}">
+      <dgm:prSet phldrT="[텍스트]" custT="1"/>
+      <dgm:spPr>
+        <a:ln>
+          <a:solidFill>
+            <a:schemeClr val="tx2">
+              <a:lumMod val="20000"/>
+              <a:lumOff val="80000"/>
+            </a:schemeClr>
+          </a:solidFill>
+        </a:ln>
+      </dgm:spPr>
+      <dgm:t>
+        <a:bodyPr/>
+        <a:lstStyle/>
+        <a:p>
+          <a:pPr latinLnBrk="1"/>
+          <a:r>
+            <a:rPr lang="ko-KR" altLang="en-US" sz="2400" dirty="0" err="1" smtClean="0">
+              <a:solidFill>
+                <a:srgbClr val="C0C0C0"/>
+              </a:solidFill>
+              <a:latin typeface="HY견명조" pitchFamily="18" charset="-127"/>
+              <a:ea typeface="HY견명조" pitchFamily="18" charset="-127"/>
+            </a:rPr>
+            <a:t>크롤링</a:t>
+          </a:r>
+          <a:endParaRPr lang="en-US" altLang="ko-KR" sz="1100" dirty="0" smtClean="0">
+            <a:solidFill>
+              <a:srgbClr val="C0C0C0"/>
+            </a:solidFill>
+            <a:latin typeface="HY견명조" pitchFamily="18" charset="-127"/>
+            <a:ea typeface="HY견명조" pitchFamily="18" charset="-127"/>
+          </a:endParaRPr>
+        </a:p>
+      </dgm:t>
+    </dgm:pt>
+    <dgm:pt modelId="{C15E12E0-BF34-4505-B863-23AD6CB399CC}" type="parTrans" cxnId="{137CBF47-1968-4644-AC14-CD7E7EB69318}">
+      <dgm:prSet/>
+      <dgm:spPr/>
+      <dgm:t>
+        <a:bodyPr/>
+        <a:lstStyle/>
+        <a:p>
+          <a:pPr latinLnBrk="1"/>
+          <a:endParaRPr lang="ko-KR" altLang="en-US"/>
+        </a:p>
+      </dgm:t>
+    </dgm:pt>
+    <dgm:pt modelId="{DBD899D0-3323-4E0E-ADAA-6C4D9DA1CC07}" type="sibTrans" cxnId="{137CBF47-1968-4644-AC14-CD7E7EB69318}">
+      <dgm:prSet/>
+      <dgm:spPr>
+        <a:noFill/>
+        <a:ln>
+          <a:solidFill>
+            <a:schemeClr val="accent1">
+              <a:alpha val="29000"/>
+            </a:schemeClr>
+          </a:solidFill>
+        </a:ln>
+      </dgm:spPr>
+      <dgm:t>
+        <a:bodyPr/>
+        <a:lstStyle/>
+        <a:p>
+          <a:pPr latinLnBrk="1"/>
+          <a:endParaRPr lang="ko-KR" altLang="en-US"/>
+        </a:p>
+      </dgm:t>
+    </dgm:pt>
+    <dgm:pt modelId="{0043F73B-BC1F-4701-BF4D-8FF237616A62}">
+      <dgm:prSet phldrT="[텍스트]" custT="1"/>
+      <dgm:spPr>
+        <a:noFill/>
+        <a:ln>
+          <a:solidFill>
+            <a:schemeClr val="accent1"/>
+          </a:solidFill>
+        </a:ln>
+      </dgm:spPr>
+      <dgm:t>
+        <a:bodyPr/>
+        <a:lstStyle/>
+        <a:p>
+          <a:pPr latinLnBrk="1"/>
+          <a:r>
+            <a:rPr lang="ko-KR" altLang="en-US" sz="3600" dirty="0" smtClean="0">
+              <a:solidFill>
+                <a:schemeClr val="tx1"/>
+              </a:solidFill>
+            </a:rPr>
+            <a:t>형태소분석</a:t>
+          </a:r>
+          <a:endParaRPr lang="ko-KR" altLang="en-US" sz="3600" dirty="0">
+            <a:solidFill>
+              <a:schemeClr val="tx1"/>
+            </a:solidFill>
+          </a:endParaRPr>
+        </a:p>
+      </dgm:t>
+    </dgm:pt>
+    <dgm:pt modelId="{AF8DB399-96D7-4D2A-B5E3-0F204ECC0177}" type="parTrans" cxnId="{3F121385-A60A-4CFA-9A96-ECA81640B9E2}">
+      <dgm:prSet/>
+      <dgm:spPr/>
+      <dgm:t>
+        <a:bodyPr/>
+        <a:lstStyle/>
+        <a:p>
+          <a:pPr latinLnBrk="1"/>
+          <a:endParaRPr lang="ko-KR" altLang="en-US"/>
+        </a:p>
+      </dgm:t>
+    </dgm:pt>
+    <dgm:pt modelId="{00656191-271B-4388-84EB-B2A219699656}" type="sibTrans" cxnId="{3F121385-A60A-4CFA-9A96-ECA81640B9E2}">
+      <dgm:prSet/>
+      <dgm:spPr>
+        <a:noFill/>
+        <a:ln>
+          <a:solidFill>
+            <a:schemeClr val="accent1">
+              <a:alpha val="29000"/>
+            </a:schemeClr>
+          </a:solidFill>
+        </a:ln>
+      </dgm:spPr>
+      <dgm:t>
+        <a:bodyPr/>
+        <a:lstStyle/>
+        <a:p>
+          <a:pPr latinLnBrk="1"/>
+          <a:endParaRPr lang="ko-KR" altLang="en-US"/>
+        </a:p>
+      </dgm:t>
+    </dgm:pt>
+    <dgm:pt modelId="{23995C39-C9D1-46BA-98DC-6A4E232480BC}">
+      <dgm:prSet phldrT="[텍스트]"/>
+      <dgm:spPr>
+        <a:noFill/>
+        <a:ln>
+          <a:solidFill>
+            <a:schemeClr val="accent1">
+              <a:alpha val="29000"/>
+            </a:schemeClr>
+          </a:solidFill>
+        </a:ln>
+      </dgm:spPr>
+      <dgm:t>
+        <a:bodyPr/>
+        <a:lstStyle/>
+        <a:p>
+          <a:pPr latinLnBrk="1"/>
+          <a:r>
+            <a:rPr lang="ko-KR" altLang="en-US" dirty="0" smtClean="0">
+              <a:solidFill>
+                <a:srgbClr val="C0C0C0"/>
+              </a:solidFill>
+            </a:rPr>
+            <a:t>통계적 접근</a:t>
+          </a:r>
+          <a:endParaRPr lang="ko-KR" altLang="en-US" dirty="0">
+            <a:solidFill>
+              <a:srgbClr val="C0C0C0"/>
+            </a:solidFill>
+          </a:endParaRPr>
+        </a:p>
+      </dgm:t>
+    </dgm:pt>
+    <dgm:pt modelId="{68C7B4BE-C6C5-4C37-8BD4-A9EE44A70E8F}" type="parTrans" cxnId="{491E9036-49B4-46C2-BAC9-385F3363C586}">
+      <dgm:prSet/>
+      <dgm:spPr/>
+      <dgm:t>
+        <a:bodyPr/>
+        <a:lstStyle/>
+        <a:p>
+          <a:pPr latinLnBrk="1"/>
+          <a:endParaRPr lang="ko-KR" altLang="en-US"/>
+        </a:p>
+      </dgm:t>
+    </dgm:pt>
+    <dgm:pt modelId="{A8CC029D-8F96-48E8-B614-6A72A2753BF2}" type="sibTrans" cxnId="{491E9036-49B4-46C2-BAC9-385F3363C586}">
+      <dgm:prSet/>
+      <dgm:spPr>
+        <a:noFill/>
+        <a:ln>
+          <a:solidFill>
+            <a:schemeClr val="accent1">
+              <a:alpha val="29000"/>
+            </a:schemeClr>
+          </a:solidFill>
+        </a:ln>
+      </dgm:spPr>
+      <dgm:t>
+        <a:bodyPr/>
+        <a:lstStyle/>
+        <a:p>
+          <a:pPr latinLnBrk="1"/>
+          <a:endParaRPr lang="ko-KR" altLang="en-US"/>
+        </a:p>
+      </dgm:t>
+    </dgm:pt>
+    <dgm:pt modelId="{A48E7ACD-695C-45BF-9D40-20BF355E6A05}">
+      <dgm:prSet phldrT="[텍스트]"/>
+      <dgm:spPr>
+        <a:noFill/>
+        <a:ln>
+          <a:solidFill>
+            <a:schemeClr val="accent1">
+              <a:alpha val="29000"/>
+            </a:schemeClr>
+          </a:solidFill>
+        </a:ln>
+      </dgm:spPr>
+      <dgm:t>
+        <a:bodyPr/>
+        <a:lstStyle/>
+        <a:p>
+          <a:pPr latinLnBrk="1"/>
+          <a:r>
+            <a:rPr lang="en-US" altLang="ko-KR" dirty="0" smtClean="0">
+              <a:solidFill>
+                <a:srgbClr val="C0C0C0"/>
+              </a:solidFill>
+            </a:rPr>
+            <a:t>DB</a:t>
+          </a:r>
+          <a:endParaRPr lang="ko-KR" altLang="en-US" dirty="0">
+            <a:solidFill>
+              <a:srgbClr val="C0C0C0"/>
+            </a:solidFill>
+          </a:endParaRPr>
+        </a:p>
+      </dgm:t>
+    </dgm:pt>
+    <dgm:pt modelId="{40A39129-7B2B-46DF-AF6E-476143608060}" type="parTrans" cxnId="{A7D32570-0B64-44FD-9AB3-E7F53152DF6B}">
+      <dgm:prSet/>
+      <dgm:spPr/>
+      <dgm:t>
+        <a:bodyPr/>
+        <a:lstStyle/>
+        <a:p>
+          <a:pPr latinLnBrk="1"/>
+          <a:endParaRPr lang="ko-KR" altLang="en-US"/>
+        </a:p>
+      </dgm:t>
+    </dgm:pt>
+    <dgm:pt modelId="{3A4E202C-9F9F-4547-9C4A-9E8CCA383AE2}" type="sibTrans" cxnId="{A7D32570-0B64-44FD-9AB3-E7F53152DF6B}">
+      <dgm:prSet/>
+      <dgm:spPr>
+        <a:noFill/>
+        <a:ln>
+          <a:solidFill>
+            <a:schemeClr val="accent1">
+              <a:alpha val="29000"/>
+            </a:schemeClr>
+          </a:solidFill>
+        </a:ln>
+      </dgm:spPr>
+      <dgm:t>
+        <a:bodyPr/>
+        <a:lstStyle/>
+        <a:p>
+          <a:pPr latinLnBrk="1"/>
+          <a:endParaRPr lang="ko-KR" altLang="en-US"/>
+        </a:p>
+      </dgm:t>
+    </dgm:pt>
+    <dgm:pt modelId="{BE259B64-F260-4AD1-9F16-FED6F3B5B9EC}">
+      <dgm:prSet phldrT="[텍스트]"/>
+      <dgm:spPr>
+        <a:noFill/>
+        <a:ln>
+          <a:solidFill>
+            <a:schemeClr val="accent1">
+              <a:alpha val="29000"/>
+            </a:schemeClr>
+          </a:solidFill>
+        </a:ln>
+      </dgm:spPr>
+      <dgm:t>
+        <a:bodyPr/>
+        <a:lstStyle/>
+        <a:p>
+          <a:pPr latinLnBrk="1"/>
+          <a:r>
+            <a:rPr lang="en-US" altLang="ko-KR" dirty="0" smtClean="0">
+              <a:solidFill>
+                <a:srgbClr val="C0C0C0"/>
+              </a:solidFill>
+            </a:rPr>
+            <a:t>Visual</a:t>
+          </a:r>
+          <a:endParaRPr lang="ko-KR" altLang="en-US" dirty="0">
+            <a:solidFill>
+              <a:srgbClr val="C0C0C0"/>
+            </a:solidFill>
+          </a:endParaRPr>
+        </a:p>
+      </dgm:t>
+    </dgm:pt>
+    <dgm:pt modelId="{EDCABCCD-6EDF-4699-BC76-A93AE595E8D9}" type="parTrans" cxnId="{27527C60-F467-4807-8A71-A91CF8EBC7CC}">
+      <dgm:prSet/>
+      <dgm:spPr/>
+      <dgm:t>
+        <a:bodyPr/>
+        <a:lstStyle/>
+        <a:p>
+          <a:pPr latinLnBrk="1"/>
+          <a:endParaRPr lang="ko-KR" altLang="en-US"/>
+        </a:p>
+      </dgm:t>
+    </dgm:pt>
+    <dgm:pt modelId="{797214D6-5D35-42A2-8D66-A8928A66EE5A}" type="sibTrans" cxnId="{27527C60-F467-4807-8A71-A91CF8EBC7CC}">
+      <dgm:prSet/>
+      <dgm:spPr/>
+      <dgm:t>
+        <a:bodyPr/>
+        <a:lstStyle/>
+        <a:p>
+          <a:pPr latinLnBrk="1"/>
+          <a:endParaRPr lang="ko-KR" altLang="en-US"/>
+        </a:p>
+      </dgm:t>
+    </dgm:pt>
+    <dgm:pt modelId="{70266826-1CD1-4217-AC06-A98B2414AD39}" type="pres">
+      <dgm:prSet presAssocID="{002D058C-0E6C-4248-B324-B4771D015659}" presName="Name0" presStyleCnt="0">
+        <dgm:presLayoutVars>
+          <dgm:dir/>
+          <dgm:resizeHandles val="exact"/>
+        </dgm:presLayoutVars>
+      </dgm:prSet>
+      <dgm:spPr/>
+    </dgm:pt>
+    <dgm:pt modelId="{15FCC5DD-4179-4D15-98D1-A830460DAF16}" type="pres">
+      <dgm:prSet presAssocID="{7EA388BB-C55B-4705-B1A8-C726CA93CDD6}" presName="node" presStyleLbl="node1" presStyleIdx="0" presStyleCnt="5" custScaleX="116851" custScaleY="67680">
+        <dgm:presLayoutVars>
+          <dgm:bulletEnabled val="1"/>
+        </dgm:presLayoutVars>
+      </dgm:prSet>
+      <dgm:spPr/>
+      <dgm:t>
+        <a:bodyPr/>
+        <a:lstStyle/>
+        <a:p>
+          <a:pPr latinLnBrk="1"/>
+          <a:endParaRPr lang="ko-KR" altLang="en-US"/>
+        </a:p>
+      </dgm:t>
+    </dgm:pt>
+    <dgm:pt modelId="{A8D9BFB8-0A44-4388-A179-E8CA579E3B01}" type="pres">
+      <dgm:prSet presAssocID="{DBD899D0-3323-4E0E-ADAA-6C4D9DA1CC07}" presName="sibTrans" presStyleLbl="sibTrans2D1" presStyleIdx="0" presStyleCnt="4"/>
+      <dgm:spPr/>
+    </dgm:pt>
+    <dgm:pt modelId="{2C79172E-0546-4C98-9EA4-046A64E4BE69}" type="pres">
+      <dgm:prSet presAssocID="{DBD899D0-3323-4E0E-ADAA-6C4D9DA1CC07}" presName="connectorText" presStyleLbl="sibTrans2D1" presStyleIdx="0" presStyleCnt="4"/>
+      <dgm:spPr/>
+    </dgm:pt>
+    <dgm:pt modelId="{A125AC72-4617-43FD-8AE6-928C43F7A5F2}" type="pres">
+      <dgm:prSet presAssocID="{0043F73B-BC1F-4701-BF4D-8FF237616A62}" presName="node" presStyleLbl="node1" presStyleIdx="1" presStyleCnt="5" custScaleX="164263" custScaleY="115025">
+        <dgm:presLayoutVars>
+          <dgm:bulletEnabled val="1"/>
+        </dgm:presLayoutVars>
+      </dgm:prSet>
+      <dgm:spPr/>
+    </dgm:pt>
+    <dgm:pt modelId="{53322630-7AE2-4BA7-91EA-5B27225DFDD0}" type="pres">
+      <dgm:prSet presAssocID="{00656191-271B-4388-84EB-B2A219699656}" presName="sibTrans" presStyleLbl="sibTrans2D1" presStyleIdx="1" presStyleCnt="4"/>
+      <dgm:spPr/>
+    </dgm:pt>
+    <dgm:pt modelId="{130349F1-3A79-4119-A4AB-C7D78E584BA9}" type="pres">
+      <dgm:prSet presAssocID="{00656191-271B-4388-84EB-B2A219699656}" presName="connectorText" presStyleLbl="sibTrans2D1" presStyleIdx="1" presStyleCnt="4"/>
+      <dgm:spPr/>
+    </dgm:pt>
+    <dgm:pt modelId="{4D89949C-41CF-4400-9038-BEE5DE2E4A2C}" type="pres">
+      <dgm:prSet presAssocID="{23995C39-C9D1-46BA-98DC-6A4E232480BC}" presName="node" presStyleLbl="node1" presStyleIdx="2" presStyleCnt="5" custScaleY="62471">
+        <dgm:presLayoutVars>
+          <dgm:bulletEnabled val="1"/>
+        </dgm:presLayoutVars>
+      </dgm:prSet>
+      <dgm:spPr/>
+    </dgm:pt>
+    <dgm:pt modelId="{5EABE632-7638-4B85-B53D-DCBA10F8B1D7}" type="pres">
+      <dgm:prSet presAssocID="{A8CC029D-8F96-48E8-B614-6A72A2753BF2}" presName="sibTrans" presStyleLbl="sibTrans2D1" presStyleIdx="2" presStyleCnt="4"/>
+      <dgm:spPr/>
+    </dgm:pt>
+    <dgm:pt modelId="{69BA2A6B-EDF4-4790-A2C5-BD9EF4F3EBB1}" type="pres">
+      <dgm:prSet presAssocID="{A8CC029D-8F96-48E8-B614-6A72A2753BF2}" presName="connectorText" presStyleLbl="sibTrans2D1" presStyleIdx="2" presStyleCnt="4"/>
+      <dgm:spPr/>
+    </dgm:pt>
+    <dgm:pt modelId="{B2C2E384-B2D8-4E84-980B-480E0DB7A6F3}" type="pres">
+      <dgm:prSet presAssocID="{A48E7ACD-695C-45BF-9D40-20BF355E6A05}" presName="node" presStyleLbl="node1" presStyleIdx="3" presStyleCnt="5" custScaleY="62471">
+        <dgm:presLayoutVars>
+          <dgm:bulletEnabled val="1"/>
+        </dgm:presLayoutVars>
+      </dgm:prSet>
+      <dgm:spPr/>
+    </dgm:pt>
+    <dgm:pt modelId="{E6DD7AEF-FD24-42E8-BB04-BE1013A73531}" type="pres">
+      <dgm:prSet presAssocID="{3A4E202C-9F9F-4547-9C4A-9E8CCA383AE2}" presName="sibTrans" presStyleLbl="sibTrans2D1" presStyleIdx="3" presStyleCnt="4"/>
+      <dgm:spPr/>
+    </dgm:pt>
+    <dgm:pt modelId="{E76F04A7-2379-4304-BC3A-7CC571A33A60}" type="pres">
+      <dgm:prSet presAssocID="{3A4E202C-9F9F-4547-9C4A-9E8CCA383AE2}" presName="connectorText" presStyleLbl="sibTrans2D1" presStyleIdx="3" presStyleCnt="4"/>
+      <dgm:spPr/>
+    </dgm:pt>
+    <dgm:pt modelId="{5A1D6D7C-7F60-4761-BD9C-DFC0B094C3B1}" type="pres">
+      <dgm:prSet presAssocID="{BE259B64-F260-4AD1-9F16-FED6F3B5B9EC}" presName="node" presStyleLbl="node1" presStyleIdx="4" presStyleCnt="5" custScaleY="62471">
+        <dgm:presLayoutVars>
+          <dgm:bulletEnabled val="1"/>
+        </dgm:presLayoutVars>
+      </dgm:prSet>
+      <dgm:spPr/>
+      <dgm:t>
+        <a:bodyPr/>
+        <a:lstStyle/>
+        <a:p>
+          <a:pPr latinLnBrk="1"/>
+          <a:endParaRPr lang="ko-KR" altLang="en-US"/>
+        </a:p>
+      </dgm:t>
+    </dgm:pt>
+  </dgm:ptLst>
+  <dgm:cxnLst>
+    <dgm:cxn modelId="{F2D62B30-D5D5-4FBC-9EFF-B62AB1CE9E4B}" type="presOf" srcId="{002D058C-0E6C-4248-B324-B4771D015659}" destId="{70266826-1CD1-4217-AC06-A98B2414AD39}" srcOrd="0" destOrd="0" presId="urn:microsoft.com/office/officeart/2005/8/layout/process1"/>
+    <dgm:cxn modelId="{65E22416-8F4F-464A-8865-6547CA76617E}" type="presOf" srcId="{A8CC029D-8F96-48E8-B614-6A72A2753BF2}" destId="{69BA2A6B-EDF4-4790-A2C5-BD9EF4F3EBB1}" srcOrd="1" destOrd="0" presId="urn:microsoft.com/office/officeart/2005/8/layout/process1"/>
+    <dgm:cxn modelId="{89C6D3D6-8611-4EC9-8194-945C9C46B795}" type="presOf" srcId="{DBD899D0-3323-4E0E-ADAA-6C4D9DA1CC07}" destId="{2C79172E-0546-4C98-9EA4-046A64E4BE69}" srcOrd="1" destOrd="0" presId="urn:microsoft.com/office/officeart/2005/8/layout/process1"/>
+    <dgm:cxn modelId="{3F121385-A60A-4CFA-9A96-ECA81640B9E2}" srcId="{002D058C-0E6C-4248-B324-B4771D015659}" destId="{0043F73B-BC1F-4701-BF4D-8FF237616A62}" srcOrd="1" destOrd="0" parTransId="{AF8DB399-96D7-4D2A-B5E3-0F204ECC0177}" sibTransId="{00656191-271B-4388-84EB-B2A219699656}"/>
+    <dgm:cxn modelId="{5B25A699-EB86-4501-B40C-64BECB38038C}" type="presOf" srcId="{00656191-271B-4388-84EB-B2A219699656}" destId="{130349F1-3A79-4119-A4AB-C7D78E584BA9}" srcOrd="1" destOrd="0" presId="urn:microsoft.com/office/officeart/2005/8/layout/process1"/>
+    <dgm:cxn modelId="{3854B05D-349A-48F9-86F5-59EC7FA299B8}" type="presOf" srcId="{0043F73B-BC1F-4701-BF4D-8FF237616A62}" destId="{A125AC72-4617-43FD-8AE6-928C43F7A5F2}" srcOrd="0" destOrd="0" presId="urn:microsoft.com/office/officeart/2005/8/layout/process1"/>
+    <dgm:cxn modelId="{BB594A66-4537-4DD2-A8F4-FF56914E9BC3}" type="presOf" srcId="{A48E7ACD-695C-45BF-9D40-20BF355E6A05}" destId="{B2C2E384-B2D8-4E84-980B-480E0DB7A6F3}" srcOrd="0" destOrd="0" presId="urn:microsoft.com/office/officeart/2005/8/layout/process1"/>
+    <dgm:cxn modelId="{A7D32570-0B64-44FD-9AB3-E7F53152DF6B}" srcId="{002D058C-0E6C-4248-B324-B4771D015659}" destId="{A48E7ACD-695C-45BF-9D40-20BF355E6A05}" srcOrd="3" destOrd="0" parTransId="{40A39129-7B2B-46DF-AF6E-476143608060}" sibTransId="{3A4E202C-9F9F-4547-9C4A-9E8CCA383AE2}"/>
+    <dgm:cxn modelId="{0CDCFAFC-1D0F-44F6-BCCF-C9264AD1E2DF}" type="presOf" srcId="{23995C39-C9D1-46BA-98DC-6A4E232480BC}" destId="{4D89949C-41CF-4400-9038-BEE5DE2E4A2C}" srcOrd="0" destOrd="0" presId="urn:microsoft.com/office/officeart/2005/8/layout/process1"/>
+    <dgm:cxn modelId="{08479FCD-498D-47EE-8675-3B51688CD34E}" type="presOf" srcId="{7EA388BB-C55B-4705-B1A8-C726CA93CDD6}" destId="{15FCC5DD-4179-4D15-98D1-A830460DAF16}" srcOrd="0" destOrd="0" presId="urn:microsoft.com/office/officeart/2005/8/layout/process1"/>
+    <dgm:cxn modelId="{1A495AA0-8481-4D4B-9C58-1ED24FABB633}" type="presOf" srcId="{3A4E202C-9F9F-4547-9C4A-9E8CCA383AE2}" destId="{E6DD7AEF-FD24-42E8-BB04-BE1013A73531}" srcOrd="0" destOrd="0" presId="urn:microsoft.com/office/officeart/2005/8/layout/process1"/>
+    <dgm:cxn modelId="{01223605-0823-4E5F-B965-ED48DAE4C903}" type="presOf" srcId="{BE259B64-F260-4AD1-9F16-FED6F3B5B9EC}" destId="{5A1D6D7C-7F60-4761-BD9C-DFC0B094C3B1}" srcOrd="0" destOrd="0" presId="urn:microsoft.com/office/officeart/2005/8/layout/process1"/>
+    <dgm:cxn modelId="{491E9036-49B4-46C2-BAC9-385F3363C586}" srcId="{002D058C-0E6C-4248-B324-B4771D015659}" destId="{23995C39-C9D1-46BA-98DC-6A4E232480BC}" srcOrd="2" destOrd="0" parTransId="{68C7B4BE-C6C5-4C37-8BD4-A9EE44A70E8F}" sibTransId="{A8CC029D-8F96-48E8-B614-6A72A2753BF2}"/>
+    <dgm:cxn modelId="{137CBF47-1968-4644-AC14-CD7E7EB69318}" srcId="{002D058C-0E6C-4248-B324-B4771D015659}" destId="{7EA388BB-C55B-4705-B1A8-C726CA93CDD6}" srcOrd="0" destOrd="0" parTransId="{C15E12E0-BF34-4505-B863-23AD6CB399CC}" sibTransId="{DBD899D0-3323-4E0E-ADAA-6C4D9DA1CC07}"/>
+    <dgm:cxn modelId="{BF2DB441-C47E-4DF5-87E4-A0D842D4962E}" type="presOf" srcId="{00656191-271B-4388-84EB-B2A219699656}" destId="{53322630-7AE2-4BA7-91EA-5B27225DFDD0}" srcOrd="0" destOrd="0" presId="urn:microsoft.com/office/officeart/2005/8/layout/process1"/>
+    <dgm:cxn modelId="{8BF73F45-DABB-4766-80A4-28C0BEDD2A1A}" type="presOf" srcId="{3A4E202C-9F9F-4547-9C4A-9E8CCA383AE2}" destId="{E76F04A7-2379-4304-BC3A-7CC571A33A60}" srcOrd="1" destOrd="0" presId="urn:microsoft.com/office/officeart/2005/8/layout/process1"/>
+    <dgm:cxn modelId="{FE2E1827-BA39-4F02-B4EE-4137CEB11ED7}" type="presOf" srcId="{A8CC029D-8F96-48E8-B614-6A72A2753BF2}" destId="{5EABE632-7638-4B85-B53D-DCBA10F8B1D7}" srcOrd="0" destOrd="0" presId="urn:microsoft.com/office/officeart/2005/8/layout/process1"/>
+    <dgm:cxn modelId="{27527C60-F467-4807-8A71-A91CF8EBC7CC}" srcId="{002D058C-0E6C-4248-B324-B4771D015659}" destId="{BE259B64-F260-4AD1-9F16-FED6F3B5B9EC}" srcOrd="4" destOrd="0" parTransId="{EDCABCCD-6EDF-4699-BC76-A93AE595E8D9}" sibTransId="{797214D6-5D35-42A2-8D66-A8928A66EE5A}"/>
+    <dgm:cxn modelId="{4D377E28-7C42-4ACD-A15E-E0940BF4FC5C}" type="presOf" srcId="{DBD899D0-3323-4E0E-ADAA-6C4D9DA1CC07}" destId="{A8D9BFB8-0A44-4388-A179-E8CA579E3B01}" srcOrd="0" destOrd="0" presId="urn:microsoft.com/office/officeart/2005/8/layout/process1"/>
+    <dgm:cxn modelId="{721434EC-8B2F-42C8-A5B6-F96F7DB8E57F}" type="presParOf" srcId="{70266826-1CD1-4217-AC06-A98B2414AD39}" destId="{15FCC5DD-4179-4D15-98D1-A830460DAF16}" srcOrd="0" destOrd="0" presId="urn:microsoft.com/office/officeart/2005/8/layout/process1"/>
+    <dgm:cxn modelId="{292CEB6F-4499-4091-AC4E-2E4E320D1A14}" type="presParOf" srcId="{70266826-1CD1-4217-AC06-A98B2414AD39}" destId="{A8D9BFB8-0A44-4388-A179-E8CA579E3B01}" srcOrd="1" destOrd="0" presId="urn:microsoft.com/office/officeart/2005/8/layout/process1"/>
+    <dgm:cxn modelId="{BFB91B19-13B5-4BA7-8C85-662F93BD68B6}" type="presParOf" srcId="{A8D9BFB8-0A44-4388-A179-E8CA579E3B01}" destId="{2C79172E-0546-4C98-9EA4-046A64E4BE69}" srcOrd="0" destOrd="0" presId="urn:microsoft.com/office/officeart/2005/8/layout/process1"/>
+    <dgm:cxn modelId="{0AB69064-ECAE-418C-BCDA-1AB7B4EAE0D3}" type="presParOf" srcId="{70266826-1CD1-4217-AC06-A98B2414AD39}" destId="{A125AC72-4617-43FD-8AE6-928C43F7A5F2}" srcOrd="2" destOrd="0" presId="urn:microsoft.com/office/officeart/2005/8/layout/process1"/>
+    <dgm:cxn modelId="{23BC6E4F-01FC-459C-BEA0-33D8126D9A8B}" type="presParOf" srcId="{70266826-1CD1-4217-AC06-A98B2414AD39}" destId="{53322630-7AE2-4BA7-91EA-5B27225DFDD0}" srcOrd="3" destOrd="0" presId="urn:microsoft.com/office/officeart/2005/8/layout/process1"/>
+    <dgm:cxn modelId="{E96B19E3-6EA5-4B4B-8806-2CF279DF0603}" type="presParOf" srcId="{53322630-7AE2-4BA7-91EA-5B27225DFDD0}" destId="{130349F1-3A79-4119-A4AB-C7D78E584BA9}" srcOrd="0" destOrd="0" presId="urn:microsoft.com/office/officeart/2005/8/layout/process1"/>
+    <dgm:cxn modelId="{D3EDADCB-B1C4-4996-A063-2B7B4F35801F}" type="presParOf" srcId="{70266826-1CD1-4217-AC06-A98B2414AD39}" destId="{4D89949C-41CF-4400-9038-BEE5DE2E4A2C}" srcOrd="4" destOrd="0" presId="urn:microsoft.com/office/officeart/2005/8/layout/process1"/>
+    <dgm:cxn modelId="{A6D8E8BB-47AC-4D33-AF7C-6C8E61320488}" type="presParOf" srcId="{70266826-1CD1-4217-AC06-A98B2414AD39}" destId="{5EABE632-7638-4B85-B53D-DCBA10F8B1D7}" srcOrd="5" destOrd="0" presId="urn:microsoft.com/office/officeart/2005/8/layout/process1"/>
+    <dgm:cxn modelId="{8E7DD2DE-1DB2-4037-A830-337EE77A620E}" type="presParOf" srcId="{5EABE632-7638-4B85-B53D-DCBA10F8B1D7}" destId="{69BA2A6B-EDF4-4790-A2C5-BD9EF4F3EBB1}" srcOrd="0" destOrd="0" presId="urn:microsoft.com/office/officeart/2005/8/layout/process1"/>
+    <dgm:cxn modelId="{60B59527-F1BA-493A-B199-4F94D3F66F37}" type="presParOf" srcId="{70266826-1CD1-4217-AC06-A98B2414AD39}" destId="{B2C2E384-B2D8-4E84-980B-480E0DB7A6F3}" srcOrd="6" destOrd="0" presId="urn:microsoft.com/office/officeart/2005/8/layout/process1"/>
+    <dgm:cxn modelId="{9F63BA8D-C37B-4ED4-9ABA-83A4F32B23A9}" type="presParOf" srcId="{70266826-1CD1-4217-AC06-A98B2414AD39}" destId="{E6DD7AEF-FD24-42E8-BB04-BE1013A73531}" srcOrd="7" destOrd="0" presId="urn:microsoft.com/office/officeart/2005/8/layout/process1"/>
+    <dgm:cxn modelId="{1658407D-ABB1-431C-A62E-8AB2E29ACE10}" type="presParOf" srcId="{E6DD7AEF-FD24-42E8-BB04-BE1013A73531}" destId="{E76F04A7-2379-4304-BC3A-7CC571A33A60}" srcOrd="0" destOrd="0" presId="urn:microsoft.com/office/officeart/2005/8/layout/process1"/>
+    <dgm:cxn modelId="{6A291B85-1CDD-471F-AA79-EC5ECD66AA7D}" type="presParOf" srcId="{70266826-1CD1-4217-AC06-A98B2414AD39}" destId="{5A1D6D7C-7F60-4761-BD9C-DFC0B094C3B1}" srcOrd="8" destOrd="0" presId="urn:microsoft.com/office/officeart/2005/8/layout/process1"/>
+  </dgm:cxnLst>
+  <dgm:bg/>
+  <dgm:whole/>
+  <dgm:extLst>
+    <a:ext uri="http://schemas.microsoft.com/office/drawing/2008/diagram">
+      <dsp:dataModelExt xmlns:dsp="http://schemas.microsoft.com/office/drawing/2008/diagram" relId="rId6" minVer="http://schemas.openxmlformats.org/drawingml/2006/diagram"/>
+    </a:ext>
+  </dgm:extLst>
+</dgm:dataModel>
+</file>
+
+<file path=ppt/diagrams/drawing1.xml><?xml version="1.0" encoding="utf-8"?>
+<dsp:drawing xmlns:dgm="http://schemas.openxmlformats.org/drawingml/2006/diagram" xmlns:dsp="http://schemas.microsoft.com/office/drawing/2008/diagram" xmlns:a="http://schemas.openxmlformats.org/drawingml/2006/main">
+  <dsp:spTree>
+    <dsp:nvGrpSpPr>
+      <dsp:cNvPr id="0" name=""/>
+      <dsp:cNvGrpSpPr/>
+    </dsp:nvGrpSpPr>
+    <dsp:grpSpPr/>
+    <dsp:sp modelId="{15FCC5DD-4179-4D15-98D1-A830460DAF16}">
+      <dsp:nvSpPr>
+        <dsp:cNvPr id="0" name=""/>
+        <dsp:cNvSpPr/>
+      </dsp:nvSpPr>
+      <dsp:spPr>
+        <a:xfrm>
+          <a:off x="8568" y="638476"/>
+          <a:ext cx="2142637" cy="3249010"/>
+        </a:xfrm>
+        <a:prstGeom prst="roundRect">
+          <a:avLst>
+            <a:gd name="adj" fmla="val 10000"/>
+          </a:avLst>
+        </a:prstGeom>
+        <a:solidFill>
+          <a:schemeClr val="lt1">
+            <a:hueOff val="0"/>
+            <a:satOff val="0"/>
+            <a:lumOff val="0"/>
+            <a:alphaOff val="0"/>
+          </a:schemeClr>
+        </a:solidFill>
+        <a:ln w="25400" cap="flat" cmpd="sng" algn="ctr">
+          <a:solidFill>
+            <a:schemeClr val="accent1">
+              <a:shade val="80000"/>
+              <a:hueOff val="0"/>
+              <a:satOff val="0"/>
+              <a:lumOff val="0"/>
+              <a:alphaOff val="0"/>
+            </a:schemeClr>
+          </a:solidFill>
+          <a:prstDash val="solid"/>
+        </a:ln>
+        <a:effectLst/>
+      </dsp:spPr>
+      <dsp:style>
+        <a:lnRef idx="2">
+          <a:scrgbClr r="0" g="0" b="0"/>
+        </a:lnRef>
+        <a:fillRef idx="1">
+          <a:scrgbClr r="0" g="0" b="0"/>
+        </a:fillRef>
+        <a:effectRef idx="0">
+          <a:scrgbClr r="0" g="0" b="0"/>
+        </a:effectRef>
+        <a:fontRef idx="minor">
+          <a:schemeClr val="lt1"/>
+        </a:fontRef>
+      </dsp:style>
+      <dsp:txBody>
+        <a:bodyPr spcFirstLastPara="0" vert="horz" wrap="square" lIns="137160" tIns="137160" rIns="137160" bIns="137160" numCol="1" spcCol="1270" anchor="ctr" anchorCtr="0">
+          <a:noAutofit/>
+        </a:bodyPr>
+        <a:lstStyle/>
+        <a:p>
+          <a:pPr lvl="0" algn="ctr" defTabSz="1600200" latinLnBrk="1">
+            <a:lnSpc>
+              <a:spcPct val="90000"/>
+            </a:lnSpc>
+            <a:spcBef>
+              <a:spcPct val="0"/>
+            </a:spcBef>
+            <a:spcAft>
+              <a:spcPct val="35000"/>
+            </a:spcAft>
+          </a:pPr>
+          <a:r>
+            <a:rPr lang="ko-KR" altLang="en-US" sz="3600" kern="1200" dirty="0" err="1" smtClean="0">
+              <a:latin typeface="HY견명조" pitchFamily="18" charset="-127"/>
+              <a:ea typeface="HY견명조" pitchFamily="18" charset="-127"/>
+            </a:rPr>
+            <a:t>크롤링</a:t>
+          </a:r>
+          <a:endParaRPr lang="en-US" altLang="ko-KR" sz="1600" kern="1200" dirty="0" smtClean="0">
+            <a:latin typeface="HY견명조" pitchFamily="18" charset="-127"/>
+            <a:ea typeface="HY견명조" pitchFamily="18" charset="-127"/>
+          </a:endParaRPr>
+        </a:p>
+      </dsp:txBody>
+      <dsp:txXfrm>
+        <a:off x="71324" y="701232"/>
+        <a:ext cx="2017125" cy="3123498"/>
+      </dsp:txXfrm>
+    </dsp:sp>
+    <dsp:sp modelId="{A8D9BFB8-0A44-4388-A179-E8CA579E3B01}">
+      <dsp:nvSpPr>
+        <dsp:cNvPr id="0" name=""/>
+        <dsp:cNvSpPr/>
+      </dsp:nvSpPr>
+      <dsp:spPr>
+        <a:xfrm>
+          <a:off x="2259595" y="2128578"/>
+          <a:ext cx="229786" cy="268806"/>
+        </a:xfrm>
+        <a:prstGeom prst="rightArrow">
+          <a:avLst>
+            <a:gd name="adj1" fmla="val 60000"/>
+            <a:gd name="adj2" fmla="val 50000"/>
+          </a:avLst>
+        </a:prstGeom>
+        <a:noFill/>
+        <a:ln>
+          <a:solidFill>
+            <a:schemeClr val="accent1">
+              <a:alpha val="29000"/>
+            </a:schemeClr>
+          </a:solidFill>
+        </a:ln>
+        <a:effectLst/>
+      </dsp:spPr>
+      <dsp:style>
+        <a:lnRef idx="0">
+          <a:scrgbClr r="0" g="0" b="0"/>
+        </a:lnRef>
+        <a:fillRef idx="1">
+          <a:scrgbClr r="0" g="0" b="0"/>
+        </a:fillRef>
+        <a:effectRef idx="0">
+          <a:scrgbClr r="0" g="0" b="0"/>
+        </a:effectRef>
+        <a:fontRef idx="minor">
+          <a:schemeClr val="lt1"/>
+        </a:fontRef>
+      </dsp:style>
+      <dsp:txBody>
+        <a:bodyPr spcFirstLastPara="0" vert="horz" wrap="square" lIns="0" tIns="0" rIns="0" bIns="0" numCol="1" spcCol="1270" anchor="ctr" anchorCtr="0">
+          <a:noAutofit/>
+        </a:bodyPr>
+        <a:lstStyle/>
+        <a:p>
+          <a:pPr lvl="0" algn="ctr" defTabSz="311150" latinLnBrk="1">
+            <a:lnSpc>
+              <a:spcPct val="90000"/>
+            </a:lnSpc>
+            <a:spcBef>
+              <a:spcPct val="0"/>
+            </a:spcBef>
+            <a:spcAft>
+              <a:spcPct val="35000"/>
+            </a:spcAft>
+          </a:pPr>
+          <a:endParaRPr lang="ko-KR" altLang="en-US" sz="700" kern="1200"/>
+        </a:p>
+      </dsp:txBody>
+      <dsp:txXfrm>
+        <a:off x="2259595" y="2182339"/>
+        <a:ext cx="160850" cy="161284"/>
+      </dsp:txXfrm>
+    </dsp:sp>
+    <dsp:sp modelId="{A125AC72-4617-43FD-8AE6-928C43F7A5F2}">
+      <dsp:nvSpPr>
+        <dsp:cNvPr id="0" name=""/>
+        <dsp:cNvSpPr/>
+      </dsp:nvSpPr>
+      <dsp:spPr>
+        <a:xfrm>
+          <a:off x="2584764" y="1395903"/>
+          <a:ext cx="1083897" cy="1734156"/>
+        </a:xfrm>
+        <a:prstGeom prst="roundRect">
+          <a:avLst>
+            <a:gd name="adj" fmla="val 10000"/>
+          </a:avLst>
+        </a:prstGeom>
+        <a:noFill/>
+        <a:ln w="25400" cap="flat" cmpd="sng" algn="ctr">
+          <a:solidFill>
+            <a:schemeClr val="accent1">
+              <a:alpha val="29000"/>
+            </a:schemeClr>
+          </a:solidFill>
+          <a:prstDash val="solid"/>
+        </a:ln>
+        <a:effectLst/>
+      </dsp:spPr>
+      <dsp:style>
+        <a:lnRef idx="2">
+          <a:scrgbClr r="0" g="0" b="0"/>
+        </a:lnRef>
+        <a:fillRef idx="1">
+          <a:scrgbClr r="0" g="0" b="0"/>
+        </a:fillRef>
+        <a:effectRef idx="0">
+          <a:scrgbClr r="0" g="0" b="0"/>
+        </a:effectRef>
+        <a:fontRef idx="minor">
+          <a:schemeClr val="lt1"/>
+        </a:fontRef>
+      </dsp:style>
+      <dsp:txBody>
+        <a:bodyPr spcFirstLastPara="0" vert="horz" wrap="square" lIns="68580" tIns="68580" rIns="68580" bIns="68580" numCol="1" spcCol="1270" anchor="ctr" anchorCtr="0">
+          <a:noAutofit/>
+        </a:bodyPr>
+        <a:lstStyle/>
+        <a:p>
+          <a:pPr lvl="0" algn="ctr" defTabSz="800100" latinLnBrk="1">
+            <a:lnSpc>
+              <a:spcPct val="90000"/>
+            </a:lnSpc>
+            <a:spcBef>
+              <a:spcPct val="0"/>
+            </a:spcBef>
+            <a:spcAft>
+              <a:spcPct val="35000"/>
+            </a:spcAft>
+          </a:pPr>
+          <a:r>
+            <a:rPr lang="ko-KR" altLang="en-US" sz="1800" kern="1200" dirty="0" smtClean="0">
+              <a:solidFill>
+                <a:srgbClr val="C0C0C0"/>
+              </a:solidFill>
+            </a:rPr>
+            <a:t>형태소분석</a:t>
+          </a:r>
+          <a:endParaRPr lang="ko-KR" altLang="en-US" sz="1800" kern="1200" dirty="0">
+            <a:solidFill>
+              <a:srgbClr val="C0C0C0"/>
+            </a:solidFill>
+          </a:endParaRPr>
+        </a:p>
+      </dsp:txBody>
+      <dsp:txXfrm>
+        <a:off x="2616510" y="1427649"/>
+        <a:ext cx="1020405" cy="1670664"/>
+      </dsp:txXfrm>
+    </dsp:sp>
+    <dsp:sp modelId="{53322630-7AE2-4BA7-91EA-5B27225DFDD0}">
+      <dsp:nvSpPr>
+        <dsp:cNvPr id="0" name=""/>
+        <dsp:cNvSpPr/>
+      </dsp:nvSpPr>
+      <dsp:spPr>
+        <a:xfrm>
+          <a:off x="3777052" y="2128578"/>
+          <a:ext cx="229786" cy="268806"/>
+        </a:xfrm>
+        <a:prstGeom prst="rightArrow">
+          <a:avLst>
+            <a:gd name="adj1" fmla="val 60000"/>
+            <a:gd name="adj2" fmla="val 50000"/>
+          </a:avLst>
+        </a:prstGeom>
+        <a:noFill/>
+        <a:ln>
+          <a:solidFill>
+            <a:schemeClr val="accent1">
+              <a:alpha val="29000"/>
+            </a:schemeClr>
+          </a:solidFill>
+        </a:ln>
+        <a:effectLst/>
+      </dsp:spPr>
+      <dsp:style>
+        <a:lnRef idx="0">
+          <a:scrgbClr r="0" g="0" b="0"/>
+        </a:lnRef>
+        <a:fillRef idx="1">
+          <a:scrgbClr r="0" g="0" b="0"/>
+        </a:fillRef>
+        <a:effectRef idx="0">
+          <a:scrgbClr r="0" g="0" b="0"/>
+        </a:effectRef>
+        <a:fontRef idx="minor">
+          <a:schemeClr val="lt1"/>
+        </a:fontRef>
+      </dsp:style>
+      <dsp:txBody>
+        <a:bodyPr spcFirstLastPara="0" vert="horz" wrap="square" lIns="0" tIns="0" rIns="0" bIns="0" numCol="1" spcCol="1270" anchor="ctr" anchorCtr="0">
+          <a:noAutofit/>
+        </a:bodyPr>
+        <a:lstStyle/>
+        <a:p>
+          <a:pPr lvl="0" algn="ctr" defTabSz="311150" latinLnBrk="1">
+            <a:lnSpc>
+              <a:spcPct val="90000"/>
+            </a:lnSpc>
+            <a:spcBef>
+              <a:spcPct val="0"/>
+            </a:spcBef>
+            <a:spcAft>
+              <a:spcPct val="35000"/>
+            </a:spcAft>
+          </a:pPr>
+          <a:endParaRPr lang="ko-KR" altLang="en-US" sz="700" kern="1200"/>
+        </a:p>
+      </dsp:txBody>
+      <dsp:txXfrm>
+        <a:off x="3777052" y="2182339"/>
+        <a:ext cx="160850" cy="161284"/>
+      </dsp:txXfrm>
+    </dsp:sp>
+    <dsp:sp modelId="{4D89949C-41CF-4400-9038-BEE5DE2E4A2C}">
+      <dsp:nvSpPr>
+        <dsp:cNvPr id="0" name=""/>
+        <dsp:cNvSpPr/>
+      </dsp:nvSpPr>
+      <dsp:spPr>
+        <a:xfrm>
+          <a:off x="4102221" y="1395903"/>
+          <a:ext cx="1083897" cy="1734156"/>
+        </a:xfrm>
+        <a:prstGeom prst="roundRect">
+          <a:avLst>
+            <a:gd name="adj" fmla="val 10000"/>
+          </a:avLst>
+        </a:prstGeom>
+        <a:noFill/>
+        <a:ln w="25400" cap="flat" cmpd="sng" algn="ctr">
+          <a:solidFill>
+            <a:schemeClr val="accent1">
+              <a:alpha val="29000"/>
+            </a:schemeClr>
+          </a:solidFill>
+          <a:prstDash val="solid"/>
+        </a:ln>
+        <a:effectLst/>
+      </dsp:spPr>
+      <dsp:style>
+        <a:lnRef idx="2">
+          <a:scrgbClr r="0" g="0" b="0"/>
+        </a:lnRef>
+        <a:fillRef idx="1">
+          <a:scrgbClr r="0" g="0" b="0"/>
+        </a:fillRef>
+        <a:effectRef idx="0">
+          <a:scrgbClr r="0" g="0" b="0"/>
+        </a:effectRef>
+        <a:fontRef idx="minor">
+          <a:schemeClr val="lt1"/>
+        </a:fontRef>
+      </dsp:style>
+      <dsp:txBody>
+        <a:bodyPr spcFirstLastPara="0" vert="horz" wrap="square" lIns="68580" tIns="68580" rIns="68580" bIns="68580" numCol="1" spcCol="1270" anchor="ctr" anchorCtr="0">
+          <a:noAutofit/>
+        </a:bodyPr>
+        <a:lstStyle/>
+        <a:p>
+          <a:pPr lvl="0" algn="ctr" defTabSz="800100" latinLnBrk="1">
+            <a:lnSpc>
+              <a:spcPct val="90000"/>
+            </a:lnSpc>
+            <a:spcBef>
+              <a:spcPct val="0"/>
+            </a:spcBef>
+            <a:spcAft>
+              <a:spcPct val="35000"/>
+            </a:spcAft>
+          </a:pPr>
+          <a:r>
+            <a:rPr lang="ko-KR" altLang="en-US" sz="1800" kern="1200" dirty="0" smtClean="0">
+              <a:solidFill>
+                <a:srgbClr val="C0C0C0"/>
+              </a:solidFill>
+            </a:rPr>
+            <a:t>통계적 접근</a:t>
+          </a:r>
+          <a:endParaRPr lang="ko-KR" altLang="en-US" sz="1800" kern="1200" dirty="0">
+            <a:solidFill>
+              <a:srgbClr val="C0C0C0"/>
+            </a:solidFill>
+          </a:endParaRPr>
+        </a:p>
+      </dsp:txBody>
+      <dsp:txXfrm>
+        <a:off x="4133967" y="1427649"/>
+        <a:ext cx="1020405" cy="1670664"/>
+      </dsp:txXfrm>
+    </dsp:sp>
+    <dsp:sp modelId="{5EABE632-7638-4B85-B53D-DCBA10F8B1D7}">
+      <dsp:nvSpPr>
+        <dsp:cNvPr id="0" name=""/>
+        <dsp:cNvSpPr/>
+      </dsp:nvSpPr>
+      <dsp:spPr>
+        <a:xfrm>
+          <a:off x="5294508" y="2128578"/>
+          <a:ext cx="229786" cy="268806"/>
+        </a:xfrm>
+        <a:prstGeom prst="rightArrow">
+          <a:avLst>
+            <a:gd name="adj1" fmla="val 60000"/>
+            <a:gd name="adj2" fmla="val 50000"/>
+          </a:avLst>
+        </a:prstGeom>
+        <a:noFill/>
+        <a:ln>
+          <a:solidFill>
+            <a:schemeClr val="accent1">
+              <a:alpha val="29000"/>
+            </a:schemeClr>
+          </a:solidFill>
+        </a:ln>
+        <a:effectLst/>
+      </dsp:spPr>
+      <dsp:style>
+        <a:lnRef idx="0">
+          <a:scrgbClr r="0" g="0" b="0"/>
+        </a:lnRef>
+        <a:fillRef idx="1">
+          <a:scrgbClr r="0" g="0" b="0"/>
+        </a:fillRef>
+        <a:effectRef idx="0">
+          <a:scrgbClr r="0" g="0" b="0"/>
+        </a:effectRef>
+        <a:fontRef idx="minor">
+          <a:schemeClr val="lt1"/>
+        </a:fontRef>
+      </dsp:style>
+      <dsp:txBody>
+        <a:bodyPr spcFirstLastPara="0" vert="horz" wrap="square" lIns="0" tIns="0" rIns="0" bIns="0" numCol="1" spcCol="1270" anchor="ctr" anchorCtr="0">
+          <a:noAutofit/>
+        </a:bodyPr>
+        <a:lstStyle/>
+        <a:p>
+          <a:pPr lvl="0" algn="ctr" defTabSz="311150" latinLnBrk="1">
+            <a:lnSpc>
+              <a:spcPct val="90000"/>
+            </a:lnSpc>
+            <a:spcBef>
+              <a:spcPct val="0"/>
+            </a:spcBef>
+            <a:spcAft>
+              <a:spcPct val="35000"/>
+            </a:spcAft>
+          </a:pPr>
+          <a:endParaRPr lang="ko-KR" altLang="en-US" sz="700" kern="1200"/>
+        </a:p>
+      </dsp:txBody>
+      <dsp:txXfrm>
+        <a:off x="5294508" y="2182339"/>
+        <a:ext cx="160850" cy="161284"/>
+      </dsp:txXfrm>
+    </dsp:sp>
+    <dsp:sp modelId="{B2C2E384-B2D8-4E84-980B-480E0DB7A6F3}">
+      <dsp:nvSpPr>
+        <dsp:cNvPr id="0" name=""/>
+        <dsp:cNvSpPr/>
+      </dsp:nvSpPr>
+      <dsp:spPr>
+        <a:xfrm>
+          <a:off x="5619677" y="1395903"/>
+          <a:ext cx="1083897" cy="1734156"/>
+        </a:xfrm>
+        <a:prstGeom prst="roundRect">
+          <a:avLst>
+            <a:gd name="adj" fmla="val 10000"/>
+          </a:avLst>
+        </a:prstGeom>
+        <a:noFill/>
+        <a:ln w="25400" cap="flat" cmpd="sng" algn="ctr">
+          <a:solidFill>
+            <a:schemeClr val="accent1">
+              <a:alpha val="29000"/>
+            </a:schemeClr>
+          </a:solidFill>
+          <a:prstDash val="solid"/>
+        </a:ln>
+        <a:effectLst/>
+      </dsp:spPr>
+      <dsp:style>
+        <a:lnRef idx="2">
+          <a:scrgbClr r="0" g="0" b="0"/>
+        </a:lnRef>
+        <a:fillRef idx="1">
+          <a:scrgbClr r="0" g="0" b="0"/>
+        </a:fillRef>
+        <a:effectRef idx="0">
+          <a:scrgbClr r="0" g="0" b="0"/>
+        </a:effectRef>
+        <a:fontRef idx="minor">
+          <a:schemeClr val="lt1"/>
+        </a:fontRef>
+      </dsp:style>
+      <dsp:txBody>
+        <a:bodyPr spcFirstLastPara="0" vert="horz" wrap="square" lIns="68580" tIns="68580" rIns="68580" bIns="68580" numCol="1" spcCol="1270" anchor="ctr" anchorCtr="0">
+          <a:noAutofit/>
+        </a:bodyPr>
+        <a:lstStyle/>
+        <a:p>
+          <a:pPr lvl="0" algn="ctr" defTabSz="800100" latinLnBrk="1">
+            <a:lnSpc>
+              <a:spcPct val="90000"/>
+            </a:lnSpc>
+            <a:spcBef>
+              <a:spcPct val="0"/>
+            </a:spcBef>
+            <a:spcAft>
+              <a:spcPct val="35000"/>
+            </a:spcAft>
+          </a:pPr>
+          <a:r>
+            <a:rPr lang="en-US" altLang="ko-KR" sz="1800" kern="1200" dirty="0" smtClean="0">
+              <a:solidFill>
+                <a:srgbClr val="C0C0C0"/>
+              </a:solidFill>
+            </a:rPr>
+            <a:t>DB</a:t>
+          </a:r>
+          <a:endParaRPr lang="ko-KR" altLang="en-US" sz="1800" kern="1200" dirty="0">
+            <a:solidFill>
+              <a:srgbClr val="C0C0C0"/>
+            </a:solidFill>
+          </a:endParaRPr>
+        </a:p>
+      </dsp:txBody>
+      <dsp:txXfrm>
+        <a:off x="5651423" y="1427649"/>
+        <a:ext cx="1020405" cy="1670664"/>
+      </dsp:txXfrm>
+    </dsp:sp>
+    <dsp:sp modelId="{E6DD7AEF-FD24-42E8-BB04-BE1013A73531}">
+      <dsp:nvSpPr>
+        <dsp:cNvPr id="0" name=""/>
+        <dsp:cNvSpPr/>
+      </dsp:nvSpPr>
+      <dsp:spPr>
+        <a:xfrm>
+          <a:off x="6811965" y="2128578"/>
+          <a:ext cx="229786" cy="268806"/>
+        </a:xfrm>
+        <a:prstGeom prst="rightArrow">
+          <a:avLst>
+            <a:gd name="adj1" fmla="val 60000"/>
+            <a:gd name="adj2" fmla="val 50000"/>
+          </a:avLst>
+        </a:prstGeom>
+        <a:noFill/>
+        <a:ln>
+          <a:solidFill>
+            <a:schemeClr val="accent1">
+              <a:alpha val="29000"/>
+            </a:schemeClr>
+          </a:solidFill>
+        </a:ln>
+        <a:effectLst/>
+      </dsp:spPr>
+      <dsp:style>
+        <a:lnRef idx="0">
+          <a:scrgbClr r="0" g="0" b="0"/>
+        </a:lnRef>
+        <a:fillRef idx="1">
+          <a:scrgbClr r="0" g="0" b="0"/>
+        </a:fillRef>
+        <a:effectRef idx="0">
+          <a:scrgbClr r="0" g="0" b="0"/>
+        </a:effectRef>
+        <a:fontRef idx="minor">
+          <a:schemeClr val="lt1"/>
+        </a:fontRef>
+      </dsp:style>
+      <dsp:txBody>
+        <a:bodyPr spcFirstLastPara="0" vert="horz" wrap="square" lIns="0" tIns="0" rIns="0" bIns="0" numCol="1" spcCol="1270" anchor="ctr" anchorCtr="0">
+          <a:noAutofit/>
+        </a:bodyPr>
+        <a:lstStyle/>
+        <a:p>
+          <a:pPr lvl="0" algn="ctr" defTabSz="311150" latinLnBrk="1">
+            <a:lnSpc>
+              <a:spcPct val="90000"/>
+            </a:lnSpc>
+            <a:spcBef>
+              <a:spcPct val="0"/>
+            </a:spcBef>
+            <a:spcAft>
+              <a:spcPct val="35000"/>
+            </a:spcAft>
+          </a:pPr>
+          <a:endParaRPr lang="ko-KR" altLang="en-US" sz="700" kern="1200"/>
+        </a:p>
+      </dsp:txBody>
+      <dsp:txXfrm>
+        <a:off x="6811965" y="2182339"/>
+        <a:ext cx="160850" cy="161284"/>
+      </dsp:txXfrm>
+    </dsp:sp>
+    <dsp:sp modelId="{5A1D6D7C-7F60-4761-BD9C-DFC0B094C3B1}">
+      <dsp:nvSpPr>
+        <dsp:cNvPr id="0" name=""/>
+        <dsp:cNvSpPr/>
+      </dsp:nvSpPr>
+      <dsp:spPr>
+        <a:xfrm>
+          <a:off x="7137134" y="1395903"/>
+          <a:ext cx="1083897" cy="1734156"/>
+        </a:xfrm>
+        <a:prstGeom prst="roundRect">
+          <a:avLst>
+            <a:gd name="adj" fmla="val 10000"/>
+          </a:avLst>
+        </a:prstGeom>
+        <a:noFill/>
+        <a:ln w="25400" cap="flat" cmpd="sng" algn="ctr">
+          <a:solidFill>
+            <a:schemeClr val="accent1">
+              <a:alpha val="29000"/>
+            </a:schemeClr>
+          </a:solidFill>
+          <a:prstDash val="solid"/>
+        </a:ln>
+        <a:effectLst/>
+      </dsp:spPr>
+      <dsp:style>
+        <a:lnRef idx="2">
+          <a:scrgbClr r="0" g="0" b="0"/>
+        </a:lnRef>
+        <a:fillRef idx="1">
+          <a:scrgbClr r="0" g="0" b="0"/>
+        </a:fillRef>
+        <a:effectRef idx="0">
+          <a:scrgbClr r="0" g="0" b="0"/>
+        </a:effectRef>
+        <a:fontRef idx="minor">
+          <a:schemeClr val="lt1"/>
+        </a:fontRef>
+      </dsp:style>
+      <dsp:txBody>
+        <a:bodyPr spcFirstLastPara="0" vert="horz" wrap="square" lIns="68580" tIns="68580" rIns="68580" bIns="68580" numCol="1" spcCol="1270" anchor="ctr" anchorCtr="0">
+          <a:noAutofit/>
+        </a:bodyPr>
+        <a:lstStyle/>
+        <a:p>
+          <a:pPr lvl="0" algn="ctr" defTabSz="800100" latinLnBrk="1">
+            <a:lnSpc>
+              <a:spcPct val="90000"/>
+            </a:lnSpc>
+            <a:spcBef>
+              <a:spcPct val="0"/>
+            </a:spcBef>
+            <a:spcAft>
+              <a:spcPct val="35000"/>
+            </a:spcAft>
+          </a:pPr>
+          <a:r>
+            <a:rPr lang="en-US" altLang="ko-KR" sz="1800" kern="1200" dirty="0" smtClean="0">
+              <a:solidFill>
+                <a:srgbClr val="C0C0C0"/>
+              </a:solidFill>
+            </a:rPr>
+            <a:t>Visual</a:t>
+          </a:r>
+          <a:endParaRPr lang="ko-KR" altLang="en-US" sz="1800" kern="1200" dirty="0">
+            <a:solidFill>
+              <a:srgbClr val="C0C0C0"/>
+            </a:solidFill>
+          </a:endParaRPr>
+        </a:p>
+      </dsp:txBody>
+      <dsp:txXfrm>
+        <a:off x="7168880" y="1427649"/>
+        <a:ext cx="1020405" cy="1670664"/>
+      </dsp:txXfrm>
+    </dsp:sp>
+  </dsp:spTree>
+</dsp:drawing>
+</file>
+
+<file path=ppt/diagrams/drawing2.xml><?xml version="1.0" encoding="utf-8"?>
+<dsp:drawing xmlns:dgm="http://schemas.openxmlformats.org/drawingml/2006/diagram" xmlns:dsp="http://schemas.microsoft.com/office/drawing/2008/diagram" xmlns:a="http://schemas.openxmlformats.org/drawingml/2006/main">
+  <dsp:spTree>
+    <dsp:nvGrpSpPr>
+      <dsp:cNvPr id="0" name=""/>
+      <dsp:cNvGrpSpPr/>
+    </dsp:nvGrpSpPr>
+    <dsp:grpSpPr/>
+    <dsp:sp modelId="{15FCC5DD-4179-4D15-98D1-A830460DAF16}">
+      <dsp:nvSpPr>
+        <dsp:cNvPr id="0" name=""/>
+        <dsp:cNvSpPr/>
+      </dsp:nvSpPr>
+      <dsp:spPr>
+        <a:xfrm>
+          <a:off x="9087" y="1682112"/>
+          <a:ext cx="1294690" cy="1161737"/>
+        </a:xfrm>
+        <a:prstGeom prst="roundRect">
+          <a:avLst>
+            <a:gd name="adj" fmla="val 10000"/>
+          </a:avLst>
+        </a:prstGeom>
+        <a:solidFill>
+          <a:schemeClr val="lt1">
+            <a:hueOff val="0"/>
+            <a:satOff val="0"/>
+            <a:lumOff val="0"/>
+            <a:alphaOff val="0"/>
+          </a:schemeClr>
+        </a:solidFill>
+        <a:ln w="25400" cap="flat" cmpd="sng" algn="ctr">
+          <a:solidFill>
+            <a:schemeClr val="tx2">
+              <a:lumMod val="20000"/>
+              <a:lumOff val="80000"/>
+            </a:schemeClr>
+          </a:solidFill>
+          <a:prstDash val="solid"/>
+        </a:ln>
+        <a:effectLst/>
+      </dsp:spPr>
+      <dsp:style>
+        <a:lnRef idx="2">
+          <a:scrgbClr r="0" g="0" b="0"/>
+        </a:lnRef>
+        <a:fillRef idx="1">
+          <a:scrgbClr r="0" g="0" b="0"/>
+        </a:fillRef>
+        <a:effectRef idx="0">
+          <a:scrgbClr r="0" g="0" b="0"/>
+        </a:effectRef>
+        <a:fontRef idx="minor">
+          <a:schemeClr val="lt1"/>
+        </a:fontRef>
+      </dsp:style>
+      <dsp:txBody>
+        <a:bodyPr spcFirstLastPara="0" vert="horz" wrap="square" lIns="91440" tIns="91440" rIns="91440" bIns="91440" numCol="1" spcCol="1270" anchor="ctr" anchorCtr="0">
+          <a:noAutofit/>
+        </a:bodyPr>
+        <a:lstStyle/>
+        <a:p>
+          <a:pPr lvl="0" algn="ctr" defTabSz="1066800" latinLnBrk="1">
+            <a:lnSpc>
+              <a:spcPct val="90000"/>
+            </a:lnSpc>
+            <a:spcBef>
+              <a:spcPct val="0"/>
+            </a:spcBef>
+            <a:spcAft>
+              <a:spcPct val="35000"/>
+            </a:spcAft>
+          </a:pPr>
+          <a:r>
+            <a:rPr lang="ko-KR" altLang="en-US" sz="2400" kern="1200" dirty="0" err="1" smtClean="0">
+              <a:solidFill>
+                <a:srgbClr val="C0C0C0"/>
+              </a:solidFill>
+              <a:latin typeface="HY견명조" pitchFamily="18" charset="-127"/>
+              <a:ea typeface="HY견명조" pitchFamily="18" charset="-127"/>
+            </a:rPr>
+            <a:t>크롤링</a:t>
+          </a:r>
+          <a:endParaRPr lang="en-US" altLang="ko-KR" sz="1100" kern="1200" dirty="0" smtClean="0">
+            <a:solidFill>
+              <a:srgbClr val="C0C0C0"/>
+            </a:solidFill>
+            <a:latin typeface="HY견명조" pitchFamily="18" charset="-127"/>
+            <a:ea typeface="HY견명조" pitchFamily="18" charset="-127"/>
+          </a:endParaRPr>
+        </a:p>
+      </dsp:txBody>
+      <dsp:txXfrm>
+        <a:off x="43113" y="1716138"/>
+        <a:ext cx="1226638" cy="1093685"/>
+      </dsp:txXfrm>
+    </dsp:sp>
+    <dsp:sp modelId="{A8D9BFB8-0A44-4388-A179-E8CA579E3B01}">
+      <dsp:nvSpPr>
+        <dsp:cNvPr id="0" name=""/>
+        <dsp:cNvSpPr/>
+      </dsp:nvSpPr>
+      <dsp:spPr>
+        <a:xfrm>
+          <a:off x="1414576" y="2125591"/>
+          <a:ext cx="234892" cy="274780"/>
+        </a:xfrm>
+        <a:prstGeom prst="rightArrow">
+          <a:avLst>
+            <a:gd name="adj1" fmla="val 60000"/>
+            <a:gd name="adj2" fmla="val 50000"/>
+          </a:avLst>
+        </a:prstGeom>
+        <a:noFill/>
+        <a:ln>
+          <a:solidFill>
+            <a:schemeClr val="accent1">
+              <a:alpha val="29000"/>
+            </a:schemeClr>
+          </a:solidFill>
+        </a:ln>
+        <a:effectLst/>
+      </dsp:spPr>
+      <dsp:style>
+        <a:lnRef idx="0">
+          <a:scrgbClr r="0" g="0" b="0"/>
+        </a:lnRef>
+        <a:fillRef idx="1">
+          <a:scrgbClr r="0" g="0" b="0"/>
+        </a:fillRef>
+        <a:effectRef idx="0">
+          <a:scrgbClr r="0" g="0" b="0"/>
+        </a:effectRef>
+        <a:fontRef idx="minor">
+          <a:schemeClr val="lt1"/>
+        </a:fontRef>
+      </dsp:style>
+      <dsp:txBody>
+        <a:bodyPr spcFirstLastPara="0" vert="horz" wrap="square" lIns="0" tIns="0" rIns="0" bIns="0" numCol="1" spcCol="1270" anchor="ctr" anchorCtr="0">
+          <a:noAutofit/>
+        </a:bodyPr>
+        <a:lstStyle/>
+        <a:p>
+          <a:pPr lvl="0" algn="ctr" defTabSz="355600" latinLnBrk="1">
+            <a:lnSpc>
+              <a:spcPct val="90000"/>
+            </a:lnSpc>
+            <a:spcBef>
+              <a:spcPct val="0"/>
+            </a:spcBef>
+            <a:spcAft>
+              <a:spcPct val="35000"/>
+            </a:spcAft>
+          </a:pPr>
+          <a:endParaRPr lang="ko-KR" altLang="en-US" sz="800" kern="1200"/>
+        </a:p>
+      </dsp:txBody>
+      <dsp:txXfrm>
+        <a:off x="1414576" y="2180547"/>
+        <a:ext cx="164424" cy="164868"/>
+      </dsp:txXfrm>
+    </dsp:sp>
+    <dsp:sp modelId="{A125AC72-4617-43FD-8AE6-928C43F7A5F2}">
+      <dsp:nvSpPr>
+        <dsp:cNvPr id="0" name=""/>
+        <dsp:cNvSpPr/>
+      </dsp:nvSpPr>
+      <dsp:spPr>
+        <a:xfrm>
+          <a:off x="1746971" y="1275770"/>
+          <a:ext cx="1820007" cy="1974421"/>
+        </a:xfrm>
+        <a:prstGeom prst="roundRect">
+          <a:avLst>
+            <a:gd name="adj" fmla="val 10000"/>
+          </a:avLst>
+        </a:prstGeom>
+        <a:noFill/>
+        <a:ln w="25400" cap="flat" cmpd="sng" algn="ctr">
+          <a:solidFill>
+            <a:schemeClr val="accent1"/>
+          </a:solidFill>
+          <a:prstDash val="solid"/>
+        </a:ln>
+        <a:effectLst/>
+      </dsp:spPr>
+      <dsp:style>
+        <a:lnRef idx="2">
+          <a:scrgbClr r="0" g="0" b="0"/>
+        </a:lnRef>
+        <a:fillRef idx="1">
+          <a:scrgbClr r="0" g="0" b="0"/>
+        </a:fillRef>
+        <a:effectRef idx="0">
+          <a:scrgbClr r="0" g="0" b="0"/>
+        </a:effectRef>
+        <a:fontRef idx="minor">
+          <a:schemeClr val="lt1"/>
+        </a:fontRef>
+      </dsp:style>
+      <dsp:txBody>
+        <a:bodyPr spcFirstLastPara="0" vert="horz" wrap="square" lIns="137160" tIns="137160" rIns="137160" bIns="137160" numCol="1" spcCol="1270" anchor="ctr" anchorCtr="0">
+          <a:noAutofit/>
+        </a:bodyPr>
+        <a:lstStyle/>
+        <a:p>
+          <a:pPr lvl="0" algn="ctr" defTabSz="1600200" latinLnBrk="1">
+            <a:lnSpc>
+              <a:spcPct val="90000"/>
+            </a:lnSpc>
+            <a:spcBef>
+              <a:spcPct val="0"/>
+            </a:spcBef>
+            <a:spcAft>
+              <a:spcPct val="35000"/>
+            </a:spcAft>
+          </a:pPr>
+          <a:r>
+            <a:rPr lang="ko-KR" altLang="en-US" sz="3600" kern="1200" dirty="0" smtClean="0">
+              <a:solidFill>
+                <a:schemeClr val="tx1"/>
+              </a:solidFill>
+            </a:rPr>
+            <a:t>형태소분석</a:t>
+          </a:r>
+          <a:endParaRPr lang="ko-KR" altLang="en-US" sz="3600" kern="1200" dirty="0">
+            <a:solidFill>
+              <a:schemeClr val="tx1"/>
+            </a:solidFill>
+          </a:endParaRPr>
+        </a:p>
+      </dsp:txBody>
+      <dsp:txXfrm>
+        <a:off x="1800277" y="1329076"/>
+        <a:ext cx="1713395" cy="1867809"/>
+      </dsp:txXfrm>
+    </dsp:sp>
+    <dsp:sp modelId="{53322630-7AE2-4BA7-91EA-5B27225DFDD0}">
+      <dsp:nvSpPr>
+        <dsp:cNvPr id="0" name=""/>
+        <dsp:cNvSpPr/>
+      </dsp:nvSpPr>
+      <dsp:spPr>
+        <a:xfrm>
+          <a:off x="3677777" y="2125591"/>
+          <a:ext cx="234892" cy="274780"/>
+        </a:xfrm>
+        <a:prstGeom prst="rightArrow">
+          <a:avLst>
+            <a:gd name="adj1" fmla="val 60000"/>
+            <a:gd name="adj2" fmla="val 50000"/>
+          </a:avLst>
+        </a:prstGeom>
+        <a:noFill/>
+        <a:ln>
+          <a:solidFill>
+            <a:schemeClr val="accent1">
+              <a:alpha val="29000"/>
+            </a:schemeClr>
+          </a:solidFill>
+        </a:ln>
+        <a:effectLst/>
+      </dsp:spPr>
+      <dsp:style>
+        <a:lnRef idx="0">
+          <a:scrgbClr r="0" g="0" b="0"/>
+        </a:lnRef>
+        <a:fillRef idx="1">
+          <a:scrgbClr r="0" g="0" b="0"/>
+        </a:fillRef>
+        <a:effectRef idx="0">
+          <a:scrgbClr r="0" g="0" b="0"/>
+        </a:effectRef>
+        <a:fontRef idx="minor">
+          <a:schemeClr val="lt1"/>
+        </a:fontRef>
+      </dsp:style>
+      <dsp:txBody>
+        <a:bodyPr spcFirstLastPara="0" vert="horz" wrap="square" lIns="0" tIns="0" rIns="0" bIns="0" numCol="1" spcCol="1270" anchor="ctr" anchorCtr="0">
+          <a:noAutofit/>
+        </a:bodyPr>
+        <a:lstStyle/>
+        <a:p>
+          <a:pPr lvl="0" algn="ctr" defTabSz="355600" latinLnBrk="1">
+            <a:lnSpc>
+              <a:spcPct val="90000"/>
+            </a:lnSpc>
+            <a:spcBef>
+              <a:spcPct val="0"/>
+            </a:spcBef>
+            <a:spcAft>
+              <a:spcPct val="35000"/>
+            </a:spcAft>
+          </a:pPr>
+          <a:endParaRPr lang="ko-KR" altLang="en-US" sz="800" kern="1200"/>
+        </a:p>
+      </dsp:txBody>
+      <dsp:txXfrm>
+        <a:off x="3677777" y="2180547"/>
+        <a:ext cx="164424" cy="164868"/>
+      </dsp:txXfrm>
+    </dsp:sp>
+    <dsp:sp modelId="{4D89949C-41CF-4400-9038-BEE5DE2E4A2C}">
+      <dsp:nvSpPr>
+        <dsp:cNvPr id="0" name=""/>
+        <dsp:cNvSpPr/>
+      </dsp:nvSpPr>
+      <dsp:spPr>
+        <a:xfrm>
+          <a:off x="4010173" y="1726819"/>
+          <a:ext cx="1107984" cy="1072323"/>
+        </a:xfrm>
+        <a:prstGeom prst="roundRect">
+          <a:avLst>
+            <a:gd name="adj" fmla="val 10000"/>
+          </a:avLst>
+        </a:prstGeom>
+        <a:noFill/>
+        <a:ln w="25400" cap="flat" cmpd="sng" algn="ctr">
+          <a:solidFill>
+            <a:schemeClr val="accent1">
+              <a:alpha val="29000"/>
+            </a:schemeClr>
+          </a:solidFill>
+          <a:prstDash val="solid"/>
+        </a:ln>
+        <a:effectLst/>
+      </dsp:spPr>
+      <dsp:style>
+        <a:lnRef idx="2">
+          <a:scrgbClr r="0" g="0" b="0"/>
+        </a:lnRef>
+        <a:fillRef idx="1">
+          <a:scrgbClr r="0" g="0" b="0"/>
+        </a:fillRef>
+        <a:effectRef idx="0">
+          <a:scrgbClr r="0" g="0" b="0"/>
+        </a:effectRef>
+        <a:fontRef idx="minor">
+          <a:schemeClr val="lt1"/>
+        </a:fontRef>
+      </dsp:style>
+      <dsp:txBody>
+        <a:bodyPr spcFirstLastPara="0" vert="horz" wrap="square" lIns="80010" tIns="80010" rIns="80010" bIns="80010" numCol="1" spcCol="1270" anchor="ctr" anchorCtr="0">
+          <a:noAutofit/>
+        </a:bodyPr>
+        <a:lstStyle/>
+        <a:p>
+          <a:pPr lvl="0" algn="ctr" defTabSz="933450" latinLnBrk="1">
+            <a:lnSpc>
+              <a:spcPct val="90000"/>
+            </a:lnSpc>
+            <a:spcBef>
+              <a:spcPct val="0"/>
+            </a:spcBef>
+            <a:spcAft>
+              <a:spcPct val="35000"/>
+            </a:spcAft>
+          </a:pPr>
+          <a:r>
+            <a:rPr lang="ko-KR" altLang="en-US" sz="2100" kern="1200" dirty="0" smtClean="0">
+              <a:solidFill>
+                <a:srgbClr val="C0C0C0"/>
+              </a:solidFill>
+            </a:rPr>
+            <a:t>통계적 접근</a:t>
+          </a:r>
+          <a:endParaRPr lang="ko-KR" altLang="en-US" sz="2100" kern="1200" dirty="0">
+            <a:solidFill>
+              <a:srgbClr val="C0C0C0"/>
+            </a:solidFill>
+          </a:endParaRPr>
+        </a:p>
+      </dsp:txBody>
+      <dsp:txXfrm>
+        <a:off x="4041580" y="1758226"/>
+        <a:ext cx="1045170" cy="1009509"/>
+      </dsp:txXfrm>
+    </dsp:sp>
+    <dsp:sp modelId="{5EABE632-7638-4B85-B53D-DCBA10F8B1D7}">
+      <dsp:nvSpPr>
+        <dsp:cNvPr id="0" name=""/>
+        <dsp:cNvSpPr/>
+      </dsp:nvSpPr>
+      <dsp:spPr>
+        <a:xfrm>
+          <a:off x="5228955" y="2125591"/>
+          <a:ext cx="234892" cy="274780"/>
+        </a:xfrm>
+        <a:prstGeom prst="rightArrow">
+          <a:avLst>
+            <a:gd name="adj1" fmla="val 60000"/>
+            <a:gd name="adj2" fmla="val 50000"/>
+          </a:avLst>
+        </a:prstGeom>
+        <a:noFill/>
+        <a:ln>
+          <a:solidFill>
+            <a:schemeClr val="accent1">
+              <a:alpha val="29000"/>
+            </a:schemeClr>
+          </a:solidFill>
+        </a:ln>
+        <a:effectLst/>
+      </dsp:spPr>
+      <dsp:style>
+        <a:lnRef idx="0">
+          <a:scrgbClr r="0" g="0" b="0"/>
+        </a:lnRef>
+        <a:fillRef idx="1">
+          <a:scrgbClr r="0" g="0" b="0"/>
+        </a:fillRef>
+        <a:effectRef idx="0">
+          <a:scrgbClr r="0" g="0" b="0"/>
+        </a:effectRef>
+        <a:fontRef idx="minor">
+          <a:schemeClr val="lt1"/>
+        </a:fontRef>
+      </dsp:style>
+      <dsp:txBody>
+        <a:bodyPr spcFirstLastPara="0" vert="horz" wrap="square" lIns="0" tIns="0" rIns="0" bIns="0" numCol="1" spcCol="1270" anchor="ctr" anchorCtr="0">
+          <a:noAutofit/>
+        </a:bodyPr>
+        <a:lstStyle/>
+        <a:p>
+          <a:pPr lvl="0" algn="ctr" defTabSz="355600" latinLnBrk="1">
+            <a:lnSpc>
+              <a:spcPct val="90000"/>
+            </a:lnSpc>
+            <a:spcBef>
+              <a:spcPct val="0"/>
+            </a:spcBef>
+            <a:spcAft>
+              <a:spcPct val="35000"/>
+            </a:spcAft>
+          </a:pPr>
+          <a:endParaRPr lang="ko-KR" altLang="en-US" sz="800" kern="1200"/>
+        </a:p>
+      </dsp:txBody>
+      <dsp:txXfrm>
+        <a:off x="5228955" y="2180547"/>
+        <a:ext cx="164424" cy="164868"/>
+      </dsp:txXfrm>
+    </dsp:sp>
+    <dsp:sp modelId="{B2C2E384-B2D8-4E84-980B-480E0DB7A6F3}">
+      <dsp:nvSpPr>
+        <dsp:cNvPr id="0" name=""/>
+        <dsp:cNvSpPr/>
+      </dsp:nvSpPr>
+      <dsp:spPr>
+        <a:xfrm>
+          <a:off x="5561350" y="1726819"/>
+          <a:ext cx="1107984" cy="1072323"/>
+        </a:xfrm>
+        <a:prstGeom prst="roundRect">
+          <a:avLst>
+            <a:gd name="adj" fmla="val 10000"/>
+          </a:avLst>
+        </a:prstGeom>
+        <a:noFill/>
+        <a:ln w="25400" cap="flat" cmpd="sng" algn="ctr">
+          <a:solidFill>
+            <a:schemeClr val="accent1">
+              <a:alpha val="29000"/>
+            </a:schemeClr>
+          </a:solidFill>
+          <a:prstDash val="solid"/>
+        </a:ln>
+        <a:effectLst/>
+      </dsp:spPr>
+      <dsp:style>
+        <a:lnRef idx="2">
+          <a:scrgbClr r="0" g="0" b="0"/>
+        </a:lnRef>
+        <a:fillRef idx="1">
+          <a:scrgbClr r="0" g="0" b="0"/>
+        </a:fillRef>
+        <a:effectRef idx="0">
+          <a:scrgbClr r="0" g="0" b="0"/>
+        </a:effectRef>
+        <a:fontRef idx="minor">
+          <a:schemeClr val="lt1"/>
+        </a:fontRef>
+      </dsp:style>
+      <dsp:txBody>
+        <a:bodyPr spcFirstLastPara="0" vert="horz" wrap="square" lIns="80010" tIns="80010" rIns="80010" bIns="80010" numCol="1" spcCol="1270" anchor="ctr" anchorCtr="0">
+          <a:noAutofit/>
+        </a:bodyPr>
+        <a:lstStyle/>
+        <a:p>
+          <a:pPr lvl="0" algn="ctr" defTabSz="933450" latinLnBrk="1">
+            <a:lnSpc>
+              <a:spcPct val="90000"/>
+            </a:lnSpc>
+            <a:spcBef>
+              <a:spcPct val="0"/>
+            </a:spcBef>
+            <a:spcAft>
+              <a:spcPct val="35000"/>
+            </a:spcAft>
+          </a:pPr>
+          <a:r>
+            <a:rPr lang="en-US" altLang="ko-KR" sz="2100" kern="1200" dirty="0" smtClean="0">
+              <a:solidFill>
+                <a:srgbClr val="C0C0C0"/>
+              </a:solidFill>
+            </a:rPr>
+            <a:t>DB</a:t>
+          </a:r>
+          <a:endParaRPr lang="ko-KR" altLang="en-US" sz="2100" kern="1200" dirty="0">
+            <a:solidFill>
+              <a:srgbClr val="C0C0C0"/>
+            </a:solidFill>
+          </a:endParaRPr>
+        </a:p>
+      </dsp:txBody>
+      <dsp:txXfrm>
+        <a:off x="5592757" y="1758226"/>
+        <a:ext cx="1045170" cy="1009509"/>
+      </dsp:txXfrm>
+    </dsp:sp>
+    <dsp:sp modelId="{E6DD7AEF-FD24-42E8-BB04-BE1013A73531}">
+      <dsp:nvSpPr>
+        <dsp:cNvPr id="0" name=""/>
+        <dsp:cNvSpPr/>
+      </dsp:nvSpPr>
+      <dsp:spPr>
+        <a:xfrm>
+          <a:off x="6780133" y="2125591"/>
+          <a:ext cx="234892" cy="274780"/>
+        </a:xfrm>
+        <a:prstGeom prst="rightArrow">
+          <a:avLst>
+            <a:gd name="adj1" fmla="val 60000"/>
+            <a:gd name="adj2" fmla="val 50000"/>
+          </a:avLst>
+        </a:prstGeom>
+        <a:noFill/>
+        <a:ln>
+          <a:solidFill>
+            <a:schemeClr val="accent1">
+              <a:alpha val="29000"/>
+            </a:schemeClr>
+          </a:solidFill>
+        </a:ln>
+        <a:effectLst/>
+      </dsp:spPr>
+      <dsp:style>
+        <a:lnRef idx="0">
+          <a:scrgbClr r="0" g="0" b="0"/>
+        </a:lnRef>
+        <a:fillRef idx="1">
+          <a:scrgbClr r="0" g="0" b="0"/>
+        </a:fillRef>
+        <a:effectRef idx="0">
+          <a:scrgbClr r="0" g="0" b="0"/>
+        </a:effectRef>
+        <a:fontRef idx="minor">
+          <a:schemeClr val="lt1"/>
+        </a:fontRef>
+      </dsp:style>
+      <dsp:txBody>
+        <a:bodyPr spcFirstLastPara="0" vert="horz" wrap="square" lIns="0" tIns="0" rIns="0" bIns="0" numCol="1" spcCol="1270" anchor="ctr" anchorCtr="0">
+          <a:noAutofit/>
+        </a:bodyPr>
+        <a:lstStyle/>
+        <a:p>
+          <a:pPr lvl="0" algn="ctr" defTabSz="355600" latinLnBrk="1">
+            <a:lnSpc>
+              <a:spcPct val="90000"/>
+            </a:lnSpc>
+            <a:spcBef>
+              <a:spcPct val="0"/>
+            </a:spcBef>
+            <a:spcAft>
+              <a:spcPct val="35000"/>
+            </a:spcAft>
+          </a:pPr>
+          <a:endParaRPr lang="ko-KR" altLang="en-US" sz="800" kern="1200"/>
+        </a:p>
+      </dsp:txBody>
+      <dsp:txXfrm>
+        <a:off x="6780133" y="2180547"/>
+        <a:ext cx="164424" cy="164868"/>
+      </dsp:txXfrm>
+    </dsp:sp>
+    <dsp:sp modelId="{5A1D6D7C-7F60-4761-BD9C-DFC0B094C3B1}">
+      <dsp:nvSpPr>
+        <dsp:cNvPr id="0" name=""/>
+        <dsp:cNvSpPr/>
+      </dsp:nvSpPr>
+      <dsp:spPr>
+        <a:xfrm>
+          <a:off x="7112528" y="1726819"/>
+          <a:ext cx="1107984" cy="1072323"/>
+        </a:xfrm>
+        <a:prstGeom prst="roundRect">
+          <a:avLst>
+            <a:gd name="adj" fmla="val 10000"/>
+          </a:avLst>
+        </a:prstGeom>
+        <a:noFill/>
+        <a:ln w="25400" cap="flat" cmpd="sng" algn="ctr">
+          <a:solidFill>
+            <a:schemeClr val="accent1">
+              <a:alpha val="29000"/>
+            </a:schemeClr>
+          </a:solidFill>
+          <a:prstDash val="solid"/>
+        </a:ln>
+        <a:effectLst/>
+      </dsp:spPr>
+      <dsp:style>
+        <a:lnRef idx="2">
+          <a:scrgbClr r="0" g="0" b="0"/>
+        </a:lnRef>
+        <a:fillRef idx="1">
+          <a:scrgbClr r="0" g="0" b="0"/>
+        </a:fillRef>
+        <a:effectRef idx="0">
+          <a:scrgbClr r="0" g="0" b="0"/>
+        </a:effectRef>
+        <a:fontRef idx="minor">
+          <a:schemeClr val="lt1"/>
+        </a:fontRef>
+      </dsp:style>
+      <dsp:txBody>
+        <a:bodyPr spcFirstLastPara="0" vert="horz" wrap="square" lIns="80010" tIns="80010" rIns="80010" bIns="80010" numCol="1" spcCol="1270" anchor="ctr" anchorCtr="0">
+          <a:noAutofit/>
+        </a:bodyPr>
+        <a:lstStyle/>
+        <a:p>
+          <a:pPr lvl="0" algn="ctr" defTabSz="933450" latinLnBrk="1">
+            <a:lnSpc>
+              <a:spcPct val="90000"/>
+            </a:lnSpc>
+            <a:spcBef>
+              <a:spcPct val="0"/>
+            </a:spcBef>
+            <a:spcAft>
+              <a:spcPct val="35000"/>
+            </a:spcAft>
+          </a:pPr>
+          <a:r>
+            <a:rPr lang="en-US" altLang="ko-KR" sz="2100" kern="1200" dirty="0" smtClean="0">
+              <a:solidFill>
+                <a:srgbClr val="C0C0C0"/>
+              </a:solidFill>
+            </a:rPr>
+            <a:t>Visual</a:t>
+          </a:r>
+          <a:endParaRPr lang="ko-KR" altLang="en-US" sz="2100" kern="1200" dirty="0">
+            <a:solidFill>
+              <a:srgbClr val="C0C0C0"/>
+            </a:solidFill>
+          </a:endParaRPr>
+        </a:p>
+      </dsp:txBody>
+      <dsp:txXfrm>
+        <a:off x="7143935" y="1758226"/>
+        <a:ext cx="1045170" cy="1009509"/>
+      </dsp:txXfrm>
+    </dsp:sp>
+  </dsp:spTree>
+</dsp:drawing>
+</file>
+
+<file path=ppt/diagrams/layout1.xml><?xml version="1.0" encoding="utf-8"?>
+<dgm:layoutDef xmlns:dgm="http://schemas.openxmlformats.org/drawingml/2006/diagram" xmlns:a="http://schemas.openxmlformats.org/drawingml/2006/main" uniqueId="urn:microsoft.com/office/officeart/2005/8/layout/process1">
+  <dgm:title val=""/>
+  <dgm:desc val=""/>
+  <dgm:catLst>
+    <dgm:cat type="process" pri="1000"/>
+    <dgm:cat type="convert" pri="15000"/>
+  </dgm:catLst>
+  <dgm:sampData useDef="1">
+    <dgm:dataModel>
+      <dgm:ptLst/>
+      <dgm:bg/>
+      <dgm:whole/>
+    </dgm:dataModel>
+  </dgm:sampData>
+  <dgm:styleData>
+    <dgm:dataModel>
+      <dgm:ptLst>
+        <dgm:pt modelId="0" type="doc"/>
+        <dgm:pt modelId="1"/>
+        <dgm:pt modelId="2"/>
+      </dgm:ptLst>
+      <dgm:cxnLst>
+        <dgm:cxn modelId="3" srcId="0" destId="1" srcOrd="0" destOrd="0"/>
+        <dgm:cxn modelId="4" srcId="0" destId="2" srcOrd="1" destOrd="0"/>
+      </dgm:cxnLst>
+      <dgm:bg/>
+      <dgm:whole/>
+    </dgm:dataModel>
+  </dgm:styleData>
+  <dgm:clrData>
+    <dgm:dataModel>
+      <dgm:ptLst>
+        <dgm:pt modelId="0" type="doc"/>
+        <dgm:pt modelId="1"/>
+        <dgm:pt modelId="2"/>
+        <dgm:pt modelId="3"/>
+        <dgm:pt modelId="4"/>
+      </dgm:ptLst>
+      <dgm:cxnLst>
+        <dgm:cxn modelId="5" srcId="0" destId="1" srcOrd="0" destOrd="0"/>
+        <dgm:cxn modelId="6" srcId="0" destId="2" srcOrd="1" destOrd="0"/>
+        <dgm:cxn modelId="7" srcId="0" destId="3" srcOrd="2" destOrd="0"/>
+        <dgm:cxn modelId="8" srcId="0" destId="4" srcOrd="3" destOrd="0"/>
+      </dgm:cxnLst>
+      <dgm:bg/>
+      <dgm:whole/>
+    </dgm:dataModel>
+  </dgm:clrData>
+  <dgm:layoutNode name="Name0">
+    <dgm:varLst>
+      <dgm:dir/>
+      <dgm:resizeHandles val="exact"/>
+    </dgm:varLst>
+    <dgm:choose name="Name1">
+      <dgm:if name="Name2" func="var" arg="dir" op="equ" val="norm">
+        <dgm:alg type="lin"/>
+      </dgm:if>
+      <dgm:else name="Name3">
+        <dgm:alg type="lin">
+          <dgm:param type="linDir" val="fromR"/>
+        </dgm:alg>
+      </dgm:else>
+    </dgm:choose>
+    <dgm:shape xmlns:r="http://schemas.openxmlformats.org/officeDocument/2006/relationships" r:blip="">
+      <dgm:adjLst/>
+    </dgm:shape>
+    <dgm:presOf/>
+    <dgm:constrLst>
+      <dgm:constr type="w" for="ch" ptType="node" refType="w"/>
+      <dgm:constr type="h" for="ch" ptType="node" op="equ"/>
+      <dgm:constr type="primFontSz" for="ch" ptType="node" op="equ" val="65"/>
+      <dgm:constr type="w" for="ch" ptType="sibTrans" refType="w" refFor="ch" refPtType="node" op="equ" fact="0.4"/>
+      <dgm:constr type="h" for="ch" ptType="sibTrans" op="equ"/>
+      <dgm:constr type="primFontSz" for="des" forName="connectorText" op="equ" val="55"/>
+      <dgm:constr type="primFontSz" for="des" forName="connectorText" refType="primFontSz" refFor="ch" refPtType="node" op="lte" fact="0.8"/>
+    </dgm:constrLst>
+    <dgm:ruleLst/>
+    <dgm:forEach name="nodesForEach" axis="ch" ptType="node">
+      <dgm:layoutNode name="node">
+        <dgm:varLst>
+          <dgm:bulletEnabled val="1"/>
+        </dgm:varLst>
+        <dgm:alg type="tx"/>
+        <dgm:shape xmlns:r="http://schemas.openxmlformats.org/officeDocument/2006/relationships" type="roundRect" r:blip="">
+          <dgm:adjLst>
+            <dgm:adj idx="1" val="0.1"/>
+          </dgm:adjLst>
+        </dgm:shape>
+        <dgm:presOf axis="desOrSelf" ptType="node"/>
+        <dgm:constrLst>
+          <dgm:constr type="h" refType="w" fact="0.6"/>
+          <dgm:constr type="tMarg" refType="primFontSz" fact="0.3"/>
+          <dgm:constr type="bMarg" refType="primFontSz" fact="0.3"/>
+          <dgm:constr type="lMarg" refType="primFontSz" fact="0.3"/>
+          <dgm:constr type="rMarg" refType="primFontSz" fact="0.3"/>
+        </dgm:constrLst>
+        <dgm:ruleLst>
+          <dgm:rule type="primFontSz" val="18" fact="NaN" max="NaN"/>
+          <dgm:rule type="h" val="NaN" fact="1.5" max="NaN"/>
+          <dgm:rule type="primFontSz" val="5" fact="NaN" max="NaN"/>
+          <dgm:rule type="h" val="INF" fact="NaN" max="NaN"/>
+        </dgm:ruleLst>
+      </dgm:layoutNode>
+      <dgm:forEach name="sibTransForEach" axis="followSib" ptType="sibTrans" cnt="1">
+        <dgm:layoutNode name="sibTrans">
+          <dgm:alg type="conn">
+            <dgm:param type="begPts" val="auto"/>
+            <dgm:param type="endPts" val="auto"/>
+          </dgm:alg>
+          <dgm:shape xmlns:r="http://schemas.openxmlformats.org/officeDocument/2006/relationships" type="conn" r:blip="">
+            <dgm:adjLst/>
+          </dgm:shape>
+          <dgm:presOf axis="self"/>
+          <dgm:constrLst>
+            <dgm:constr type="h" refType="w" fact="0.62"/>
+            <dgm:constr type="connDist"/>
+            <dgm:constr type="begPad" refType="connDist" fact="0.25"/>
+            <dgm:constr type="endPad" refType="connDist" fact="0.22"/>
+          </dgm:constrLst>
+          <dgm:ruleLst/>
+          <dgm:layoutNode name="connectorText">
+            <dgm:alg type="tx">
+              <dgm:param type="autoTxRot" val="grav"/>
+            </dgm:alg>
+            <dgm:shape xmlns:r="http://schemas.openxmlformats.org/officeDocument/2006/relationships" type="conn" r:blip="" hideGeom="1">
+              <dgm:adjLst/>
+            </dgm:shape>
+            <dgm:presOf axis="self"/>
+            <dgm:constrLst>
+              <dgm:constr type="lMarg"/>
+              <dgm:constr type="rMarg"/>
+              <dgm:constr type="tMarg"/>
+              <dgm:constr type="bMarg"/>
+            </dgm:constrLst>
+            <dgm:ruleLst>
+              <dgm:rule type="primFontSz" val="5" fact="NaN" max="NaN"/>
+            </dgm:ruleLst>
+          </dgm:layoutNode>
+        </dgm:layoutNode>
+      </dgm:forEach>
+    </dgm:forEach>
+  </dgm:layoutNode>
+</dgm:layoutDef>
+</file>
+
+<file path=ppt/diagrams/layout2.xml><?xml version="1.0" encoding="utf-8"?>
+<dgm:layoutDef xmlns:dgm="http://schemas.openxmlformats.org/drawingml/2006/diagram" xmlns:a="http://schemas.openxmlformats.org/drawingml/2006/main" uniqueId="urn:microsoft.com/office/officeart/2005/8/layout/process1">
+  <dgm:title val=""/>
+  <dgm:desc val=""/>
+  <dgm:catLst>
+    <dgm:cat type="process" pri="1000"/>
+    <dgm:cat type="convert" pri="15000"/>
+  </dgm:catLst>
+  <dgm:sampData useDef="1">
+    <dgm:dataModel>
+      <dgm:ptLst/>
+      <dgm:bg/>
+      <dgm:whole/>
+    </dgm:dataModel>
+  </dgm:sampData>
+  <dgm:styleData>
+    <dgm:dataModel>
+      <dgm:ptLst>
+        <dgm:pt modelId="0" type="doc"/>
+        <dgm:pt modelId="1"/>
+        <dgm:pt modelId="2"/>
+      </dgm:ptLst>
+      <dgm:cxnLst>
+        <dgm:cxn modelId="3" srcId="0" destId="1" srcOrd="0" destOrd="0"/>
+        <dgm:cxn modelId="4" srcId="0" destId="2" srcOrd="1" destOrd="0"/>
+      </dgm:cxnLst>
+      <dgm:bg/>
+      <dgm:whole/>
+    </dgm:dataModel>
+  </dgm:styleData>
+  <dgm:clrData>
+    <dgm:dataModel>
+      <dgm:ptLst>
+        <dgm:pt modelId="0" type="doc"/>
+        <dgm:pt modelId="1"/>
+        <dgm:pt modelId="2"/>
+        <dgm:pt modelId="3"/>
+        <dgm:pt modelId="4"/>
+      </dgm:ptLst>
+      <dgm:cxnLst>
+        <dgm:cxn modelId="5" srcId="0" destId="1" srcOrd="0" destOrd="0"/>
+        <dgm:cxn modelId="6" srcId="0" destId="2" srcOrd="1" destOrd="0"/>
+        <dgm:cxn modelId="7" srcId="0" destId="3" srcOrd="2" destOrd="0"/>
+        <dgm:cxn modelId="8" srcId="0" destId="4" srcOrd="3" destOrd="0"/>
+      </dgm:cxnLst>
+      <dgm:bg/>
+      <dgm:whole/>
+    </dgm:dataModel>
+  </dgm:clrData>
+  <dgm:layoutNode name="Name0">
+    <dgm:varLst>
+      <dgm:dir/>
+      <dgm:resizeHandles val="exact"/>
+    </dgm:varLst>
+    <dgm:choose name="Name1">
+      <dgm:if name="Name2" func="var" arg="dir" op="equ" val="norm">
+        <dgm:alg type="lin"/>
+      </dgm:if>
+      <dgm:else name="Name3">
+        <dgm:alg type="lin">
+          <dgm:param type="linDir" val="fromR"/>
+        </dgm:alg>
+      </dgm:else>
+    </dgm:choose>
+    <dgm:shape xmlns:r="http://schemas.openxmlformats.org/officeDocument/2006/relationships" r:blip="">
+      <dgm:adjLst/>
+    </dgm:shape>
+    <dgm:presOf/>
+    <dgm:constrLst>
+      <dgm:constr type="w" for="ch" ptType="node" refType="w"/>
+      <dgm:constr type="h" for="ch" ptType="node" op="equ"/>
+      <dgm:constr type="primFontSz" for="ch" ptType="node" op="equ" val="65"/>
+      <dgm:constr type="w" for="ch" ptType="sibTrans" refType="w" refFor="ch" refPtType="node" op="equ" fact="0.4"/>
+      <dgm:constr type="h" for="ch" ptType="sibTrans" op="equ"/>
+      <dgm:constr type="primFontSz" for="des" forName="connectorText" op="equ" val="55"/>
+      <dgm:constr type="primFontSz" for="des" forName="connectorText" refType="primFontSz" refFor="ch" refPtType="node" op="lte" fact="0.8"/>
+    </dgm:constrLst>
+    <dgm:ruleLst/>
+    <dgm:forEach name="nodesForEach" axis="ch" ptType="node">
+      <dgm:layoutNode name="node">
+        <dgm:varLst>
+          <dgm:bulletEnabled val="1"/>
+        </dgm:varLst>
+        <dgm:alg type="tx"/>
+        <dgm:shape xmlns:r="http://schemas.openxmlformats.org/officeDocument/2006/relationships" type="roundRect" r:blip="">
+          <dgm:adjLst>
+            <dgm:adj idx="1" val="0.1"/>
+          </dgm:adjLst>
+        </dgm:shape>
+        <dgm:presOf axis="desOrSelf" ptType="node"/>
+        <dgm:constrLst>
+          <dgm:constr type="h" refType="w" fact="0.6"/>
+          <dgm:constr type="tMarg" refType="primFontSz" fact="0.3"/>
+          <dgm:constr type="bMarg" refType="primFontSz" fact="0.3"/>
+          <dgm:constr type="lMarg" refType="primFontSz" fact="0.3"/>
+          <dgm:constr type="rMarg" refType="primFontSz" fact="0.3"/>
+        </dgm:constrLst>
+        <dgm:ruleLst>
+          <dgm:rule type="primFontSz" val="18" fact="NaN" max="NaN"/>
+          <dgm:rule type="h" val="NaN" fact="1.5" max="NaN"/>
+          <dgm:rule type="primFontSz" val="5" fact="NaN" max="NaN"/>
+          <dgm:rule type="h" val="INF" fact="NaN" max="NaN"/>
+        </dgm:ruleLst>
+      </dgm:layoutNode>
+      <dgm:forEach name="sibTransForEach" axis="followSib" ptType="sibTrans" cnt="1">
+        <dgm:layoutNode name="sibTrans">
+          <dgm:alg type="conn">
+            <dgm:param type="begPts" val="auto"/>
+            <dgm:param type="endPts" val="auto"/>
+          </dgm:alg>
+          <dgm:shape xmlns:r="http://schemas.openxmlformats.org/officeDocument/2006/relationships" type="conn" r:blip="">
+            <dgm:adjLst/>
+          </dgm:shape>
+          <dgm:presOf axis="self"/>
+          <dgm:constrLst>
+            <dgm:constr type="h" refType="w" fact="0.62"/>
+            <dgm:constr type="connDist"/>
+            <dgm:constr type="begPad" refType="connDist" fact="0.25"/>
+            <dgm:constr type="endPad" refType="connDist" fact="0.22"/>
+          </dgm:constrLst>
+          <dgm:ruleLst/>
+          <dgm:layoutNode name="connectorText">
+            <dgm:alg type="tx">
+              <dgm:param type="autoTxRot" val="grav"/>
+            </dgm:alg>
+            <dgm:shape xmlns:r="http://schemas.openxmlformats.org/officeDocument/2006/relationships" type="conn" r:blip="" hideGeom="1">
+              <dgm:adjLst/>
+            </dgm:shape>
+            <dgm:presOf axis="self"/>
+            <dgm:constrLst>
+              <dgm:constr type="lMarg"/>
+              <dgm:constr type="rMarg"/>
+              <dgm:constr type="tMarg"/>
+              <dgm:constr type="bMarg"/>
+            </dgm:constrLst>
+            <dgm:ruleLst>
+              <dgm:rule type="primFontSz" val="5" fact="NaN" max="NaN"/>
+            </dgm:ruleLst>
+          </dgm:layoutNode>
+        </dgm:layoutNode>
+      </dgm:forEach>
+    </dgm:forEach>
+  </dgm:layoutNode>
+</dgm:layoutDef>
+</file>
+
+<file path=ppt/diagrams/quickStyle1.xml><?xml version="1.0" encoding="utf-8"?>
+<dgm:styleDef xmlns:dgm="http://schemas.openxmlformats.org/drawingml/2006/diagram" xmlns:a="http://schemas.openxmlformats.org/drawingml/2006/main" uniqueId="urn:microsoft.com/office/officeart/2005/8/quickstyle/simple1">
+  <dgm:title val=""/>
+  <dgm:desc val=""/>
+  <dgm:catLst>
+    <dgm:cat type="simple" pri="10100"/>
+  </dgm:catLst>
+  <dgm:scene3d>
+    <a:camera prst="orthographicFront"/>
+    <a:lightRig rig="threePt" dir="t"/>
+  </dgm:scene3d>
+  <dgm:styleLbl name="node0">
+    <dgm:scene3d>
+      <a:camera prst="orthographicFront"/>
+      <a:lightRig rig="threePt" dir="t"/>
+    </dgm:scene3d>
+    <dgm:sp3d/>
+    <dgm:txPr/>
+    <dgm:style>
+      <a:lnRef idx="2">
+        <a:scrgbClr r="0" g="0" b="0"/>
+      </a:lnRef>
+      <a:fillRef idx="1">
+        <a:scrgbClr r="0" g="0" b="0"/>
+      </a:fillRef>
+      <a:effectRef idx="0">
+        <a:scrgbClr r="0" g="0" b="0"/>
+      </a:effectRef>
+      <a:fontRef idx="minor">
+        <a:schemeClr val="lt1"/>
+      </a:fontRef>
+    </dgm:style>
+  </dgm:styleLbl>
+  <dgm:styleLbl name="lnNode1">
+    <dgm:scene3d>
+      <a:camera prst="orthographicFront"/>
+      <a:lightRig rig="threePt" dir="t"/>
+    </dgm:scene3d>
+    <dgm:sp3d/>
+    <dgm:txPr/>
+    <dgm:style>
+      <a:lnRef idx="2">
+        <a:scrgbClr r="0" g="0" b="0"/>
+      </a:lnRef>
+      <a:fillRef idx="1">
+        <a:scrgbClr r="0" g="0" b="0"/>
+      </a:fillRef>
+      <a:effectRef idx="0">
+        <a:scrgbClr r="0" g="0" b="0"/>
+      </a:effectRef>
+      <a:fontRef idx="minor">
+        <a:schemeClr val="lt1"/>
+      </a:fontRef>
+    </dgm:style>
+  </dgm:styleLbl>
+  <dgm:styleLbl name="vennNode1">
+    <dgm:scene3d>
+      <a:camera prst="orthographicFront"/>
+      <a:lightRig rig="threePt" dir="t"/>
+    </dgm:scene3d>
+    <dgm:sp3d/>
+    <dgm:txPr/>
+    <dgm:style>
+      <a:lnRef idx="2">
+        <a:scrgbClr r="0" g="0" b="0"/>
+      </a:lnRef>
+      <a:fillRef idx="1">
+        <a:scrgbClr r="0" g="0" b="0"/>
+      </a:fillRef>
+      <a:effectRef idx="0">
+        <a:scrgbClr r="0" g="0" b="0"/>
+      </a:effectRef>
+      <a:fontRef idx="minor">
+        <a:schemeClr val="tx1"/>
+      </a:fontRef>
+    </dgm:style>
+  </dgm:styleLbl>
+  <dgm:styleLbl name="alignNode1">
+    <dgm:scene3d>
+      <a:camera prst="orthographicFront"/>
+      <a:lightRig rig="threePt" dir="t"/>
+    </dgm:scene3d>
+    <dgm:sp3d/>
+    <dgm:txPr/>
+    <dgm:style>
+      <a:lnRef idx="2">
+        <a:scrgbClr r="0" g="0" b="0"/>
+      </a:lnRef>
+      <a:fillRef idx="1">
+        <a:scrgbClr r="0" g="0" b="0"/>
+      </a:fillRef>
+      <a:effectRef idx="0">
+        <a:scrgbClr r="0" g="0" b="0"/>
+      </a:effectRef>
+      <a:fontRef idx="minor">
+        <a:schemeClr val="lt1"/>
+      </a:fontRef>
+    </dgm:style>
+  </dgm:styleLbl>
+  <dgm:styleLbl name="node1">
+    <dgm:scene3d>
+      <a:camera prst="orthographicFront"/>
+      <a:lightRig rig="threePt" dir="t"/>
+    </dgm:scene3d>
+    <dgm:sp3d/>
+    <dgm:txPr/>
+    <dgm:style>
+      <a:lnRef idx="2">
+        <a:scrgbClr r="0" g="0" b="0"/>
+      </a:lnRef>
+      <a:fillRef idx="1">
+        <a:scrgbClr r="0" g="0" b="0"/>
+      </a:fillRef>
+      <a:effectRef idx="0">
+        <a:scrgbClr r="0" g="0" b="0"/>
+      </a:effectRef>
+      <a:fontRef idx="minor">
+        <a:schemeClr val="lt1"/>
+      </a:fontRef>
+    </dgm:style>
+  </dgm:styleLbl>
+  <dgm:styleLbl name="node2">
+    <dgm:scene3d>
+      <a:camera prst="orthographicFront"/>
+      <a:lightRig rig="threePt" dir="t"/>
+    </dgm:scene3d>
+    <dgm:sp3d/>
+    <dgm:txPr/>
+    <dgm:style>
+      <a:lnRef idx="2">
+        <a:scrgbClr r="0" g="0" b="0"/>
+      </a:lnRef>
+      <a:fillRef idx="1">
+        <a:scrgbClr r="0" g="0" b="0"/>
+      </a:fillRef>
+      <a:effectRef idx="0">
+        <a:scrgbClr r="0" g="0" b="0"/>
+      </a:effectRef>
+      <a:fontRef idx="minor">
+        <a:schemeClr val="lt1"/>
+      </a:fontRef>
+    </dgm:style>
+  </dgm:styleLbl>
+  <dgm:styleLbl name="node3">
+    <dgm:scene3d>
+      <a:camera prst="orthographicFront"/>
+      <a:lightRig rig="threePt" dir="t"/>
+    </dgm:scene3d>
+    <dgm:sp3d/>
+    <dgm:txPr/>
+    <dgm:style>
+      <a:lnRef idx="2">
+        <a:scrgbClr r="0" g="0" b="0"/>
+      </a:lnRef>
+      <a:fillRef idx="1">
+        <a:scrgbClr r="0" g="0" b="0"/>
+      </a:fillRef>
+      <a:effectRef idx="0">
+        <a:scrgbClr r="0" g="0" b="0"/>
+      </a:effectRef>
+      <a:fontRef idx="minor">
+        <a:schemeClr val="lt1"/>
+      </a:fontRef>
+    </dgm:style>
+  </dgm:styleLbl>
+  <dgm:styleLbl name="node4">
+    <dgm:scene3d>
+      <a:camera prst="orthographicFront"/>
+      <a:lightRig rig="threePt" dir="t"/>
+    </dgm:scene3d>
+    <dgm:sp3d/>
+    <dgm:txPr/>
+    <dgm:style>
+      <a:lnRef idx="2">
+        <a:scrgbClr r="0" g="0" b="0"/>
+      </a:lnRef>
+      <a:fillRef idx="1">
+        <a:scrgbClr r="0" g="0" b="0"/>
+      </a:fillRef>
+      <a:effectRef idx="0">
+        <a:scrgbClr r="0" g="0" b="0"/>
+      </a:effectRef>
+      <a:fontRef idx="minor">
+        <a:schemeClr val="lt1"/>
+      </a:fontRef>
+    </dgm:style>
+  </dgm:styleLbl>
+  <dgm:styleLbl name="fgImgPlace1">
+    <dgm:scene3d>
+      <a:camera prst="orthographicFront"/>
+      <a:lightRig rig="threePt" dir="t"/>
+    </dgm:scene3d>
+    <dgm:sp3d/>
+    <dgm:txPr/>
+    <dgm:style>
+      <a:lnRef idx="2">
+        <a:scrgbClr r="0" g="0" b="0"/>
+      </a:lnRef>
+      <a:fillRef idx="1">
+        <a:scrgbClr r="0" g="0" b="0"/>
+      </a:fillRef>
+      <a:effectRef idx="0">
+        <a:scrgbClr r="0" g="0" b="0"/>
+      </a:effectRef>
+      <a:fontRef idx="minor"/>
+    </dgm:style>
+  </dgm:styleLbl>
+  <dgm:styleLbl name="alignImgPlace1">
+    <dgm:scene3d>
+      <a:camera prst="orthographicFront"/>
+      <a:lightRig rig="threePt" dir="t"/>
+    </dgm:scene3d>
+    <dgm:sp3d/>
+    <dgm:txPr/>
+    <dgm:style>
+      <a:lnRef idx="2">
+        <a:scrgbClr r="0" g="0" b="0"/>
+      </a:lnRef>
+      <a:fillRef idx="1">
+        <a:scrgbClr r="0" g="0" b="0"/>
+      </a:fillRef>
+      <a:effectRef idx="0">
+        <a:scrgbClr r="0" g="0" b="0"/>
+      </a:effectRef>
+      <a:fontRef idx="minor"/>
+    </dgm:style>
+  </dgm:styleLbl>
+  <dgm:styleLbl name="bgImgPlace1">
+    <dgm:scene3d>
+      <a:camera prst="orthographicFront"/>
+      <a:lightRig rig="threePt" dir="t"/>
+    </dgm:scene3d>
+    <dgm:sp3d/>
+    <dgm:txPr/>
+    <dgm:style>
+      <a:lnRef idx="2">
+        <a:scrgbClr r="0" g="0" b="0"/>
+      </a:lnRef>
+      <a:fillRef idx="1">
+        <a:scrgbClr r="0" g="0" b="0"/>
+      </a:fillRef>
+      <a:effectRef idx="0">
+        <a:scrgbClr r="0" g="0" b="0"/>
+      </a:effectRef>
+      <a:fontRef idx="minor"/>
+    </dgm:style>
+  </dgm:styleLbl>
+  <dgm:styleLbl name="sibTrans2D1">
+    <dgm:scene3d>
+      <a:camera prst="orthographicFront"/>
+      <a:lightRig rig="threePt" dir="t"/>
+    </dgm:scene3d>
+    <dgm:sp3d/>
+    <dgm:txPr/>
+    <dgm:style>
+      <a:lnRef idx="0">
+        <a:scrgbClr r="0" g="0" b="0"/>
+      </a:lnRef>
+      <a:fillRef idx="1">
+        <a:scrgbClr r="0" g="0" b="0"/>
+      </a:fillRef>
+      <a:effectRef idx="0">
+        <a:scrgbClr r="0" g="0" b="0"/>
+      </a:effectRef>
+      <a:fontRef idx="minor">
+        <a:schemeClr val="lt1"/>
+      </a:fontRef>
+    </dgm:style>
+  </dgm:styleLbl>
+  <dgm:styleLbl name="fgSibTrans2D1">
+    <dgm:scene3d>
+      <a:camera prst="orthographicFront"/>
+      <a:lightRig rig="threePt" dir="t"/>
+    </dgm:scene3d>
+    <dgm:sp3d/>
+    <dgm:txPr/>
+    <dgm:style>
+      <a:lnRef idx="0">
+        <a:scrgbClr r="0" g="0" b="0"/>
+      </a:lnRef>
+      <a:fillRef idx="1">
+        <a:scrgbClr r="0" g="0" b="0"/>
+      </a:fillRef>
+      <a:effectRef idx="0">
+        <a:scrgbClr r="0" g="0" b="0"/>
+      </a:effectRef>
+      <a:fontRef idx="minor">
+        <a:schemeClr val="lt1"/>
+      </a:fontRef>
+    </dgm:style>
+  </dgm:styleLbl>
+  <dgm:styleLbl name="bgSibTrans2D1">
+    <dgm:scene3d>
+      <a:camera prst="orthographicFront"/>
+      <a:lightRig rig="threePt" dir="t"/>
+    </dgm:scene3d>
+    <dgm:sp3d/>
+    <dgm:txPr/>
+    <dgm:style>
+      <a:lnRef idx="0">
+        <a:scrgbClr r="0" g="0" b="0"/>
+      </a:lnRef>
+      <a:fillRef idx="1">
+        <a:scrgbClr r="0" g="0" b="0"/>
+      </a:fillRef>
+      <a:effectRef idx="0">
+        <a:scrgbClr r="0" g="0" b="0"/>
+      </a:effectRef>
+      <a:fontRef idx="minor">
+        <a:schemeClr val="lt1"/>
+      </a:fontRef>
+    </dgm:style>
+  </dgm:styleLbl>
+  <dgm:styleLbl name="sibTrans1D1">
+    <dgm:scene3d>
+      <a:camera prst="orthographicFront"/>
+      <a:lightRig rig="threePt" dir="t"/>
+    </dgm:scene3d>
+    <dgm:sp3d/>
+    <dgm:txPr/>
+    <dgm:style>
+      <a:lnRef idx="1">
+        <a:scrgbClr r="0" g="0" b="0"/>
+      </a:lnRef>
+      <a:fillRef idx="0">
+        <a:scrgbClr r="0" g="0" b="0"/>
+      </a:fillRef>
+      <a:effectRef idx="0">
+        <a:scrgbClr r="0" g="0" b="0"/>
+      </a:effectRef>
+      <a:fontRef idx="minor"/>
+    </dgm:style>
+  </dgm:styleLbl>
+  <dgm:styleLbl name="callout">
+    <dgm:scene3d>
+      <a:camera prst="orthographicFront"/>
+      <a:lightRig rig="threePt" dir="t"/>
+    </dgm:scene3d>
+    <dgm:sp3d/>
+    <dgm:txPr/>
+    <dgm:style>
+      <a:lnRef idx="2">
+        <a:scrgbClr r="0" g="0" b="0"/>
+      </a:lnRef>
+      <a:fillRef idx="1">
+        <a:scrgbClr r="0" g="0" b="0"/>
+      </a:fillRef>
+      <a:effectRef idx="0">
+        <a:scrgbClr r="0" g="0" b="0"/>
+      </a:effectRef>
+      <a:fontRef idx="minor"/>
+    </dgm:style>
+  </dgm:styleLbl>
+  <dgm:styleLbl name="asst0">
+    <dgm:scene3d>
+      <a:camera prst="orthographicFront"/>
+      <a:lightRig rig="threePt" dir="t"/>
+    </dgm:scene3d>
+    <dgm:sp3d/>
+    <dgm:txPr/>
+    <dgm:style>
+      <a:lnRef idx="2">
+        <a:scrgbClr r="0" g="0" b="0"/>
+      </a:lnRef>
+      <a:fillRef idx="1">
+        <a:scrgbClr r="0" g="0" b="0"/>
+      </a:fillRef>
+      <a:effectRef idx="0">
+        <a:scrgbClr r="0" g="0" b="0"/>
+      </a:effectRef>
+      <a:fontRef idx="minor">
+        <a:schemeClr val="lt1"/>
+      </a:fontRef>
+    </dgm:style>
+  </dgm:styleLbl>
+  <dgm:styleLbl name="asst1">
+    <dgm:scene3d>
+      <a:camera prst="orthographicFront"/>
+      <a:lightRig rig="threePt" dir="t"/>
+    </dgm:scene3d>
+    <dgm:sp3d/>
+    <dgm:txPr/>
+    <dgm:style>
+      <a:lnRef idx="2">
+        <a:scrgbClr r="0" g="0" b="0"/>
+      </a:lnRef>
+      <a:fillRef idx="1">
+        <a:scrgbClr r="0" g="0" b="0"/>
+      </a:fillRef>
+      <a:effectRef idx="0">
+        <a:scrgbClr r="0" g="0" b="0"/>
+      </a:effectRef>
+      <a:fontRef idx="minor">
+        <a:schemeClr val="lt1"/>
+      </a:fontRef>
+    </dgm:style>
+  </dgm:styleLbl>
+  <dgm:styleLbl name="asst2">
+    <dgm:scene3d>
+      <a:camera prst="orthographicFront"/>
+      <a:lightRig rig="threePt" dir="t"/>
+    </dgm:scene3d>
+    <dgm:sp3d/>
+    <dgm:txPr/>
+    <dgm:style>
+      <a:lnRef idx="2">
+        <a:scrgbClr r="0" g="0" b="0"/>
+      </a:lnRef>
+      <a:fillRef idx="1">
+        <a:scrgbClr r="0" g="0" b="0"/>
+      </a:fillRef>
+      <a:effectRef idx="0">
+        <a:scrgbClr r="0" g="0" b="0"/>
+      </a:effectRef>
+      <a:fontRef idx="minor">
+        <a:schemeClr val="lt1"/>
+      </a:fontRef>
+    </dgm:style>
+  </dgm:styleLbl>
+  <dgm:styleLbl name="asst3">
+    <dgm:scene3d>
+      <a:camera prst="orthographicFront"/>
+      <a:lightRig rig="threePt" dir="t"/>
+    </dgm:scene3d>
+    <dgm:sp3d/>
+    <dgm:txPr/>
+    <dgm:style>
+      <a:lnRef idx="2">
+        <a:scrgbClr r="0" g="0" b="0"/>
+      </a:lnRef>
+      <a:fillRef idx="1">
+        <a:scrgbClr r="0" g="0" b="0"/>
+      </a:fillRef>
+      <a:effectRef idx="0">
+        <a:scrgbClr r="0" g="0" b="0"/>
+      </a:effectRef>
+      <a:fontRef idx="minor">
+        <a:schemeClr val="lt1"/>
+      </a:fontRef>
+    </dgm:style>
+  </dgm:styleLbl>
+  <dgm:styleLbl name="asst4">
+    <dgm:scene3d>
+      <a:camera prst="orthographicFront"/>
+      <a:lightRig rig="threePt" dir="t"/>
+    </dgm:scene3d>
+    <dgm:sp3d/>
+    <dgm:txPr/>
+    <dgm:style>
+      <a:lnRef idx="2">
+        <a:scrgbClr r="0" g="0" b="0"/>
+      </a:lnRef>
+      <a:fillRef idx="1">
+        <a:scrgbClr r="0" g="0" b="0"/>
+      </a:fillRef>
+      <a:effectRef idx="0">
+        <a:scrgbClr r="0" g="0" b="0"/>
+      </a:effectRef>
+      <a:fontRef idx="minor">
+        <a:schemeClr val="lt1"/>
+      </a:fontRef>
+    </dgm:style>
+  </dgm:styleLbl>
+  <dgm:styleLbl name="parChTrans2D1">
+    <dgm:scene3d>
+      <a:camera prst="orthographicFront"/>
+      <a:lightRig rig="threePt" dir="t"/>
+    </dgm:scene3d>
+    <dgm:sp3d/>
+    <dgm:txPr/>
+    <dgm:style>
+      <a:lnRef idx="2">
+        <a:scrgbClr r="0" g="0" b="0"/>
+      </a:lnRef>
+      <a:fillRef idx="1">
+        <a:scrgbClr r="0" g="0" b="0"/>
+      </a:fillRef>
+      <a:effectRef idx="0">
+        <a:scrgbClr r="0" g="0" b="0"/>
+      </a:effectRef>
+      <a:fontRef idx="minor">
+        <a:schemeClr val="lt1"/>
+      </a:fontRef>
+    </dgm:style>
+  </dgm:styleLbl>
+  <dgm:styleLbl name="parChTrans2D2">
+    <dgm:scene3d>
+      <a:camera prst="orthographicFront"/>
+      <a:lightRig rig="threePt" dir="t"/>
+    </dgm:scene3d>
+    <dgm:sp3d/>
+    <dgm:txPr/>
+    <dgm:style>
+      <a:lnRef idx="2">
+        <a:scrgbClr r="0" g="0" b="0"/>
+      </a:lnRef>
+      <a:fillRef idx="1">
+        <a:scrgbClr r="0" g="0" b="0"/>
+      </a:fillRef>
+      <a:effectRef idx="0">
+        <a:scrgbClr r="0" g="0" b="0"/>
+      </a:effectRef>
+      <a:fontRef idx="minor">
+        <a:schemeClr val="lt1"/>
+      </a:fontRef>
+    </dgm:style>
+  </dgm:styleLbl>
+  <dgm:styleLbl name="parChTrans2D3">
+    <dgm:scene3d>
+      <a:camera prst="orthographicFront"/>
+      <a:lightRig rig="threePt" dir="t"/>
+    </dgm:scene3d>
+    <dgm:sp3d/>
+    <dgm:txPr/>
+    <dgm:style>
+      <a:lnRef idx="2">
+        <a:scrgbClr r="0" g="0" b="0"/>
+      </a:lnRef>
+      <a:fillRef idx="1">
+        <a:scrgbClr r="0" g="0" b="0"/>
+      </a:fillRef>
+      <a:effectRef idx="0">
+        <a:scrgbClr r="0" g="0" b="0"/>
+      </a:effectRef>
+      <a:fontRef idx="minor">
+        <a:schemeClr val="lt1"/>
+      </a:fontRef>
+    </dgm:style>
+  </dgm:styleLbl>
+  <dgm:styleLbl name="parChTrans2D4">
+    <dgm:scene3d>
+      <a:camera prst="orthographicFront"/>
+      <a:lightRig rig="threePt" dir="t"/>
+    </dgm:scene3d>
+    <dgm:sp3d/>
+    <dgm:txPr/>
+    <dgm:style>
+      <a:lnRef idx="2">
+        <a:scrgbClr r="0" g="0" b="0"/>
+      </a:lnRef>
+      <a:fillRef idx="1">
+        <a:scrgbClr r="0" g="0" b="0"/>
+      </a:fillRef>
+      <a:effectRef idx="0">
+        <a:scrgbClr r="0" g="0" b="0"/>
+      </a:effectRef>
+      <a:fontRef idx="minor">
+        <a:schemeClr val="lt1"/>
+      </a:fontRef>
+    </dgm:style>
+  </dgm:styleLbl>
+  <dgm:styleLbl name="parChTrans1D1">
+    <dgm:scene3d>
+      <a:camera prst="orthographicFront"/>
+      <a:lightRig rig="threePt" dir="t"/>
+    </dgm:scene3d>
+    <dgm:sp3d/>
+    <dgm:txPr/>
+    <dgm:style>
+      <a:lnRef idx="2">
+        <a:scrgbClr r="0" g="0" b="0"/>
+      </a:lnRef>
+      <a:fillRef idx="0">
+        <a:scrgbClr r="0" g="0" b="0"/>
+      </a:fillRef>
+      <a:effectRef idx="0">
+        <a:scrgbClr r="0" g="0" b="0"/>
+      </a:effectRef>
+      <a:fontRef idx="minor"/>
+    </dgm:style>
+  </dgm:styleLbl>
+  <dgm:styleLbl name="parChTrans1D2">
+    <dgm:scene3d>
+      <a:camera prst="orthographicFront"/>
+      <a:lightRig rig="threePt" dir="t"/>
+    </dgm:scene3d>
+    <dgm:sp3d/>
+    <dgm:txPr/>
+    <dgm:style>
+      <a:lnRef idx="2">
+        <a:scrgbClr r="0" g="0" b="0"/>
+      </a:lnRef>
+      <a:fillRef idx="0">
+        <a:scrgbClr r="0" g="0" b="0"/>
+      </a:fillRef>
+      <a:effectRef idx="0">
+        <a:scrgbClr r="0" g="0" b="0"/>
+      </a:effectRef>
+      <a:fontRef idx="minor"/>
+    </dgm:style>
+  </dgm:styleLbl>
+  <dgm:styleLbl name="parChTrans1D3">
+    <dgm:scene3d>
+      <a:camera prst="orthographicFront"/>
+      <a:lightRig rig="threePt" dir="t"/>
+    </dgm:scene3d>
+    <dgm:sp3d/>
+    <dgm:txPr/>
+    <dgm:style>
+      <a:lnRef idx="2">
+        <a:scrgbClr r="0" g="0" b="0"/>
+      </a:lnRef>
+      <a:fillRef idx="0">
+        <a:scrgbClr r="0" g="0" b="0"/>
+      </a:fillRef>
+      <a:effectRef idx="0">
+        <a:scrgbClr r="0" g="0" b="0"/>
+      </a:effectRef>
+      <a:fontRef idx="minor"/>
+    </dgm:style>
+  </dgm:styleLbl>
+  <dgm:styleLbl name="parChTrans1D4">
+    <dgm:scene3d>
+      <a:camera prst="orthographicFront"/>
+      <a:lightRig rig="threePt" dir="t"/>
+    </dgm:scene3d>
+    <dgm:sp3d/>
+    <dgm:txPr/>
+    <dgm:style>
+      <a:lnRef idx="2">
+        <a:scrgbClr r="0" g="0" b="0"/>
+      </a:lnRef>
+      <a:fillRef idx="0">
+        <a:scrgbClr r="0" g="0" b="0"/>
+      </a:fillRef>
+      <a:effectRef idx="0">
+        <a:scrgbClr r="0" g="0" b="0"/>
+      </a:effectRef>
+      <a:fontRef idx="minor"/>
+    </dgm:style>
+  </dgm:styleLbl>
+  <dgm:styleLbl name="fgAcc1">
+    <dgm:scene3d>
+      <a:camera prst="orthographicFront"/>
+      <a:lightRig rig="threePt" dir="t"/>
+    </dgm:scene3d>
+    <dgm:sp3d/>
+    <dgm:txPr/>
+    <dgm:style>
+      <a:lnRef idx="2">
+        <a:scrgbClr r="0" g="0" b="0"/>
+      </a:lnRef>
+      <a:fillRef idx="1">
+        <a:scrgbClr r="0" g="0" b="0"/>
+      </a:fillRef>
+      <a:effectRef idx="0">
+        <a:scrgbClr r="0" g="0" b="0"/>
+      </a:effectRef>
+      <a:fontRef idx="minor"/>
+    </dgm:style>
+  </dgm:styleLbl>
+  <dgm:styleLbl name="conFgAcc1">
+    <dgm:scene3d>
+      <a:camera prst="orthographicFront"/>
+      <a:lightRig rig="threePt" dir="t"/>
+    </dgm:scene3d>
+    <dgm:sp3d/>
+    <dgm:txPr/>
+    <dgm:style>
+      <a:lnRef idx="2">
+        <a:scrgbClr r="0" g="0" b="0"/>
+      </a:lnRef>
+      <a:fillRef idx="1">
+        <a:scrgbClr r="0" g="0" b="0"/>
+      </a:fillRef>
+      <a:effectRef idx="0">
+        <a:scrgbClr r="0" g="0" b="0"/>
+      </a:effectRef>
+      <a:fontRef idx="minor"/>
+    </dgm:style>
+  </dgm:styleLbl>
+  <dgm:styleLbl name="alignAcc1">
+    <dgm:scene3d>
+      <a:camera prst="orthographicFront"/>
+      <a:lightRig rig="threePt" dir="t"/>
+    </dgm:scene3d>
+    <dgm:sp3d/>
+    <dgm:txPr/>
+    <dgm:style>
+      <a:lnRef idx="2">
+        <a:scrgbClr r="0" g="0" b="0"/>
+      </a:lnRef>
+      <a:fillRef idx="1">
+        <a:scrgbClr r="0" g="0" b="0"/>
+      </a:fillRef>
+      <a:effectRef idx="0">
+        <a:scrgbClr r="0" g="0" b="0"/>
+      </a:effectRef>
+      <a:fontRef idx="minor"/>
+    </dgm:style>
+  </dgm:styleLbl>
+  <dgm:styleLbl name="trAlignAcc1">
+    <dgm:scene3d>
+      <a:camera prst="orthographicFront"/>
+      <a:lightRig rig="threePt" dir="t"/>
+    </dgm:scene3d>
+    <dgm:sp3d/>
+    <dgm:txPr/>
+    <dgm:style>
+      <a:lnRef idx="1">
+        <a:scrgbClr r="0" g="0" b="0"/>
+      </a:lnRef>
+      <a:fillRef idx="1">
+        <a:scrgbClr r="0" g="0" b="0"/>
+      </a:fillRef>
+      <a:effectRef idx="0">
+        <a:scrgbClr r="0" g="0" b="0"/>
+      </a:effectRef>
+      <a:fontRef idx="minor"/>
+    </dgm:style>
+  </dgm:styleLbl>
+  <dgm:styleLbl name="bgAcc1">
+    <dgm:scene3d>
+      <a:camera prst="orthographicFront"/>
+      <a:lightRig rig="threePt" dir="t"/>
+    </dgm:scene3d>
+    <dgm:sp3d/>
+    <dgm:txPr/>
+    <dgm:style>
+      <a:lnRef idx="2">
+        <a:scrgbClr r="0" g="0" b="0"/>
+      </a:lnRef>
+      <a:fillRef idx="1">
+        <a:scrgbClr r="0" g="0" b="0"/>
+      </a:fillRef>
+      <a:effectRef idx="0">
+        <a:scrgbClr r="0" g="0" b="0"/>
+      </a:effectRef>
+      <a:fontRef idx="minor"/>
+    </dgm:style>
+  </dgm:styleLbl>
+  <dgm:styleLbl name="solidFgAcc1">
+    <dgm:scene3d>
+      <a:camera prst="orthographicFront"/>
+      <a:lightRig rig="threePt" dir="t"/>
+    </dgm:scene3d>
+    <dgm:sp3d/>
+    <dgm:txPr/>
+    <dgm:style>
+      <a:lnRef idx="2">
+        <a:scrgbClr r="0" g="0" b="0"/>
+      </a:lnRef>
+      <a:fillRef idx="1">
+        <a:scrgbClr r="0" g="0" b="0"/>
+      </a:fillRef>
+      <a:effectRef idx="0">
+        <a:scrgbClr r="0" g="0" b="0"/>
+      </a:effectRef>
+      <a:fontRef idx="minor"/>
+    </dgm:style>
+  </dgm:styleLbl>
+  <dgm:styleLbl name="solidAlignAcc1">
+    <dgm:scene3d>
+      <a:camera prst="orthographicFront"/>
+      <a:lightRig rig="threePt" dir="t"/>
+    </dgm:scene3d>
+    <dgm:sp3d/>
+    <dgm:txPr/>
+    <dgm:style>
+      <a:lnRef idx="2">
+        <a:scrgbClr r="0" g="0" b="0"/>
+      </a:lnRef>
+      <a:fillRef idx="1">
+        <a:scrgbClr r="0" g="0" b="0"/>
+      </a:fillRef>
+      <a:effectRef idx="0">
+        <a:scrgbClr r="0" g="0" b="0"/>
+      </a:effectRef>
+      <a:fontRef idx="minor"/>
+    </dgm:style>
+  </dgm:styleLbl>
+  <dgm:styleLbl name="solidBgAcc1">
+    <dgm:scene3d>
+      <a:camera prst="orthographicFront"/>
+      <a:lightRig rig="threePt" dir="t"/>
+    </dgm:scene3d>
+    <dgm:sp3d/>
+    <dgm:txPr/>
+    <dgm:style>
+      <a:lnRef idx="2">
+        <a:scrgbClr r="0" g="0" b="0"/>
+      </a:lnRef>
+      <a:fillRef idx="1">
+        <a:scrgbClr r="0" g="0" b="0"/>
+      </a:fillRef>
+      <a:effectRef idx="0">
+        <a:scrgbClr r="0" g="0" b="0"/>
+      </a:effectRef>
+      <a:fontRef idx="minor"/>
+    </dgm:style>
+  </dgm:styleLbl>
+  <dgm:styleLbl name="fgAccFollowNode1">
+    <dgm:scene3d>
+      <a:camera prst="orthographicFront"/>
+      <a:lightRig rig="threePt" dir="t"/>
+    </dgm:scene3d>
+    <dgm:sp3d/>
+    <dgm:txPr/>
+    <dgm:style>
+      <a:lnRef idx="2">
+        <a:scrgbClr r="0" g="0" b="0"/>
+      </a:lnRef>
+      <a:fillRef idx="1">
+        <a:scrgbClr r="0" g="0" b="0"/>
+      </a:fillRef>
+      <a:effectRef idx="0">
+        <a:scrgbClr r="0" g="0" b="0"/>
+      </a:effectRef>
+      <a:fontRef idx="minor"/>
+    </dgm:style>
+  </dgm:styleLbl>
+  <dgm:styleLbl name="alignAccFollowNode1">
+    <dgm:scene3d>
+      <a:camera prst="orthographicFront"/>
+      <a:lightRig rig="threePt" dir="t"/>
+    </dgm:scene3d>
+    <dgm:sp3d/>
+    <dgm:txPr/>
+    <dgm:style>
+      <a:lnRef idx="2">
+        <a:scrgbClr r="0" g="0" b="0"/>
+      </a:lnRef>
+      <a:fillRef idx="1">
+        <a:scrgbClr r="0" g="0" b="0"/>
+      </a:fillRef>
+      <a:effectRef idx="0">
+        <a:scrgbClr r="0" g="0" b="0"/>
+      </a:effectRef>
+      <a:fontRef idx="minor"/>
+    </dgm:style>
+  </dgm:styleLbl>
+  <dgm:styleLbl name="bgAccFollowNode1">
+    <dgm:scene3d>
+      <a:camera prst="orthographicFront"/>
+      <a:lightRig rig="threePt" dir="t"/>
+    </dgm:scene3d>
+    <dgm:sp3d/>
+    <dgm:txPr/>
+    <dgm:style>
+      <a:lnRef idx="2">
+        <a:scrgbClr r="0" g="0" b="0"/>
+      </a:lnRef>
+      <a:fillRef idx="1">
+        <a:scrgbClr r="0" g="0" b="0"/>
+      </a:fillRef>
+      <a:effectRef idx="0">
+        <a:scrgbClr r="0" g="0" b="0"/>
+      </a:effectRef>
+      <a:fontRef idx="minor"/>
+    </dgm:style>
+  </dgm:styleLbl>
+  <dgm:styleLbl name="fgAcc0">
+    <dgm:scene3d>
+      <a:camera prst="orthographicFront"/>
+      <a:lightRig rig="threePt" dir="t"/>
+    </dgm:scene3d>
+    <dgm:sp3d/>
+    <dgm:txPr/>
+    <dgm:style>
+      <a:lnRef idx="2">
+        <a:scrgbClr r="0" g="0" b="0"/>
+      </a:lnRef>
+      <a:fillRef idx="1">
+        <a:scrgbClr r="0" g="0" b="0"/>
+      </a:fillRef>
+      <a:effectRef idx="0">
+        <a:scrgbClr r="0" g="0" b="0"/>
+      </a:effectRef>
+      <a:fontRef idx="minor"/>
+    </dgm:style>
+  </dgm:styleLbl>
+  <dgm:styleLbl name="fgAcc2">
+    <dgm:scene3d>
+      <a:camera prst="orthographicFront"/>
+      <a:lightRig rig="threePt" dir="t"/>
+    </dgm:scene3d>
+    <dgm:sp3d/>
+    <dgm:txPr/>
+    <dgm:style>
+      <a:lnRef idx="2">
+        <a:scrgbClr r="0" g="0" b="0"/>
+      </a:lnRef>
+      <a:fillRef idx="1">
+        <a:scrgbClr r="0" g="0" b="0"/>
+      </a:fillRef>
+      <a:effectRef idx="0">
+        <a:scrgbClr r="0" g="0" b="0"/>
+      </a:effectRef>
+      <a:fontRef idx="minor"/>
+    </dgm:style>
+  </dgm:styleLbl>
+  <dgm:styleLbl name="fgAcc3">
+    <dgm:scene3d>
+      <a:camera prst="orthographicFront"/>
+      <a:lightRig rig="threePt" dir="t"/>
+    </dgm:scene3d>
+    <dgm:sp3d/>
+    <dgm:txPr/>
+    <dgm:style>
+      <a:lnRef idx="2">
+        <a:scrgbClr r="0" g="0" b="0"/>
+      </a:lnRef>
+      <a:fillRef idx="1">
+        <a:scrgbClr r="0" g="0" b="0"/>
+      </a:fillRef>
+      <a:effectRef idx="0">
+        <a:scrgbClr r="0" g="0" b="0"/>
+      </a:effectRef>
+      <a:fontRef idx="minor"/>
+    </dgm:style>
+  </dgm:styleLbl>
+  <dgm:styleLbl name="fgAcc4">
+    <dgm:scene3d>
+      <a:camera prst="orthographicFront"/>
+      <a:lightRig rig="threePt" dir="t"/>
+    </dgm:scene3d>
+    <dgm:sp3d/>
+    <dgm:txPr/>
+    <dgm:style>
+      <a:lnRef idx="2">
+        <a:scrgbClr r="0" g="0" b="0"/>
+      </a:lnRef>
+      <a:fillRef idx="1">
+        <a:scrgbClr r="0" g="0" b="0"/>
+      </a:fillRef>
+      <a:effectRef idx="0">
+        <a:scrgbClr r="0" g="0" b="0"/>
+      </a:effectRef>
+      <a:fontRef idx="minor"/>
+    </dgm:style>
+  </dgm:styleLbl>
+  <dgm:styleLbl name="bgShp">
+    <dgm:scene3d>
+      <a:camera prst="orthographicFront"/>
+      <a:lightRig rig="threePt" dir="t"/>
+    </dgm:scene3d>
+    <dgm:sp3d/>
+    <dgm:txPr/>
+    <dgm:style>
+      <a:lnRef idx="0">
+        <a:scrgbClr r="0" g="0" b="0"/>
+      </a:lnRef>
+      <a:fillRef idx="1">
+        <a:scrgbClr r="0" g="0" b="0"/>
+      </a:fillRef>
+      <a:effectRef idx="0">
+        <a:scrgbClr r="0" g="0" b="0"/>
+      </a:effectRef>
+      <a:fontRef idx="minor"/>
+    </dgm:style>
+  </dgm:styleLbl>
+  <dgm:styleLbl name="dkBgShp">
+    <dgm:scene3d>
+      <a:camera prst="orthographicFront"/>
+      <a:lightRig rig="threePt" dir="t"/>
+    </dgm:scene3d>
+    <dgm:sp3d/>
+    <dgm:txPr/>
+    <dgm:style>
+      <a:lnRef idx="0">
+        <a:scrgbClr r="0" g="0" b="0"/>
+      </a:lnRef>
+      <a:fillRef idx="1">
+        <a:scrgbClr r="0" g="0" b="0"/>
+      </a:fillRef>
+      <a:effectRef idx="0">
+        <a:scrgbClr r="0" g="0" b="0"/>
+      </a:effectRef>
+      <a:fontRef idx="minor"/>
+    </dgm:style>
+  </dgm:styleLbl>
+  <dgm:styleLbl name="trBgShp">
+    <dgm:scene3d>
+      <a:camera prst="orthographicFront"/>
+      <a:lightRig rig="threePt" dir="t"/>
+    </dgm:scene3d>
+    <dgm:sp3d/>
+    <dgm:txPr/>
+    <dgm:style>
+      <a:lnRef idx="0">
+        <a:scrgbClr r="0" g="0" b="0"/>
+      </a:lnRef>
+      <a:fillRef idx="1">
+        <a:scrgbClr r="0" g="0" b="0"/>
+      </a:fillRef>
+      <a:effectRef idx="0">
+        <a:scrgbClr r="0" g="0" b="0"/>
+      </a:effectRef>
+      <a:fontRef idx="minor"/>
+    </dgm:style>
+  </dgm:styleLbl>
+  <dgm:styleLbl name="fgShp">
+    <dgm:scene3d>
+      <a:camera prst="orthographicFront"/>
+      <a:lightRig rig="threePt" dir="t"/>
+    </dgm:scene3d>
+    <dgm:sp3d/>
+    <dgm:txPr/>
+    <dgm:style>
+      <a:lnRef idx="2">
+        <a:scrgbClr r="0" g="0" b="0"/>
+      </a:lnRef>
+      <a:fillRef idx="1">
+        <a:scrgbClr r="0" g="0" b="0"/>
+      </a:fillRef>
+      <a:effectRef idx="0">
+        <a:scrgbClr r="0" g="0" b="0"/>
+      </a:effectRef>
+      <a:fontRef idx="minor"/>
+    </dgm:style>
+  </dgm:styleLbl>
+  <dgm:styleLbl name="revTx">
+    <dgm:scene3d>
+      <a:camera prst="orthographicFront"/>
+      <a:lightRig rig="threePt" dir="t"/>
+    </dgm:scene3d>
+    <dgm:sp3d/>
+    <dgm:txPr/>
+    <dgm:style>
+      <a:lnRef idx="0">
+        <a:scrgbClr r="0" g="0" b="0"/>
+      </a:lnRef>
+      <a:fillRef idx="0">
+        <a:scrgbClr r="0" g="0" b="0"/>
+      </a:fillRef>
+      <a:effectRef idx="0">
+        <a:scrgbClr r="0" g="0" b="0"/>
+      </a:effectRef>
+      <a:fontRef idx="minor"/>
+    </dgm:style>
+  </dgm:styleLbl>
+</dgm:styleDef>
+</file>
+
+<file path=ppt/diagrams/quickStyle2.xml><?xml version="1.0" encoding="utf-8"?>
+<dgm:styleDef xmlns:dgm="http://schemas.openxmlformats.org/drawingml/2006/diagram" xmlns:a="http://schemas.openxmlformats.org/drawingml/2006/main" uniqueId="urn:microsoft.com/office/officeart/2005/8/quickstyle/simple1">
+  <dgm:title val=""/>
+  <dgm:desc val=""/>
+  <dgm:catLst>
+    <dgm:cat type="simple" pri="10100"/>
+  </dgm:catLst>
+  <dgm:scene3d>
+    <a:camera prst="orthographicFront"/>
+    <a:lightRig rig="threePt" dir="t"/>
+  </dgm:scene3d>
+  <dgm:styleLbl name="node0">
+    <dgm:scene3d>
+      <a:camera prst="orthographicFront"/>
+      <a:lightRig rig="threePt" dir="t"/>
+    </dgm:scene3d>
+    <dgm:sp3d/>
+    <dgm:txPr/>
+    <dgm:style>
+      <a:lnRef idx="2">
+        <a:scrgbClr r="0" g="0" b="0"/>
+      </a:lnRef>
+      <a:fillRef idx="1">
+        <a:scrgbClr r="0" g="0" b="0"/>
+      </a:fillRef>
+      <a:effectRef idx="0">
+        <a:scrgbClr r="0" g="0" b="0"/>
+      </a:effectRef>
+      <a:fontRef idx="minor">
+        <a:schemeClr val="lt1"/>
+      </a:fontRef>
+    </dgm:style>
+  </dgm:styleLbl>
+  <dgm:styleLbl name="lnNode1">
+    <dgm:scene3d>
+      <a:camera prst="orthographicFront"/>
+      <a:lightRig rig="threePt" dir="t"/>
+    </dgm:scene3d>
+    <dgm:sp3d/>
+    <dgm:txPr/>
+    <dgm:style>
+      <a:lnRef idx="2">
+        <a:scrgbClr r="0" g="0" b="0"/>
+      </a:lnRef>
+      <a:fillRef idx="1">
+        <a:scrgbClr r="0" g="0" b="0"/>
+      </a:fillRef>
+      <a:effectRef idx="0">
+        <a:scrgbClr r="0" g="0" b="0"/>
+      </a:effectRef>
+      <a:fontRef idx="minor">
+        <a:schemeClr val="lt1"/>
+      </a:fontRef>
+    </dgm:style>
+  </dgm:styleLbl>
+  <dgm:styleLbl name="vennNode1">
+    <dgm:scene3d>
+      <a:camera prst="orthographicFront"/>
+      <a:lightRig rig="threePt" dir="t"/>
+    </dgm:scene3d>
+    <dgm:sp3d/>
+    <dgm:txPr/>
+    <dgm:style>
+      <a:lnRef idx="2">
+        <a:scrgbClr r="0" g="0" b="0"/>
+      </a:lnRef>
+      <a:fillRef idx="1">
+        <a:scrgbClr r="0" g="0" b="0"/>
+      </a:fillRef>
+      <a:effectRef idx="0">
+        <a:scrgbClr r="0" g="0" b="0"/>
+      </a:effectRef>
+      <a:fontRef idx="minor">
+        <a:schemeClr val="tx1"/>
+      </a:fontRef>
+    </dgm:style>
+  </dgm:styleLbl>
+  <dgm:styleLbl name="alignNode1">
+    <dgm:scene3d>
+      <a:camera prst="orthographicFront"/>
+      <a:lightRig rig="threePt" dir="t"/>
+    </dgm:scene3d>
+    <dgm:sp3d/>
+    <dgm:txPr/>
+    <dgm:style>
+      <a:lnRef idx="2">
+        <a:scrgbClr r="0" g="0" b="0"/>
+      </a:lnRef>
+      <a:fillRef idx="1">
+        <a:scrgbClr r="0" g="0" b="0"/>
+      </a:fillRef>
+      <a:effectRef idx="0">
+        <a:scrgbClr r="0" g="0" b="0"/>
+      </a:effectRef>
+      <a:fontRef idx="minor">
+        <a:schemeClr val="lt1"/>
+      </a:fontRef>
+    </dgm:style>
+  </dgm:styleLbl>
+  <dgm:styleLbl name="node1">
+    <dgm:scene3d>
+      <a:camera prst="orthographicFront"/>
+      <a:lightRig rig="threePt" dir="t"/>
+    </dgm:scene3d>
+    <dgm:sp3d/>
+    <dgm:txPr/>
+    <dgm:style>
+      <a:lnRef idx="2">
+        <a:scrgbClr r="0" g="0" b="0"/>
+      </a:lnRef>
+      <a:fillRef idx="1">
+        <a:scrgbClr r="0" g="0" b="0"/>
+      </a:fillRef>
+      <a:effectRef idx="0">
+        <a:scrgbClr r="0" g="0" b="0"/>
+      </a:effectRef>
+      <a:fontRef idx="minor">
+        <a:schemeClr val="lt1"/>
+      </a:fontRef>
+    </dgm:style>
+  </dgm:styleLbl>
+  <dgm:styleLbl name="node2">
+    <dgm:scene3d>
+      <a:camera prst="orthographicFront"/>
+      <a:lightRig rig="threePt" dir="t"/>
+    </dgm:scene3d>
+    <dgm:sp3d/>
+    <dgm:txPr/>
+    <dgm:style>
+      <a:lnRef idx="2">
+        <a:scrgbClr r="0" g="0" b="0"/>
+      </a:lnRef>
+      <a:fillRef idx="1">
+        <a:scrgbClr r="0" g="0" b="0"/>
+      </a:fillRef>
+      <a:effectRef idx="0">
+        <a:scrgbClr r="0" g="0" b="0"/>
+      </a:effectRef>
+      <a:fontRef idx="minor">
+        <a:schemeClr val="lt1"/>
+      </a:fontRef>
+    </dgm:style>
+  </dgm:styleLbl>
+  <dgm:styleLbl name="node3">
+    <dgm:scene3d>
+      <a:camera prst="orthographicFront"/>
+      <a:lightRig rig="threePt" dir="t"/>
+    </dgm:scene3d>
+    <dgm:sp3d/>
+    <dgm:txPr/>
+    <dgm:style>
+      <a:lnRef idx="2">
+        <a:scrgbClr r="0" g="0" b="0"/>
+      </a:lnRef>
+      <a:fillRef idx="1">
+        <a:scrgbClr r="0" g="0" b="0"/>
+      </a:fillRef>
+      <a:effectRef idx="0">
+        <a:scrgbClr r="0" g="0" b="0"/>
+      </a:effectRef>
+      <a:fontRef idx="minor">
+        <a:schemeClr val="lt1"/>
+      </a:fontRef>
+    </dgm:style>
+  </dgm:styleLbl>
+  <dgm:styleLbl name="node4">
+    <dgm:scene3d>
+      <a:camera prst="orthographicFront"/>
+      <a:lightRig rig="threePt" dir="t"/>
+    </dgm:scene3d>
+    <dgm:sp3d/>
+    <dgm:txPr/>
+    <dgm:style>
+      <a:lnRef idx="2">
+        <a:scrgbClr r="0" g="0" b="0"/>
+      </a:lnRef>
+      <a:fillRef idx="1">
+        <a:scrgbClr r="0" g="0" b="0"/>
+      </a:fillRef>
+      <a:effectRef idx="0">
+        <a:scrgbClr r="0" g="0" b="0"/>
+      </a:effectRef>
+      <a:fontRef idx="minor">
+        <a:schemeClr val="lt1"/>
+      </a:fontRef>
+    </dgm:style>
+  </dgm:styleLbl>
+  <dgm:styleLbl name="fgImgPlace1">
+    <dgm:scene3d>
+      <a:camera prst="orthographicFront"/>
+      <a:lightRig rig="threePt" dir="t"/>
+    </dgm:scene3d>
+    <dgm:sp3d/>
+    <dgm:txPr/>
+    <dgm:style>
+      <a:lnRef idx="2">
+        <a:scrgbClr r="0" g="0" b="0"/>
+      </a:lnRef>
+      <a:fillRef idx="1">
+        <a:scrgbClr r="0" g="0" b="0"/>
+      </a:fillRef>
+      <a:effectRef idx="0">
+        <a:scrgbClr r="0" g="0" b="0"/>
+      </a:effectRef>
+      <a:fontRef idx="minor"/>
+    </dgm:style>
+  </dgm:styleLbl>
+  <dgm:styleLbl name="alignImgPlace1">
+    <dgm:scene3d>
+      <a:camera prst="orthographicFront"/>
+      <a:lightRig rig="threePt" dir="t"/>
+    </dgm:scene3d>
+    <dgm:sp3d/>
+    <dgm:txPr/>
+    <dgm:style>
+      <a:lnRef idx="2">
+        <a:scrgbClr r="0" g="0" b="0"/>
+      </a:lnRef>
+      <a:fillRef idx="1">
+        <a:scrgbClr r="0" g="0" b="0"/>
+      </a:fillRef>
+      <a:effectRef idx="0">
+        <a:scrgbClr r="0" g="0" b="0"/>
+      </a:effectRef>
+      <a:fontRef idx="minor"/>
+    </dgm:style>
+  </dgm:styleLbl>
+  <dgm:styleLbl name="bgImgPlace1">
+    <dgm:scene3d>
+      <a:camera prst="orthographicFront"/>
+      <a:lightRig rig="threePt" dir="t"/>
+    </dgm:scene3d>
+    <dgm:sp3d/>
+    <dgm:txPr/>
+    <dgm:style>
+      <a:lnRef idx="2">
+        <a:scrgbClr r="0" g="0" b="0"/>
+      </a:lnRef>
+      <a:fillRef idx="1">
+        <a:scrgbClr r="0" g="0" b="0"/>
+      </a:fillRef>
+      <a:effectRef idx="0">
+        <a:scrgbClr r="0" g="0" b="0"/>
+      </a:effectRef>
+      <a:fontRef idx="minor"/>
+    </dgm:style>
+  </dgm:styleLbl>
+  <dgm:styleLbl name="sibTrans2D1">
+    <dgm:scene3d>
+      <a:camera prst="orthographicFront"/>
+      <a:lightRig rig="threePt" dir="t"/>
+    </dgm:scene3d>
+    <dgm:sp3d/>
+    <dgm:txPr/>
+    <dgm:style>
+      <a:lnRef idx="0">
+        <a:scrgbClr r="0" g="0" b="0"/>
+      </a:lnRef>
+      <a:fillRef idx="1">
+        <a:scrgbClr r="0" g="0" b="0"/>
+      </a:fillRef>
+      <a:effectRef idx="0">
+        <a:scrgbClr r="0" g="0" b="0"/>
+      </a:effectRef>
+      <a:fontRef idx="minor">
+        <a:schemeClr val="lt1"/>
+      </a:fontRef>
+    </dgm:style>
+  </dgm:styleLbl>
+  <dgm:styleLbl name="fgSibTrans2D1">
+    <dgm:scene3d>
+      <a:camera prst="orthographicFront"/>
+      <a:lightRig rig="threePt" dir="t"/>
+    </dgm:scene3d>
+    <dgm:sp3d/>
+    <dgm:txPr/>
+    <dgm:style>
+      <a:lnRef idx="0">
+        <a:scrgbClr r="0" g="0" b="0"/>
+      </a:lnRef>
+      <a:fillRef idx="1">
+        <a:scrgbClr r="0" g="0" b="0"/>
+      </a:fillRef>
+      <a:effectRef idx="0">
+        <a:scrgbClr r="0" g="0" b="0"/>
+      </a:effectRef>
+      <a:fontRef idx="minor">
+        <a:schemeClr val="lt1"/>
+      </a:fontRef>
+    </dgm:style>
+  </dgm:styleLbl>
+  <dgm:styleLbl name="bgSibTrans2D1">
+    <dgm:scene3d>
+      <a:camera prst="orthographicFront"/>
+      <a:lightRig rig="threePt" dir="t"/>
+    </dgm:scene3d>
+    <dgm:sp3d/>
+    <dgm:txPr/>
+    <dgm:style>
+      <a:lnRef idx="0">
+        <a:scrgbClr r="0" g="0" b="0"/>
+      </a:lnRef>
+      <a:fillRef idx="1">
+        <a:scrgbClr r="0" g="0" b="0"/>
+      </a:fillRef>
+      <a:effectRef idx="0">
+        <a:scrgbClr r="0" g="0" b="0"/>
+      </a:effectRef>
+      <a:fontRef idx="minor">
+        <a:schemeClr val="lt1"/>
+      </a:fontRef>
+    </dgm:style>
+  </dgm:styleLbl>
+  <dgm:styleLbl name="sibTrans1D1">
+    <dgm:scene3d>
+      <a:camera prst="orthographicFront"/>
+      <a:lightRig rig="threePt" dir="t"/>
+    </dgm:scene3d>
+    <dgm:sp3d/>
+    <dgm:txPr/>
+    <dgm:style>
+      <a:lnRef idx="1">
+        <a:scrgbClr r="0" g="0" b="0"/>
+      </a:lnRef>
+      <a:fillRef idx="0">
+        <a:scrgbClr r="0" g="0" b="0"/>
+      </a:fillRef>
+      <a:effectRef idx="0">
+        <a:scrgbClr r="0" g="0" b="0"/>
+      </a:effectRef>
+      <a:fontRef idx="minor"/>
+    </dgm:style>
+  </dgm:styleLbl>
+  <dgm:styleLbl name="callout">
+    <dgm:scene3d>
+      <a:camera prst="orthographicFront"/>
+      <a:lightRig rig="threePt" dir="t"/>
+    </dgm:scene3d>
+    <dgm:sp3d/>
+    <dgm:txPr/>
+    <dgm:style>
+      <a:lnRef idx="2">
+        <a:scrgbClr r="0" g="0" b="0"/>
+      </a:lnRef>
+      <a:fillRef idx="1">
+        <a:scrgbClr r="0" g="0" b="0"/>
+      </a:fillRef>
+      <a:effectRef idx="0">
+        <a:scrgbClr r="0" g="0" b="0"/>
+      </a:effectRef>
+      <a:fontRef idx="minor"/>
+    </dgm:style>
+  </dgm:styleLbl>
+  <dgm:styleLbl name="asst0">
+    <dgm:scene3d>
+      <a:camera prst="orthographicFront"/>
+      <a:lightRig rig="threePt" dir="t"/>
+    </dgm:scene3d>
+    <dgm:sp3d/>
+    <dgm:txPr/>
+    <dgm:style>
+      <a:lnRef idx="2">
+        <a:scrgbClr r="0" g="0" b="0"/>
+      </a:lnRef>
+      <a:fillRef idx="1">
+        <a:scrgbClr r="0" g="0" b="0"/>
+      </a:fillRef>
+      <a:effectRef idx="0">
+        <a:scrgbClr r="0" g="0" b="0"/>
+      </a:effectRef>
+      <a:fontRef idx="minor">
+        <a:schemeClr val="lt1"/>
+      </a:fontRef>
+    </dgm:style>
+  </dgm:styleLbl>
+  <dgm:styleLbl name="asst1">
+    <dgm:scene3d>
+      <a:camera prst="orthographicFront"/>
+      <a:lightRig rig="threePt" dir="t"/>
+    </dgm:scene3d>
+    <dgm:sp3d/>
+    <dgm:txPr/>
+    <dgm:style>
+      <a:lnRef idx="2">
+        <a:scrgbClr r="0" g="0" b="0"/>
+      </a:lnRef>
+      <a:fillRef idx="1">
+        <a:scrgbClr r="0" g="0" b="0"/>
+      </a:fillRef>
+      <a:effectRef idx="0">
+        <a:scrgbClr r="0" g="0" b="0"/>
+      </a:effectRef>
+      <a:fontRef idx="minor">
+        <a:schemeClr val="lt1"/>
+      </a:fontRef>
+    </dgm:style>
+  </dgm:styleLbl>
+  <dgm:styleLbl name="asst2">
+    <dgm:scene3d>
+      <a:camera prst="orthographicFront"/>
+      <a:lightRig rig="threePt" dir="t"/>
+    </dgm:scene3d>
+    <dgm:sp3d/>
+    <dgm:txPr/>
+    <dgm:style>
+      <a:lnRef idx="2">
+        <a:scrgbClr r="0" g="0" b="0"/>
+      </a:lnRef>
+      <a:fillRef idx="1">
+        <a:scrgbClr r="0" g="0" b="0"/>
+      </a:fillRef>
+      <a:effectRef idx="0">
+        <a:scrgbClr r="0" g="0" b="0"/>
+      </a:effectRef>
+      <a:fontRef idx="minor">
+        <a:schemeClr val="lt1"/>
+      </a:fontRef>
+    </dgm:style>
+  </dgm:styleLbl>
+  <dgm:styleLbl name="asst3">
+    <dgm:scene3d>
+      <a:camera prst="orthographicFront"/>
+      <a:lightRig rig="threePt" dir="t"/>
+    </dgm:scene3d>
+    <dgm:sp3d/>
+    <dgm:txPr/>
+    <dgm:style>
+      <a:lnRef idx="2">
+        <a:scrgbClr r="0" g="0" b="0"/>
+      </a:lnRef>
+      <a:fillRef idx="1">
+        <a:scrgbClr r="0" g="0" b="0"/>
+      </a:fillRef>
+      <a:effectRef idx="0">
+        <a:scrgbClr r="0" g="0" b="0"/>
+      </a:effectRef>
+      <a:fontRef idx="minor">
+        <a:schemeClr val="lt1"/>
+      </a:fontRef>
+    </dgm:style>
+  </dgm:styleLbl>
+  <dgm:styleLbl name="asst4">
+    <dgm:scene3d>
+      <a:camera prst="orthographicFront"/>
+      <a:lightRig rig="threePt" dir="t"/>
+    </dgm:scene3d>
+    <dgm:sp3d/>
+    <dgm:txPr/>
+    <dgm:style>
+      <a:lnRef idx="2">
+        <a:scrgbClr r="0" g="0" b="0"/>
+      </a:lnRef>
+      <a:fillRef idx="1">
+        <a:scrgbClr r="0" g="0" b="0"/>
+      </a:fillRef>
+      <a:effectRef idx="0">
+        <a:scrgbClr r="0" g="0" b="0"/>
+      </a:effectRef>
+      <a:fontRef idx="minor">
+        <a:schemeClr val="lt1"/>
+      </a:fontRef>
+    </dgm:style>
+  </dgm:styleLbl>
+  <dgm:styleLbl name="parChTrans2D1">
+    <dgm:scene3d>
+      <a:camera prst="orthographicFront"/>
+      <a:lightRig rig="threePt" dir="t"/>
+    </dgm:scene3d>
+    <dgm:sp3d/>
+    <dgm:txPr/>
+    <dgm:style>
+      <a:lnRef idx="2">
+        <a:scrgbClr r="0" g="0" b="0"/>
+      </a:lnRef>
+      <a:fillRef idx="1">
+        <a:scrgbClr r="0" g="0" b="0"/>
+      </a:fillRef>
+      <a:effectRef idx="0">
+        <a:scrgbClr r="0" g="0" b="0"/>
+      </a:effectRef>
+      <a:fontRef idx="minor">
+        <a:schemeClr val="lt1"/>
+      </a:fontRef>
+    </dgm:style>
+  </dgm:styleLbl>
+  <dgm:styleLbl name="parChTrans2D2">
+    <dgm:scene3d>
+      <a:camera prst="orthographicFront"/>
+      <a:lightRig rig="threePt" dir="t"/>
+    </dgm:scene3d>
+    <dgm:sp3d/>
+    <dgm:txPr/>
+    <dgm:style>
+      <a:lnRef idx="2">
+        <a:scrgbClr r="0" g="0" b="0"/>
+      </a:lnRef>
+      <a:fillRef idx="1">
+        <a:scrgbClr r="0" g="0" b="0"/>
+      </a:fillRef>
+      <a:effectRef idx="0">
+        <a:scrgbClr r="0" g="0" b="0"/>
+      </a:effectRef>
+      <a:fontRef idx="minor">
+        <a:schemeClr val="lt1"/>
+      </a:fontRef>
+    </dgm:style>
+  </dgm:styleLbl>
+  <dgm:styleLbl name="parChTrans2D3">
+    <dgm:scene3d>
+      <a:camera prst="orthographicFront"/>
+      <a:lightRig rig="threePt" dir="t"/>
+    </dgm:scene3d>
+    <dgm:sp3d/>
+    <dgm:txPr/>
+    <dgm:style>
+      <a:lnRef idx="2">
+        <a:scrgbClr r="0" g="0" b="0"/>
+      </a:lnRef>
+      <a:fillRef idx="1">
+        <a:scrgbClr r="0" g="0" b="0"/>
+      </a:fillRef>
+      <a:effectRef idx="0">
+        <a:scrgbClr r="0" g="0" b="0"/>
+      </a:effectRef>
+      <a:fontRef idx="minor">
+        <a:schemeClr val="lt1"/>
+      </a:fontRef>
+    </dgm:style>
+  </dgm:styleLbl>
+  <dgm:styleLbl name="parChTrans2D4">
+    <dgm:scene3d>
+      <a:camera prst="orthographicFront"/>
+      <a:lightRig rig="threePt" dir="t"/>
+    </dgm:scene3d>
+    <dgm:sp3d/>
+    <dgm:txPr/>
+    <dgm:style>
+      <a:lnRef idx="2">
+        <a:scrgbClr r="0" g="0" b="0"/>
+      </a:lnRef>
+      <a:fillRef idx="1">
+        <a:scrgbClr r="0" g="0" b="0"/>
+      </a:fillRef>
+      <a:effectRef idx="0">
+        <a:scrgbClr r="0" g="0" b="0"/>
+      </a:effectRef>
+      <a:fontRef idx="minor">
+        <a:schemeClr val="lt1"/>
+      </a:fontRef>
+    </dgm:style>
+  </dgm:styleLbl>
+  <dgm:styleLbl name="parChTrans1D1">
+    <dgm:scene3d>
+      <a:camera prst="orthographicFront"/>
+      <a:lightRig rig="threePt" dir="t"/>
+    </dgm:scene3d>
+    <dgm:sp3d/>
+    <dgm:txPr/>
+    <dgm:style>
+      <a:lnRef idx="2">
+        <a:scrgbClr r="0" g="0" b="0"/>
+      </a:lnRef>
+      <a:fillRef idx="0">
+        <a:scrgbClr r="0" g="0" b="0"/>
+      </a:fillRef>
+      <a:effectRef idx="0">
+        <a:scrgbClr r="0" g="0" b="0"/>
+      </a:effectRef>
+      <a:fontRef idx="minor"/>
+    </dgm:style>
+  </dgm:styleLbl>
+  <dgm:styleLbl name="parChTrans1D2">
+    <dgm:scene3d>
+      <a:camera prst="orthographicFront"/>
+      <a:lightRig rig="threePt" dir="t"/>
+    </dgm:scene3d>
+    <dgm:sp3d/>
+    <dgm:txPr/>
+    <dgm:style>
+      <a:lnRef idx="2">
+        <a:scrgbClr r="0" g="0" b="0"/>
+      </a:lnRef>
+      <a:fillRef idx="0">
+        <a:scrgbClr r="0" g="0" b="0"/>
+      </a:fillRef>
+      <a:effectRef idx="0">
+        <a:scrgbClr r="0" g="0" b="0"/>
+      </a:effectRef>
+      <a:fontRef idx="minor"/>
+    </dgm:style>
+  </dgm:styleLbl>
+  <dgm:styleLbl name="parChTrans1D3">
+    <dgm:scene3d>
+      <a:camera prst="orthographicFront"/>
+      <a:lightRig rig="threePt" dir="t"/>
+    </dgm:scene3d>
+    <dgm:sp3d/>
+    <dgm:txPr/>
+    <dgm:style>
+      <a:lnRef idx="2">
+        <a:scrgbClr r="0" g="0" b="0"/>
+      </a:lnRef>
+      <a:fillRef idx="0">
+        <a:scrgbClr r="0" g="0" b="0"/>
+      </a:fillRef>
+      <a:effectRef idx="0">
+        <a:scrgbClr r="0" g="0" b="0"/>
+      </a:effectRef>
+      <a:fontRef idx="minor"/>
+    </dgm:style>
+  </dgm:styleLbl>
+  <dgm:styleLbl name="parChTrans1D4">
+    <dgm:scene3d>
+      <a:camera prst="orthographicFront"/>
+      <a:lightRig rig="threePt" dir="t"/>
+    </dgm:scene3d>
+    <dgm:sp3d/>
+    <dgm:txPr/>
+    <dgm:style>
+      <a:lnRef idx="2">
+        <a:scrgbClr r="0" g="0" b="0"/>
+      </a:lnRef>
+      <a:fillRef idx="0">
+        <a:scrgbClr r="0" g="0" b="0"/>
+      </a:fillRef>
+      <a:effectRef idx="0">
+        <a:scrgbClr r="0" g="0" b="0"/>
+      </a:effectRef>
+      <a:fontRef idx="minor"/>
+    </dgm:style>
+  </dgm:styleLbl>
+  <dgm:styleLbl name="fgAcc1">
+    <dgm:scene3d>
+      <a:camera prst="orthographicFront"/>
+      <a:lightRig rig="threePt" dir="t"/>
+    </dgm:scene3d>
+    <dgm:sp3d/>
+    <dgm:txPr/>
+    <dgm:style>
+      <a:lnRef idx="2">
+        <a:scrgbClr r="0" g="0" b="0"/>
+      </a:lnRef>
+      <a:fillRef idx="1">
+        <a:scrgbClr r="0" g="0" b="0"/>
+      </a:fillRef>
+      <a:effectRef idx="0">
+        <a:scrgbClr r="0" g="0" b="0"/>
+      </a:effectRef>
+      <a:fontRef idx="minor"/>
+    </dgm:style>
+  </dgm:styleLbl>
+  <dgm:styleLbl name="conFgAcc1">
+    <dgm:scene3d>
+      <a:camera prst="orthographicFront"/>
+      <a:lightRig rig="threePt" dir="t"/>
+    </dgm:scene3d>
+    <dgm:sp3d/>
+    <dgm:txPr/>
+    <dgm:style>
+      <a:lnRef idx="2">
+        <a:scrgbClr r="0" g="0" b="0"/>
+      </a:lnRef>
+      <a:fillRef idx="1">
+        <a:scrgbClr r="0" g="0" b="0"/>
+      </a:fillRef>
+      <a:effectRef idx="0">
+        <a:scrgbClr r="0" g="0" b="0"/>
+      </a:effectRef>
+      <a:fontRef idx="minor"/>
+    </dgm:style>
+  </dgm:styleLbl>
+  <dgm:styleLbl name="alignAcc1">
+    <dgm:scene3d>
+      <a:camera prst="orthographicFront"/>
+      <a:lightRig rig="threePt" dir="t"/>
+    </dgm:scene3d>
+    <dgm:sp3d/>
+    <dgm:txPr/>
+    <dgm:style>
+      <a:lnRef idx="2">
+        <a:scrgbClr r="0" g="0" b="0"/>
+      </a:lnRef>
+      <a:fillRef idx="1">
+        <a:scrgbClr r="0" g="0" b="0"/>
+      </a:fillRef>
+      <a:effectRef idx="0">
+        <a:scrgbClr r="0" g="0" b="0"/>
+      </a:effectRef>
+      <a:fontRef idx="minor"/>
+    </dgm:style>
+  </dgm:styleLbl>
+  <dgm:styleLbl name="trAlignAcc1">
+    <dgm:scene3d>
+      <a:camera prst="orthographicFront"/>
+      <a:lightRig rig="threePt" dir="t"/>
+    </dgm:scene3d>
+    <dgm:sp3d/>
+    <dgm:txPr/>
+    <dgm:style>
+      <a:lnRef idx="1">
+        <a:scrgbClr r="0" g="0" b="0"/>
+      </a:lnRef>
+      <a:fillRef idx="1">
+        <a:scrgbClr r="0" g="0" b="0"/>
+      </a:fillRef>
+      <a:effectRef idx="0">
+        <a:scrgbClr r="0" g="0" b="0"/>
+      </a:effectRef>
+      <a:fontRef idx="minor"/>
+    </dgm:style>
+  </dgm:styleLbl>
+  <dgm:styleLbl name="bgAcc1">
+    <dgm:scene3d>
+      <a:camera prst="orthographicFront"/>
+      <a:lightRig rig="threePt" dir="t"/>
+    </dgm:scene3d>
+    <dgm:sp3d/>
+    <dgm:txPr/>
+    <dgm:style>
+      <a:lnRef idx="2">
+        <a:scrgbClr r="0" g="0" b="0"/>
+      </a:lnRef>
+      <a:fillRef idx="1">
+        <a:scrgbClr r="0" g="0" b="0"/>
+      </a:fillRef>
+      <a:effectRef idx="0">
+        <a:scrgbClr r="0" g="0" b="0"/>
+      </a:effectRef>
+      <a:fontRef idx="minor"/>
+    </dgm:style>
+  </dgm:styleLbl>
+  <dgm:styleLbl name="solidFgAcc1">
+    <dgm:scene3d>
+      <a:camera prst="orthographicFront"/>
+      <a:lightRig rig="threePt" dir="t"/>
+    </dgm:scene3d>
+    <dgm:sp3d/>
+    <dgm:txPr/>
+    <dgm:style>
+      <a:lnRef idx="2">
+        <a:scrgbClr r="0" g="0" b="0"/>
+      </a:lnRef>
+      <a:fillRef idx="1">
+        <a:scrgbClr r="0" g="0" b="0"/>
+      </a:fillRef>
+      <a:effectRef idx="0">
+        <a:scrgbClr r="0" g="0" b="0"/>
+      </a:effectRef>
+      <a:fontRef idx="minor"/>
+    </dgm:style>
+  </dgm:styleLbl>
+  <dgm:styleLbl name="solidAlignAcc1">
+    <dgm:scene3d>
+      <a:camera prst="orthographicFront"/>
+      <a:lightRig rig="threePt" dir="t"/>
+    </dgm:scene3d>
+    <dgm:sp3d/>
+    <dgm:txPr/>
+    <dgm:style>
+      <a:lnRef idx="2">
+        <a:scrgbClr r="0" g="0" b="0"/>
+      </a:lnRef>
+      <a:fillRef idx="1">
+        <a:scrgbClr r="0" g="0" b="0"/>
+      </a:fillRef>
+      <a:effectRef idx="0">
+        <a:scrgbClr r="0" g="0" b="0"/>
+      </a:effectRef>
+      <a:fontRef idx="minor"/>
+    </dgm:style>
+  </dgm:styleLbl>
+  <dgm:styleLbl name="solidBgAcc1">
+    <dgm:scene3d>
+      <a:camera prst="orthographicFront"/>
+      <a:lightRig rig="threePt" dir="t"/>
+    </dgm:scene3d>
+    <dgm:sp3d/>
+    <dgm:txPr/>
+    <dgm:style>
+      <a:lnRef idx="2">
+        <a:scrgbClr r="0" g="0" b="0"/>
+      </a:lnRef>
+      <a:fillRef idx="1">
+        <a:scrgbClr r="0" g="0" b="0"/>
+      </a:fillRef>
+      <a:effectRef idx="0">
+        <a:scrgbClr r="0" g="0" b="0"/>
+      </a:effectRef>
+      <a:fontRef idx="minor"/>
+    </dgm:style>
+  </dgm:styleLbl>
+  <dgm:styleLbl name="fgAccFollowNode1">
+    <dgm:scene3d>
+      <a:camera prst="orthographicFront"/>
+      <a:lightRig rig="threePt" dir="t"/>
+    </dgm:scene3d>
+    <dgm:sp3d/>
+    <dgm:txPr/>
+    <dgm:style>
+      <a:lnRef idx="2">
+        <a:scrgbClr r="0" g="0" b="0"/>
+      </a:lnRef>
+      <a:fillRef idx="1">
+        <a:scrgbClr r="0" g="0" b="0"/>
+      </a:fillRef>
+      <a:effectRef idx="0">
+        <a:scrgbClr r="0" g="0" b="0"/>
+      </a:effectRef>
+      <a:fontRef idx="minor"/>
+    </dgm:style>
+  </dgm:styleLbl>
+  <dgm:styleLbl name="alignAccFollowNode1">
+    <dgm:scene3d>
+      <a:camera prst="orthographicFront"/>
+      <a:lightRig rig="threePt" dir="t"/>
+    </dgm:scene3d>
+    <dgm:sp3d/>
+    <dgm:txPr/>
+    <dgm:style>
+      <a:lnRef idx="2">
+        <a:scrgbClr r="0" g="0" b="0"/>
+      </a:lnRef>
+      <a:fillRef idx="1">
+        <a:scrgbClr r="0" g="0" b="0"/>
+      </a:fillRef>
+      <a:effectRef idx="0">
+        <a:scrgbClr r="0" g="0" b="0"/>
+      </a:effectRef>
+      <a:fontRef idx="minor"/>
+    </dgm:style>
+  </dgm:styleLbl>
+  <dgm:styleLbl name="bgAccFollowNode1">
+    <dgm:scene3d>
+      <a:camera prst="orthographicFront"/>
+      <a:lightRig rig="threePt" dir="t"/>
+    </dgm:scene3d>
+    <dgm:sp3d/>
+    <dgm:txPr/>
+    <dgm:style>
+      <a:lnRef idx="2">
+        <a:scrgbClr r="0" g="0" b="0"/>
+      </a:lnRef>
+      <a:fillRef idx="1">
+        <a:scrgbClr r="0" g="0" b="0"/>
+      </a:fillRef>
+      <a:effectRef idx="0">
+        <a:scrgbClr r="0" g="0" b="0"/>
+      </a:effectRef>
+      <a:fontRef idx="minor"/>
+    </dgm:style>
+  </dgm:styleLbl>
+  <dgm:styleLbl name="fgAcc0">
+    <dgm:scene3d>
+      <a:camera prst="orthographicFront"/>
+      <a:lightRig rig="threePt" dir="t"/>
+    </dgm:scene3d>
+    <dgm:sp3d/>
+    <dgm:txPr/>
+    <dgm:style>
+      <a:lnRef idx="2">
+        <a:scrgbClr r="0" g="0" b="0"/>
+      </a:lnRef>
+      <a:fillRef idx="1">
+        <a:scrgbClr r="0" g="0" b="0"/>
+      </a:fillRef>
+      <a:effectRef idx="0">
+        <a:scrgbClr r="0" g="0" b="0"/>
+      </a:effectRef>
+      <a:fontRef idx="minor"/>
+    </dgm:style>
+  </dgm:styleLbl>
+  <dgm:styleLbl name="fgAcc2">
+    <dgm:scene3d>
+      <a:camera prst="orthographicFront"/>
+      <a:lightRig rig="threePt" dir="t"/>
+    </dgm:scene3d>
+    <dgm:sp3d/>
+    <dgm:txPr/>
+    <dgm:style>
+      <a:lnRef idx="2">
+        <a:scrgbClr r="0" g="0" b="0"/>
+      </a:lnRef>
+      <a:fillRef idx="1">
+        <a:scrgbClr r="0" g="0" b="0"/>
+      </a:fillRef>
+      <a:effectRef idx="0">
+        <a:scrgbClr r="0" g="0" b="0"/>
+      </a:effectRef>
+      <a:fontRef idx="minor"/>
+    </dgm:style>
+  </dgm:styleLbl>
+  <dgm:styleLbl name="fgAcc3">
+    <dgm:scene3d>
+      <a:camera prst="orthographicFront"/>
+      <a:lightRig rig="threePt" dir="t"/>
+    </dgm:scene3d>
+    <dgm:sp3d/>
+    <dgm:txPr/>
+    <dgm:style>
+      <a:lnRef idx="2">
+        <a:scrgbClr r="0" g="0" b="0"/>
+      </a:lnRef>
+      <a:fillRef idx="1">
+        <a:scrgbClr r="0" g="0" b="0"/>
+      </a:fillRef>
+      <a:effectRef idx="0">
+        <a:scrgbClr r="0" g="0" b="0"/>
+      </a:effectRef>
+      <a:fontRef idx="minor"/>
+    </dgm:style>
+  </dgm:styleLbl>
+  <dgm:styleLbl name="fgAcc4">
+    <dgm:scene3d>
+      <a:camera prst="orthographicFront"/>
+      <a:lightRig rig="threePt" dir="t"/>
+    </dgm:scene3d>
+    <dgm:sp3d/>
+    <dgm:txPr/>
+    <dgm:style>
+      <a:lnRef idx="2">
+        <a:scrgbClr r="0" g="0" b="0"/>
+      </a:lnRef>
+      <a:fillRef idx="1">
+        <a:scrgbClr r="0" g="0" b="0"/>
+      </a:fillRef>
+      <a:effectRef idx="0">
+        <a:scrgbClr r="0" g="0" b="0"/>
+      </a:effectRef>
+      <a:fontRef idx="minor"/>
+    </dgm:style>
+  </dgm:styleLbl>
+  <dgm:styleLbl name="bgShp">
+    <dgm:scene3d>
+      <a:camera prst="orthographicFront"/>
+      <a:lightRig rig="threePt" dir="t"/>
+    </dgm:scene3d>
+    <dgm:sp3d/>
+    <dgm:txPr/>
+    <dgm:style>
+      <a:lnRef idx="0">
+        <a:scrgbClr r="0" g="0" b="0"/>
+      </a:lnRef>
+      <a:fillRef idx="1">
+        <a:scrgbClr r="0" g="0" b="0"/>
+      </a:fillRef>
+      <a:effectRef idx="0">
+        <a:scrgbClr r="0" g="0" b="0"/>
+      </a:effectRef>
+      <a:fontRef idx="minor"/>
+    </dgm:style>
+  </dgm:styleLbl>
+  <dgm:styleLbl name="dkBgShp">
+    <dgm:scene3d>
+      <a:camera prst="orthographicFront"/>
+      <a:lightRig rig="threePt" dir="t"/>
+    </dgm:scene3d>
+    <dgm:sp3d/>
+    <dgm:txPr/>
+    <dgm:style>
+      <a:lnRef idx="0">
+        <a:scrgbClr r="0" g="0" b="0"/>
+      </a:lnRef>
+      <a:fillRef idx="1">
+        <a:scrgbClr r="0" g="0" b="0"/>
+      </a:fillRef>
+      <a:effectRef idx="0">
+        <a:scrgbClr r="0" g="0" b="0"/>
+      </a:effectRef>
+      <a:fontRef idx="minor"/>
+    </dgm:style>
+  </dgm:styleLbl>
+  <dgm:styleLbl name="trBgShp">
+    <dgm:scene3d>
+      <a:camera prst="orthographicFront"/>
+      <a:lightRig rig="threePt" dir="t"/>
+    </dgm:scene3d>
+    <dgm:sp3d/>
+    <dgm:txPr/>
+    <dgm:style>
+      <a:lnRef idx="0">
+        <a:scrgbClr r="0" g="0" b="0"/>
+      </a:lnRef>
+      <a:fillRef idx="1">
+        <a:scrgbClr r="0" g="0" b="0"/>
+      </a:fillRef>
+      <a:effectRef idx="0">
+        <a:scrgbClr r="0" g="0" b="0"/>
+      </a:effectRef>
+      <a:fontRef idx="minor"/>
+    </dgm:style>
+  </dgm:styleLbl>
+  <dgm:styleLbl name="fgShp">
+    <dgm:scene3d>
+      <a:camera prst="orthographicFront"/>
+      <a:lightRig rig="threePt" dir="t"/>
+    </dgm:scene3d>
+    <dgm:sp3d/>
+    <dgm:txPr/>
+    <dgm:style>
+      <a:lnRef idx="2">
+        <a:scrgbClr r="0" g="0" b="0"/>
+      </a:lnRef>
+      <a:fillRef idx="1">
+        <a:scrgbClr r="0" g="0" b="0"/>
+      </a:fillRef>
+      <a:effectRef idx="0">
+        <a:scrgbClr r="0" g="0" b="0"/>
+      </a:effectRef>
+      <a:fontRef idx="minor"/>
+    </dgm:style>
+  </dgm:styleLbl>
+  <dgm:styleLbl name="revTx">
+    <dgm:scene3d>
+      <a:camera prst="orthographicFront"/>
+      <a:lightRig rig="threePt" dir="t"/>
+    </dgm:scene3d>
+    <dgm:sp3d/>
+    <dgm:txPr/>
+    <dgm:style>
+      <a:lnRef idx="0">
+        <a:scrgbClr r="0" g="0" b="0"/>
+      </a:lnRef>
+      <a:fillRef idx="0">
+        <a:scrgbClr r="0" g="0" b="0"/>
+      </a:fillRef>
+      <a:effectRef idx="0">
+        <a:scrgbClr r="0" g="0" b="0"/>
+      </a:effectRef>
+      <a:fontRef idx="minor"/>
+    </dgm:style>
+  </dgm:styleLbl>
+</dgm:styleDef>
 </file>
 
 <file path=ppt/slideLayouts/slideLayout1.xml><?xml version="1.0" encoding="utf-8"?>
@@ -3145,11 +9394,7 @@
           <a:p>
             <a:r>
               <a:rPr lang="en-US" altLang="ko-KR" dirty="0" smtClean="0"/>
-              <a:t>Latte </a:t>
-            </a:r>
-            <a:r>
-              <a:rPr lang="en-US" altLang="ko-KR" smtClean="0"/>
-              <a:t>is Horse</a:t>
+              <a:t>Latte is Horse</a:t>
             </a:r>
             <a:endParaRPr lang="ko-KR" altLang="en-US" dirty="0"/>
           </a:p>
@@ -3159,6 +9404,2041 @@
     <p:extLst>
       <p:ext uri="{BB962C8B-B14F-4D97-AF65-F5344CB8AC3E}">
         <p14:creationId xmlns:p14="http://schemas.microsoft.com/office/powerpoint/2010/main" val="2076339145"/>
+      </p:ext>
+    </p:extLst>
+  </p:cSld>
+  <p:clrMapOvr>
+    <a:masterClrMapping/>
+  </p:clrMapOvr>
+</p:sld>
+</file>
+
+<file path=ppt/slides/slide10.xml><?xml version="1.0" encoding="utf-8"?>
+<p:sld xmlns:a="http://schemas.openxmlformats.org/drawingml/2006/main" xmlns:r="http://schemas.openxmlformats.org/officeDocument/2006/relationships" xmlns:p="http://schemas.openxmlformats.org/presentationml/2006/main">
+  <p:cSld>
+    <p:spTree>
+      <p:nvGrpSpPr>
+        <p:cNvPr id="1" name=""/>
+        <p:cNvGrpSpPr/>
+        <p:nvPr/>
+      </p:nvGrpSpPr>
+      <p:grpSpPr>
+        <a:xfrm>
+          <a:off x="0" y="0"/>
+          <a:ext cx="0" cy="0"/>
+          <a:chOff x="0" y="0"/>
+          <a:chExt cx="0" cy="0"/>
+        </a:xfrm>
+      </p:grpSpPr>
+      <p:sp>
+        <p:nvSpPr>
+          <p:cNvPr id="2" name="제목 1"/>
+          <p:cNvSpPr>
+            <a:spLocks noGrp="1"/>
+          </p:cNvSpPr>
+          <p:nvPr>
+            <p:ph type="title"/>
+          </p:nvPr>
+        </p:nvSpPr>
+        <p:spPr/>
+        <p:txBody>
+          <a:bodyPr/>
+          <a:lstStyle/>
+          <a:p>
+            <a:pPr algn="l"/>
+            <a:r>
+              <a:rPr lang="ko-KR" altLang="en-US" dirty="0" smtClean="0"/>
+              <a:t>통계적 분석</a:t>
+            </a:r>
+            <a:r>
+              <a:rPr lang="en-US" altLang="ko-KR" dirty="0" smtClean="0"/>
+              <a:t>-RTF</a:t>
+            </a:r>
+            <a:endParaRPr lang="ko-KR" altLang="en-US" dirty="0"/>
+          </a:p>
+        </p:txBody>
+      </p:sp>
+      <p:sp>
+        <p:nvSpPr>
+          <p:cNvPr id="3" name="내용 개체 틀 2"/>
+          <p:cNvSpPr>
+            <a:spLocks noGrp="1"/>
+          </p:cNvSpPr>
+          <p:nvPr>
+            <p:ph idx="1"/>
+          </p:nvPr>
+        </p:nvSpPr>
+        <p:spPr/>
+        <p:txBody>
+          <a:bodyPr/>
+          <a:lstStyle/>
+          <a:p>
+            <a:pPr marL="0" indent="0" algn="just">
+              <a:buNone/>
+            </a:pPr>
+            <a:r>
+              <a:rPr lang="en-US" altLang="ko-KR" dirty="0" smtClean="0"/>
+              <a:t>Analyzer </a:t>
+            </a:r>
+            <a:r>
+              <a:rPr lang="ko-KR" altLang="en-US" dirty="0" smtClean="0"/>
+              <a:t>안에 있음</a:t>
+            </a:r>
+            <a:r>
+              <a:rPr lang="en-US" altLang="ko-KR" dirty="0" smtClean="0"/>
+              <a:t>. </a:t>
+            </a:r>
+            <a:r>
+              <a:rPr lang="ko-KR" altLang="en-US" dirty="0" smtClean="0"/>
+              <a:t>참고</a:t>
+            </a:r>
+            <a:r>
+              <a:rPr lang="en-US" altLang="ko-KR" dirty="0" smtClean="0"/>
+              <a:t>.</a:t>
+            </a:r>
+          </a:p>
+          <a:p>
+            <a:pPr marL="0" indent="0" algn="just">
+              <a:buNone/>
+            </a:pPr>
+            <a:endParaRPr lang="ko-KR" altLang="en-US" dirty="0"/>
+          </a:p>
+        </p:txBody>
+      </p:sp>
+    </p:spTree>
+    <p:extLst>
+      <p:ext uri="{BB962C8B-B14F-4D97-AF65-F5344CB8AC3E}">
+        <p14:creationId xmlns:p14="http://schemas.microsoft.com/office/powerpoint/2010/main" val="923990876"/>
+      </p:ext>
+    </p:extLst>
+  </p:cSld>
+  <p:clrMapOvr>
+    <a:masterClrMapping/>
+  </p:clrMapOvr>
+</p:sld>
+</file>
+
+<file path=ppt/slides/slide11.xml><?xml version="1.0" encoding="utf-8"?>
+<p:sld xmlns:a="http://schemas.openxmlformats.org/drawingml/2006/main" xmlns:r="http://schemas.openxmlformats.org/officeDocument/2006/relationships" xmlns:p="http://schemas.openxmlformats.org/presentationml/2006/main">
+  <p:cSld>
+    <p:spTree>
+      <p:nvGrpSpPr>
+        <p:cNvPr id="1" name=""/>
+        <p:cNvGrpSpPr/>
+        <p:nvPr/>
+      </p:nvGrpSpPr>
+      <p:grpSpPr>
+        <a:xfrm>
+          <a:off x="0" y="0"/>
+          <a:ext cx="0" cy="0"/>
+          <a:chOff x="0" y="0"/>
+          <a:chExt cx="0" cy="0"/>
+        </a:xfrm>
+      </p:grpSpPr>
+      <p:sp>
+        <p:nvSpPr>
+          <p:cNvPr id="2" name="제목 1"/>
+          <p:cNvSpPr>
+            <a:spLocks noGrp="1"/>
+          </p:cNvSpPr>
+          <p:nvPr>
+            <p:ph type="title"/>
+          </p:nvPr>
+        </p:nvSpPr>
+        <p:spPr/>
+        <p:txBody>
+          <a:bodyPr/>
+          <a:lstStyle/>
+          <a:p>
+            <a:pPr algn="l"/>
+            <a:r>
+              <a:rPr lang="en-US" altLang="ko-KR" dirty="0" smtClean="0"/>
+              <a:t>View </a:t>
+            </a:r>
+            <a:r>
+              <a:rPr lang="ko-KR" altLang="en-US" dirty="0" smtClean="0"/>
+              <a:t>딴 설명</a:t>
+            </a:r>
+            <a:r>
+              <a:rPr lang="en-US" altLang="ko-KR" dirty="0" smtClean="0"/>
+              <a:t>.</a:t>
+            </a:r>
+            <a:endParaRPr lang="ko-KR" altLang="en-US" dirty="0"/>
+          </a:p>
+        </p:txBody>
+      </p:sp>
+      <p:sp>
+        <p:nvSpPr>
+          <p:cNvPr id="3" name="내용 개체 틀 2"/>
+          <p:cNvSpPr>
+            <a:spLocks noGrp="1"/>
+          </p:cNvSpPr>
+          <p:nvPr>
+            <p:ph idx="1"/>
+          </p:nvPr>
+        </p:nvSpPr>
+        <p:spPr/>
+        <p:txBody>
+          <a:bodyPr/>
+          <a:lstStyle/>
+          <a:p>
+            <a:pPr marL="0" indent="0" algn="just">
+              <a:buNone/>
+            </a:pPr>
+            <a:r>
+              <a:rPr lang="en-US" altLang="ko-KR" dirty="0" smtClean="0"/>
+              <a:t>2D</a:t>
+            </a:r>
+            <a:r>
+              <a:rPr lang="ko-KR" altLang="en-US" dirty="0" smtClean="0"/>
+              <a:t>대신</a:t>
+            </a:r>
+            <a:r>
+              <a:rPr lang="ko-KR" altLang="en-US" dirty="0"/>
+              <a:t>에</a:t>
+            </a:r>
+            <a:r>
+              <a:rPr lang="ko-KR" altLang="en-US" dirty="0" smtClean="0"/>
+              <a:t> </a:t>
+            </a:r>
+            <a:r>
+              <a:rPr lang="en-US" altLang="ko-KR" dirty="0" smtClean="0"/>
+              <a:t>3D </a:t>
+            </a:r>
+            <a:r>
+              <a:rPr lang="ko-KR" altLang="en-US" dirty="0" smtClean="0"/>
+              <a:t>쓴 이유</a:t>
+            </a:r>
+            <a:endParaRPr lang="en-US" altLang="ko-KR" dirty="0" smtClean="0"/>
+          </a:p>
+          <a:p>
+            <a:pPr marL="0" indent="0" algn="just">
+              <a:buNone/>
+            </a:pPr>
+            <a:endParaRPr lang="en-US" altLang="ko-KR" dirty="0"/>
+          </a:p>
+          <a:p>
+            <a:pPr marL="0" indent="0" algn="just">
+              <a:buNone/>
+            </a:pPr>
+            <a:r>
+              <a:rPr lang="en-US" altLang="ko-KR" dirty="0" smtClean="0"/>
+              <a:t> </a:t>
+            </a:r>
+            <a:endParaRPr lang="ko-KR" altLang="en-US" dirty="0"/>
+          </a:p>
+        </p:txBody>
+      </p:sp>
+    </p:spTree>
+    <p:extLst>
+      <p:ext uri="{BB962C8B-B14F-4D97-AF65-F5344CB8AC3E}">
+        <p14:creationId xmlns:p14="http://schemas.microsoft.com/office/powerpoint/2010/main" val="923990876"/>
+      </p:ext>
+    </p:extLst>
+  </p:cSld>
+  <p:clrMapOvr>
+    <a:masterClrMapping/>
+  </p:clrMapOvr>
+</p:sld>
+</file>
+
+<file path=ppt/slides/slide12.xml><?xml version="1.0" encoding="utf-8"?>
+<p:sld xmlns:a="http://schemas.openxmlformats.org/drawingml/2006/main" xmlns:r="http://schemas.openxmlformats.org/officeDocument/2006/relationships" xmlns:p="http://schemas.openxmlformats.org/presentationml/2006/main">
+  <p:cSld>
+    <p:spTree>
+      <p:nvGrpSpPr>
+        <p:cNvPr id="1" name=""/>
+        <p:cNvGrpSpPr/>
+        <p:nvPr/>
+      </p:nvGrpSpPr>
+      <p:grpSpPr>
+        <a:xfrm>
+          <a:off x="0" y="0"/>
+          <a:ext cx="0" cy="0"/>
+          <a:chOff x="0" y="0"/>
+          <a:chExt cx="0" cy="0"/>
+        </a:xfrm>
+      </p:grpSpPr>
+      <p:sp>
+        <p:nvSpPr>
+          <p:cNvPr id="2" name="제목 1"/>
+          <p:cNvSpPr>
+            <a:spLocks noGrp="1"/>
+          </p:cNvSpPr>
+          <p:nvPr>
+            <p:ph type="title"/>
+          </p:nvPr>
+        </p:nvSpPr>
+        <p:spPr/>
+        <p:txBody>
+          <a:bodyPr/>
+          <a:lstStyle/>
+          <a:p>
+            <a:pPr algn="l"/>
+            <a:r>
+              <a:rPr lang="ko-KR" altLang="en-US" dirty="0" smtClean="0"/>
+              <a:t>실제 화면</a:t>
+            </a:r>
+            <a:endParaRPr lang="ko-KR" altLang="en-US" dirty="0"/>
+          </a:p>
+        </p:txBody>
+      </p:sp>
+      <p:pic>
+        <p:nvPicPr>
+          <p:cNvPr id="2050" name="Picture 2"/>
+          <p:cNvPicPr>
+            <a:picLocks noChangeAspect="1" noChangeArrowheads="1"/>
+          </p:cNvPicPr>
+          <p:nvPr/>
+        </p:nvPicPr>
+        <p:blipFill>
+          <a:blip r:embed="rId2" cstate="print">
+            <a:extLst>
+              <a:ext uri="{28A0092B-C50C-407E-A947-70E740481C1C}">
+                <a14:useLocalDpi xmlns:a14="http://schemas.microsoft.com/office/drawing/2010/main" val="0"/>
+              </a:ext>
+            </a:extLst>
+          </a:blip>
+          <a:srcRect/>
+          <a:stretch>
+            <a:fillRect/>
+          </a:stretch>
+        </p:blipFill>
+        <p:spPr bwMode="auto">
+          <a:xfrm>
+            <a:off x="2123728" y="1844824"/>
+            <a:ext cx="5064224" cy="4051380"/>
+          </a:xfrm>
+          <a:prstGeom prst="rect">
+            <a:avLst/>
+          </a:prstGeom>
+          <a:noFill/>
+          <a:ln>
+            <a:noFill/>
+          </a:ln>
+          <a:effectLst/>
+          <a:extLst>
+            <a:ext uri="{909E8E84-426E-40DD-AFC4-6F175D3DCCD1}">
+              <a14:hiddenFill xmlns:a14="http://schemas.microsoft.com/office/drawing/2010/main">
+                <a:solidFill>
+                  <a:schemeClr val="accent1"/>
+                </a:solidFill>
+              </a14:hiddenFill>
+            </a:ext>
+            <a:ext uri="{91240B29-F687-4F45-9708-019B960494DF}">
+              <a14:hiddenLine xmlns:a14="http://schemas.microsoft.com/office/drawing/2010/main" w="9525">
+                <a:solidFill>
+                  <a:schemeClr val="tx1"/>
+                </a:solidFill>
+                <a:miter lim="800000"/>
+                <a:headEnd/>
+                <a:tailEnd/>
+              </a14:hiddenLine>
+            </a:ext>
+            <a:ext uri="{AF507438-7753-43E0-B8FC-AC1667EBCBE1}">
+              <a14:hiddenEffects xmlns:a14="http://schemas.microsoft.com/office/drawing/2010/main">
+                <a:effectLst>
+                  <a:outerShdw dist="35921" dir="2700000" algn="ctr" rotWithShape="0">
+                    <a:schemeClr val="bg2"/>
+                  </a:outerShdw>
+                </a:effectLst>
+              </a14:hiddenEffects>
+            </a:ext>
+          </a:extLst>
+        </p:spPr>
+      </p:pic>
+    </p:spTree>
+    <p:extLst>
+      <p:ext uri="{BB962C8B-B14F-4D97-AF65-F5344CB8AC3E}">
+        <p14:creationId xmlns:p14="http://schemas.microsoft.com/office/powerpoint/2010/main" val="923990876"/>
+      </p:ext>
+    </p:extLst>
+  </p:cSld>
+  <p:clrMapOvr>
+    <a:masterClrMapping/>
+  </p:clrMapOvr>
+</p:sld>
+</file>
+
+<file path=ppt/slides/slide2.xml><?xml version="1.0" encoding="utf-8"?>
+<p:sld xmlns:a="http://schemas.openxmlformats.org/drawingml/2006/main" xmlns:r="http://schemas.openxmlformats.org/officeDocument/2006/relationships" xmlns:p="http://schemas.openxmlformats.org/presentationml/2006/main">
+  <p:cSld>
+    <p:spTree>
+      <p:nvGrpSpPr>
+        <p:cNvPr id="1" name=""/>
+        <p:cNvGrpSpPr/>
+        <p:nvPr/>
+      </p:nvGrpSpPr>
+      <p:grpSpPr>
+        <a:xfrm>
+          <a:off x="0" y="0"/>
+          <a:ext cx="0" cy="0"/>
+          <a:chOff x="0" y="0"/>
+          <a:chExt cx="0" cy="0"/>
+        </a:xfrm>
+      </p:grpSpPr>
+      <p:sp>
+        <p:nvSpPr>
+          <p:cNvPr id="2" name="제목 1"/>
+          <p:cNvSpPr>
+            <a:spLocks noGrp="1"/>
+          </p:cNvSpPr>
+          <p:nvPr>
+            <p:ph type="title"/>
+          </p:nvPr>
+        </p:nvSpPr>
+        <p:spPr/>
+        <p:txBody>
+          <a:bodyPr/>
+          <a:lstStyle/>
+          <a:p>
+            <a:r>
+              <a:rPr lang="ko-KR" altLang="en-US" dirty="0" smtClean="0"/>
+              <a:t>목</a:t>
+            </a:r>
+            <a:r>
+              <a:rPr lang="ko-KR" altLang="en-US" dirty="0"/>
+              <a:t>차</a:t>
+            </a:r>
+          </a:p>
+        </p:txBody>
+      </p:sp>
+      <p:sp>
+        <p:nvSpPr>
+          <p:cNvPr id="3" name="내용 개체 틀 2"/>
+          <p:cNvSpPr>
+            <a:spLocks noGrp="1"/>
+          </p:cNvSpPr>
+          <p:nvPr>
+            <p:ph idx="1"/>
+          </p:nvPr>
+        </p:nvSpPr>
+        <p:spPr/>
+        <p:txBody>
+          <a:bodyPr numCol="2">
+            <a:normAutofit lnSpcReduction="10000"/>
+          </a:bodyPr>
+          <a:lstStyle/>
+          <a:p>
+            <a:r>
+              <a:rPr lang="en-US" altLang="ko-KR" dirty="0" smtClean="0"/>
+              <a:t>Needs</a:t>
+            </a:r>
+          </a:p>
+          <a:p>
+            <a:r>
+              <a:rPr lang="ko-KR" altLang="en-US" dirty="0" err="1" smtClean="0"/>
+              <a:t>크롤링</a:t>
+            </a:r>
+            <a:endParaRPr lang="en-US" altLang="ko-KR" dirty="0" smtClean="0"/>
+          </a:p>
+          <a:p>
+            <a:r>
+              <a:rPr lang="ko-KR" altLang="en-US" dirty="0" smtClean="0"/>
+              <a:t>형태소 분석</a:t>
+            </a:r>
+            <a:endParaRPr lang="en-US" altLang="ko-KR" dirty="0" smtClean="0"/>
+          </a:p>
+          <a:p>
+            <a:pPr lvl="1"/>
+            <a:r>
+              <a:rPr lang="ko-KR" altLang="en-US" dirty="0" smtClean="0"/>
+              <a:t>분석기 모델 설정</a:t>
+            </a:r>
+            <a:endParaRPr lang="en-US" altLang="ko-KR" dirty="0" smtClean="0"/>
+          </a:p>
+          <a:p>
+            <a:pPr lvl="1"/>
+            <a:r>
+              <a:rPr lang="ko-KR" altLang="en-US" dirty="0" smtClean="0"/>
+              <a:t>이유와 결과</a:t>
+            </a:r>
+            <a:r>
+              <a:rPr lang="en-US" altLang="ko-KR" dirty="0" smtClean="0"/>
+              <a:t>,</a:t>
+            </a:r>
+            <a:r>
+              <a:rPr lang="ko-KR" altLang="en-US" dirty="0" smtClean="0"/>
+              <a:t>예시</a:t>
+            </a:r>
+            <a:endParaRPr lang="en-US" altLang="ko-KR" dirty="0" smtClean="0"/>
+          </a:p>
+          <a:p>
+            <a:r>
+              <a:rPr lang="ko-KR" altLang="en-US" dirty="0" smtClean="0"/>
+              <a:t>통계적 분석</a:t>
+            </a:r>
+            <a:endParaRPr lang="en-US" altLang="ko-KR" dirty="0" smtClean="0"/>
+          </a:p>
+          <a:p>
+            <a:pPr lvl="1"/>
+            <a:r>
+              <a:rPr lang="en-US" altLang="ko-KR" dirty="0" smtClean="0"/>
+              <a:t>TF-IDF</a:t>
+            </a:r>
+          </a:p>
+          <a:p>
+            <a:pPr lvl="1"/>
+            <a:r>
+              <a:rPr lang="en-US" altLang="ko-KR" dirty="0" smtClean="0"/>
+              <a:t>Word2Vec</a:t>
+            </a:r>
+          </a:p>
+          <a:p>
+            <a:pPr lvl="1"/>
+            <a:r>
+              <a:rPr lang="en-US" altLang="ko-KR" dirty="0" smtClean="0"/>
+              <a:t>What is RTF?</a:t>
+            </a:r>
+          </a:p>
+          <a:p>
+            <a:pPr lvl="1"/>
+            <a:r>
+              <a:rPr lang="en-US" altLang="ko-KR" dirty="0" smtClean="0"/>
+              <a:t>RTF results</a:t>
+            </a:r>
+          </a:p>
+          <a:p>
+            <a:r>
+              <a:rPr lang="en-US" altLang="ko-KR" dirty="0" smtClean="0"/>
+              <a:t>DB</a:t>
+            </a:r>
+          </a:p>
+          <a:p>
+            <a:r>
+              <a:rPr lang="en-US" altLang="ko-KR" dirty="0" smtClean="0"/>
+              <a:t>View</a:t>
+            </a:r>
+          </a:p>
+          <a:p>
+            <a:pPr lvl="1"/>
+            <a:r>
+              <a:rPr lang="en-US" altLang="ko-KR" dirty="0" smtClean="0"/>
+              <a:t>Reason(</a:t>
+            </a:r>
+            <a:r>
+              <a:rPr lang="ko-KR" altLang="en-US" dirty="0" smtClean="0"/>
+              <a:t>비교</a:t>
+            </a:r>
+            <a:r>
+              <a:rPr lang="en-US" altLang="ko-KR" dirty="0" smtClean="0"/>
+              <a:t>)</a:t>
+            </a:r>
+          </a:p>
+          <a:p>
+            <a:pPr lvl="1"/>
+            <a:r>
+              <a:rPr lang="ko-KR" altLang="en-US" dirty="0" smtClean="0"/>
+              <a:t>구동 모델</a:t>
+            </a:r>
+            <a:endParaRPr lang="en-US" altLang="ko-KR" dirty="0" smtClean="0"/>
+          </a:p>
+          <a:p>
+            <a:r>
+              <a:rPr lang="ko-KR" altLang="en-US" dirty="0" smtClean="0"/>
+              <a:t>실제 모델 구동</a:t>
+            </a:r>
+            <a:endParaRPr lang="en-US" altLang="ko-KR" dirty="0" smtClean="0"/>
+          </a:p>
+          <a:p>
+            <a:r>
+              <a:rPr lang="ko-KR" altLang="en-US" dirty="0" smtClean="0"/>
+              <a:t>기대효과</a:t>
+            </a:r>
+            <a:endParaRPr lang="en-US" altLang="ko-KR" dirty="0" smtClean="0"/>
+          </a:p>
+          <a:p>
+            <a:r>
+              <a:rPr lang="ko-KR" altLang="en-US" dirty="0" smtClean="0"/>
+              <a:t>참고문헌</a:t>
+            </a:r>
+            <a:endParaRPr lang="en-US" altLang="ko-KR" dirty="0" smtClean="0"/>
+          </a:p>
+        </p:txBody>
+      </p:sp>
+    </p:spTree>
+    <p:extLst>
+      <p:ext uri="{BB962C8B-B14F-4D97-AF65-F5344CB8AC3E}">
+        <p14:creationId xmlns:p14="http://schemas.microsoft.com/office/powerpoint/2010/main" val="3197750404"/>
+      </p:ext>
+    </p:extLst>
+  </p:cSld>
+  <p:clrMapOvr>
+    <a:masterClrMapping/>
+  </p:clrMapOvr>
+</p:sld>
+</file>
+
+<file path=ppt/slides/slide3.xml><?xml version="1.0" encoding="utf-8"?>
+<p:sld xmlns:a="http://schemas.openxmlformats.org/drawingml/2006/main" xmlns:r="http://schemas.openxmlformats.org/officeDocument/2006/relationships" xmlns:p="http://schemas.openxmlformats.org/presentationml/2006/main">
+  <p:cSld>
+    <p:spTree>
+      <p:nvGrpSpPr>
+        <p:cNvPr id="1" name=""/>
+        <p:cNvGrpSpPr/>
+        <p:nvPr/>
+      </p:nvGrpSpPr>
+      <p:grpSpPr>
+        <a:xfrm>
+          <a:off x="0" y="0"/>
+          <a:ext cx="0" cy="0"/>
+          <a:chOff x="0" y="0"/>
+          <a:chExt cx="0" cy="0"/>
+        </a:xfrm>
+      </p:grpSpPr>
+      <p:sp>
+        <p:nvSpPr>
+          <p:cNvPr id="2" name="제목 1"/>
+          <p:cNvSpPr>
+            <a:spLocks noGrp="1"/>
+          </p:cNvSpPr>
+          <p:nvPr>
+            <p:ph type="title"/>
+          </p:nvPr>
+        </p:nvSpPr>
+        <p:spPr/>
+        <p:txBody>
+          <a:bodyPr/>
+          <a:lstStyle/>
+          <a:p>
+            <a:pPr algn="l"/>
+            <a:r>
+              <a:rPr lang="en-US" altLang="ko-KR" dirty="0" smtClean="0"/>
+              <a:t>Needs-</a:t>
+            </a:r>
+            <a:r>
+              <a:rPr lang="ko-KR" altLang="en-US" dirty="0" smtClean="0"/>
+              <a:t>현 주소</a:t>
+            </a:r>
+            <a:endParaRPr lang="ko-KR" altLang="en-US" dirty="0"/>
+          </a:p>
+        </p:txBody>
+      </p:sp>
+      <p:sp>
+        <p:nvSpPr>
+          <p:cNvPr id="3" name="내용 개체 틀 2"/>
+          <p:cNvSpPr>
+            <a:spLocks noGrp="1"/>
+          </p:cNvSpPr>
+          <p:nvPr>
+            <p:ph idx="1"/>
+          </p:nvPr>
+        </p:nvSpPr>
+        <p:spPr/>
+        <p:txBody>
+          <a:bodyPr/>
+          <a:lstStyle/>
+          <a:p>
+            <a:pPr marL="0" indent="0" algn="just">
+              <a:buNone/>
+            </a:pPr>
+            <a:r>
+              <a:rPr lang="en-US" altLang="ko-KR" dirty="0" smtClean="0">
+                <a:hlinkClick r:id="rId2"/>
+              </a:rPr>
+              <a:t>https://brunch.co.kr/@skyopqw/29</a:t>
+            </a:r>
+            <a:endParaRPr lang="en-US" altLang="ko-KR" dirty="0" smtClean="0"/>
+          </a:p>
+          <a:p>
+            <a:pPr marL="0" indent="0" algn="just">
+              <a:buNone/>
+            </a:pPr>
+            <a:endParaRPr lang="en-US" altLang="ko-KR" dirty="0"/>
+          </a:p>
+          <a:p>
+            <a:pPr marL="0" indent="0" algn="just">
+              <a:buNone/>
+            </a:pPr>
+            <a:r>
+              <a:rPr lang="ko-KR" altLang="en-US" dirty="0" smtClean="0"/>
+              <a:t>참조</a:t>
+            </a:r>
+            <a:endParaRPr lang="ko-KR" altLang="en-US" dirty="0"/>
+          </a:p>
+        </p:txBody>
+      </p:sp>
+    </p:spTree>
+    <p:extLst>
+      <p:ext uri="{BB962C8B-B14F-4D97-AF65-F5344CB8AC3E}">
+        <p14:creationId xmlns:p14="http://schemas.microsoft.com/office/powerpoint/2010/main" val="3626777601"/>
+      </p:ext>
+    </p:extLst>
+  </p:cSld>
+  <p:clrMapOvr>
+    <a:masterClrMapping/>
+  </p:clrMapOvr>
+</p:sld>
+</file>
+
+<file path=ppt/slides/slide4.xml><?xml version="1.0" encoding="utf-8"?>
+<p:sld xmlns:a="http://schemas.openxmlformats.org/drawingml/2006/main" xmlns:r="http://schemas.openxmlformats.org/officeDocument/2006/relationships" xmlns:p="http://schemas.openxmlformats.org/presentationml/2006/main">
+  <p:cSld>
+    <p:spTree>
+      <p:nvGrpSpPr>
+        <p:cNvPr id="1" name=""/>
+        <p:cNvGrpSpPr/>
+        <p:nvPr/>
+      </p:nvGrpSpPr>
+      <p:grpSpPr>
+        <a:xfrm>
+          <a:off x="0" y="0"/>
+          <a:ext cx="0" cy="0"/>
+          <a:chOff x="0" y="0"/>
+          <a:chExt cx="0" cy="0"/>
+        </a:xfrm>
+      </p:grpSpPr>
+      <p:sp>
+        <p:nvSpPr>
+          <p:cNvPr id="2" name="제목 1"/>
+          <p:cNvSpPr>
+            <a:spLocks noGrp="1"/>
+          </p:cNvSpPr>
+          <p:nvPr>
+            <p:ph type="title"/>
+          </p:nvPr>
+        </p:nvSpPr>
+        <p:spPr/>
+        <p:txBody>
+          <a:bodyPr/>
+          <a:lstStyle/>
+          <a:p>
+            <a:pPr algn="l"/>
+            <a:r>
+              <a:rPr lang="en-US" altLang="ko-KR" dirty="0" smtClean="0"/>
+              <a:t>Needs</a:t>
+            </a:r>
+            <a:endParaRPr lang="ko-KR" altLang="en-US" dirty="0"/>
+          </a:p>
+        </p:txBody>
+      </p:sp>
+      <p:sp>
+        <p:nvSpPr>
+          <p:cNvPr id="3" name="내용 개체 틀 2"/>
+          <p:cNvSpPr>
+            <a:spLocks noGrp="1"/>
+          </p:cNvSpPr>
+          <p:nvPr>
+            <p:ph idx="1"/>
+          </p:nvPr>
+        </p:nvSpPr>
+        <p:spPr/>
+        <p:txBody>
+          <a:bodyPr/>
+          <a:lstStyle/>
+          <a:p>
+            <a:pPr marL="514350" indent="-514350" algn="just">
+              <a:buFont typeface="+mj-lt"/>
+              <a:buAutoNum type="arabicPeriod"/>
+            </a:pPr>
+            <a:r>
+              <a:rPr lang="ko-KR" altLang="en-US" dirty="0" smtClean="0"/>
+              <a:t>맥락</a:t>
+            </a:r>
+            <a:r>
+              <a:rPr lang="en-US" altLang="ko-KR" dirty="0" smtClean="0"/>
+              <a:t>, </a:t>
+            </a:r>
+            <a:r>
+              <a:rPr lang="ko-KR" altLang="en-US" dirty="0" smtClean="0"/>
+              <a:t>한번에 볼 수 있다</a:t>
+            </a:r>
+            <a:r>
+              <a:rPr lang="en-US" altLang="ko-KR" dirty="0" smtClean="0"/>
+              <a:t>.</a:t>
+            </a:r>
+          </a:p>
+          <a:p>
+            <a:pPr marL="514350" indent="-514350" algn="just">
+              <a:buFont typeface="+mj-lt"/>
+              <a:buAutoNum type="arabicPeriod"/>
+            </a:pPr>
+            <a:r>
+              <a:rPr lang="ko-KR" altLang="en-US" dirty="0" smtClean="0"/>
+              <a:t>어떤 파생 키워드가 더 중요 한 지 알 수 있다</a:t>
+            </a:r>
+            <a:r>
+              <a:rPr lang="en-US" altLang="ko-KR" dirty="0" smtClean="0"/>
+              <a:t>.</a:t>
+            </a:r>
+          </a:p>
+          <a:p>
+            <a:pPr marL="514350" indent="-514350" algn="just">
+              <a:buFont typeface="+mj-lt"/>
+              <a:buAutoNum type="arabicPeriod"/>
+            </a:pPr>
+            <a:r>
+              <a:rPr lang="en-US" altLang="ko-KR" dirty="0" smtClean="0"/>
+              <a:t>(</a:t>
+            </a:r>
+            <a:r>
+              <a:rPr lang="ko-KR" altLang="en-US" dirty="0" smtClean="0"/>
+              <a:t>예정</a:t>
+            </a:r>
+            <a:r>
+              <a:rPr lang="en-US" altLang="ko-KR" dirty="0" smtClean="0"/>
+              <a:t>)</a:t>
+            </a:r>
+            <a:r>
+              <a:rPr lang="ko-KR" altLang="en-US" dirty="0" smtClean="0"/>
+              <a:t>키워드의 흐름을 알 수 있다</a:t>
+            </a:r>
+            <a:r>
+              <a:rPr lang="en-US" altLang="ko-KR" dirty="0" smtClean="0"/>
+              <a:t>.</a:t>
+            </a:r>
+            <a:endParaRPr lang="ko-KR" altLang="en-US" dirty="0"/>
+          </a:p>
+        </p:txBody>
+      </p:sp>
+    </p:spTree>
+    <p:extLst>
+      <p:ext uri="{BB962C8B-B14F-4D97-AF65-F5344CB8AC3E}">
+        <p14:creationId xmlns:p14="http://schemas.microsoft.com/office/powerpoint/2010/main" val="923990876"/>
+      </p:ext>
+    </p:extLst>
+  </p:cSld>
+  <p:clrMapOvr>
+    <a:masterClrMapping/>
+  </p:clrMapOvr>
+</p:sld>
+</file>
+
+<file path=ppt/slides/slide5.xml><?xml version="1.0" encoding="utf-8"?>
+<p:sld xmlns:a="http://schemas.openxmlformats.org/drawingml/2006/main" xmlns:r="http://schemas.openxmlformats.org/officeDocument/2006/relationships" xmlns:p="http://schemas.openxmlformats.org/presentationml/2006/main">
+  <p:cSld>
+    <p:spTree>
+      <p:nvGrpSpPr>
+        <p:cNvPr id="1" name=""/>
+        <p:cNvGrpSpPr/>
+        <p:nvPr/>
+      </p:nvGrpSpPr>
+      <p:grpSpPr>
+        <a:xfrm>
+          <a:off x="0" y="0"/>
+          <a:ext cx="0" cy="0"/>
+          <a:chOff x="0" y="0"/>
+          <a:chExt cx="0" cy="0"/>
+        </a:xfrm>
+      </p:grpSpPr>
+      <p:graphicFrame>
+        <p:nvGraphicFramePr>
+          <p:cNvPr id="4" name="내용 개체 틀 3"/>
+          <p:cNvGraphicFramePr>
+            <a:graphicFrameLocks noGrp="1"/>
+          </p:cNvGraphicFramePr>
+          <p:nvPr>
+            <p:ph idx="1"/>
+            <p:extLst>
+              <p:ext uri="{D42A27DB-BD31-4B8C-83A1-F6EECF244321}">
+                <p14:modId xmlns:p14="http://schemas.microsoft.com/office/powerpoint/2010/main" val="1386865308"/>
+              </p:ext>
+            </p:extLst>
+          </p:nvPr>
+        </p:nvGraphicFramePr>
+        <p:xfrm>
+          <a:off x="457200" y="1600200"/>
+          <a:ext cx="8229600" cy="4525963"/>
+        </p:xfrm>
+        <a:graphic>
+          <a:graphicData uri="http://schemas.openxmlformats.org/drawingml/2006/diagram">
+            <dgm:relIds xmlns:dgm="http://schemas.openxmlformats.org/drawingml/2006/diagram" xmlns:r="http://schemas.openxmlformats.org/officeDocument/2006/relationships" r:dm="rId2" r:lo="rId3" r:qs="rId4" r:cs="rId5"/>
+          </a:graphicData>
+        </a:graphic>
+      </p:graphicFrame>
+    </p:spTree>
+    <p:extLst>
+      <p:ext uri="{BB962C8B-B14F-4D97-AF65-F5344CB8AC3E}">
+        <p14:creationId xmlns:p14="http://schemas.microsoft.com/office/powerpoint/2010/main" val="629013102"/>
+      </p:ext>
+    </p:extLst>
+  </p:cSld>
+  <p:clrMapOvr>
+    <a:masterClrMapping/>
+  </p:clrMapOvr>
+</p:sld>
+</file>
+
+<file path=ppt/slides/slide6.xml><?xml version="1.0" encoding="utf-8"?>
+<p:sld xmlns:a="http://schemas.openxmlformats.org/drawingml/2006/main" xmlns:r="http://schemas.openxmlformats.org/officeDocument/2006/relationships" xmlns:p="http://schemas.openxmlformats.org/presentationml/2006/main">
+  <p:cSld>
+    <p:spTree>
+      <p:nvGrpSpPr>
+        <p:cNvPr id="1" name=""/>
+        <p:cNvGrpSpPr/>
+        <p:nvPr/>
+      </p:nvGrpSpPr>
+      <p:grpSpPr>
+        <a:xfrm>
+          <a:off x="0" y="0"/>
+          <a:ext cx="0" cy="0"/>
+          <a:chOff x="0" y="0"/>
+          <a:chExt cx="0" cy="0"/>
+        </a:xfrm>
+      </p:grpSpPr>
+      <p:sp>
+        <p:nvSpPr>
+          <p:cNvPr id="2" name="제목 1"/>
+          <p:cNvSpPr>
+            <a:spLocks noGrp="1"/>
+          </p:cNvSpPr>
+          <p:nvPr>
+            <p:ph type="title"/>
+          </p:nvPr>
+        </p:nvSpPr>
+        <p:spPr/>
+        <p:txBody>
+          <a:bodyPr>
+            <a:normAutofit/>
+          </a:bodyPr>
+          <a:lstStyle/>
+          <a:p>
+            <a:pPr lvl="0" algn="l"/>
+            <a:r>
+              <a:rPr lang="ko-KR" altLang="en-US" dirty="0" err="1" smtClean="0">
+                <a:latin typeface="HY견명조" pitchFamily="18" charset="-127"/>
+                <a:ea typeface="HY견명조" pitchFamily="18" charset="-127"/>
+              </a:rPr>
+              <a:t>크롤링</a:t>
+            </a:r>
+            <a:endParaRPr lang="ko-KR" altLang="en-US" dirty="0"/>
+          </a:p>
+        </p:txBody>
+      </p:sp>
+      <p:graphicFrame>
+        <p:nvGraphicFramePr>
+          <p:cNvPr id="4" name="내용 개체 틀 3"/>
+          <p:cNvGraphicFramePr>
+            <a:graphicFrameLocks noGrp="1"/>
+          </p:cNvGraphicFramePr>
+          <p:nvPr>
+            <p:ph idx="1"/>
+            <p:extLst>
+              <p:ext uri="{D42A27DB-BD31-4B8C-83A1-F6EECF244321}">
+                <p14:modId xmlns:p14="http://schemas.microsoft.com/office/powerpoint/2010/main" val="1431596788"/>
+              </p:ext>
+            </p:extLst>
+          </p:nvPr>
+        </p:nvGraphicFramePr>
+        <p:xfrm>
+          <a:off x="611560" y="2708920"/>
+          <a:ext cx="3240360" cy="1854200"/>
+        </p:xfrm>
+        <a:graphic>
+          <a:graphicData uri="http://schemas.openxmlformats.org/drawingml/2006/table">
+            <a:tbl>
+              <a:tblPr firstRow="1" bandRow="1">
+                <a:tableStyleId>{5940675A-B579-460E-94D1-54222C63F5DA}</a:tableStyleId>
+              </a:tblPr>
+              <a:tblGrid>
+                <a:gridCol w="1053117"/>
+                <a:gridCol w="2187243"/>
+              </a:tblGrid>
+              <a:tr h="370840">
+                <a:tc>
+                  <a:txBody>
+                    <a:bodyPr/>
+                    <a:lstStyle/>
+                    <a:p>
+                      <a:pPr algn="ctr" latinLnBrk="1"/>
+                      <a:r>
+                        <a:rPr lang="ko-KR" altLang="en-US" dirty="0" smtClean="0"/>
+                        <a:t>팀원</a:t>
+                      </a:r>
+                      <a:endParaRPr lang="ko-KR" altLang="en-US" dirty="0"/>
+                    </a:p>
+                  </a:txBody>
+                  <a:tcPr/>
+                </a:tc>
+                <a:tc>
+                  <a:txBody>
+                    <a:bodyPr/>
+                    <a:lstStyle/>
+                    <a:p>
+                      <a:pPr algn="ctr" latinLnBrk="1"/>
+                      <a:r>
+                        <a:rPr lang="ko-KR" altLang="en-US" dirty="0" err="1" smtClean="0"/>
+                        <a:t>크롤링</a:t>
+                      </a:r>
+                      <a:r>
+                        <a:rPr lang="ko-KR" altLang="en-US" dirty="0" smtClean="0"/>
+                        <a:t> 할 사이트</a:t>
+                      </a:r>
+                      <a:endParaRPr lang="ko-KR" altLang="en-US" dirty="0"/>
+                    </a:p>
+                  </a:txBody>
+                  <a:tcPr anchor="ctr"/>
+                </a:tc>
+              </a:tr>
+              <a:tr h="370840">
+                <a:tc>
+                  <a:txBody>
+                    <a:bodyPr/>
+                    <a:lstStyle/>
+                    <a:p>
+                      <a:pPr algn="ctr" latinLnBrk="1"/>
+                      <a:r>
+                        <a:rPr lang="ko-KR" altLang="en-US" dirty="0" smtClean="0"/>
+                        <a:t>김재현</a:t>
+                      </a:r>
+                      <a:endParaRPr lang="ko-KR" altLang="en-US" dirty="0"/>
+                    </a:p>
+                  </a:txBody>
+                  <a:tcPr/>
+                </a:tc>
+                <a:tc>
+                  <a:txBody>
+                    <a:bodyPr/>
+                    <a:lstStyle/>
+                    <a:p>
+                      <a:pPr algn="ctr" latinLnBrk="1"/>
+                      <a:r>
+                        <a:rPr lang="ko-KR" altLang="en-US" smtClean="0"/>
+                        <a:t>트위터 </a:t>
+                      </a:r>
+                      <a:r>
+                        <a:rPr lang="en-US" altLang="ko-KR" smtClean="0"/>
+                        <a:t>100</a:t>
+                      </a:r>
+                      <a:endParaRPr lang="ko-KR" altLang="en-US" dirty="0"/>
+                    </a:p>
+                  </a:txBody>
+                  <a:tcPr anchor="ctr"/>
+                </a:tc>
+              </a:tr>
+              <a:tr h="370840">
+                <a:tc>
+                  <a:txBody>
+                    <a:bodyPr/>
+                    <a:lstStyle/>
+                    <a:p>
+                      <a:pPr algn="ctr" latinLnBrk="1"/>
+                      <a:r>
+                        <a:rPr lang="ko-KR" altLang="en-US" dirty="0" smtClean="0"/>
+                        <a:t>박종선</a:t>
+                      </a:r>
+                      <a:endParaRPr lang="ko-KR" altLang="en-US" dirty="0"/>
+                    </a:p>
+                  </a:txBody>
+                  <a:tcPr/>
+                </a:tc>
+                <a:tc>
+                  <a:txBody>
+                    <a:bodyPr/>
+                    <a:lstStyle/>
+                    <a:p>
+                      <a:pPr algn="ctr" latinLnBrk="1"/>
+                      <a:r>
+                        <a:rPr lang="en-US" altLang="ko-KR" dirty="0" err="1" smtClean="0"/>
+                        <a:t>Naver</a:t>
+                      </a:r>
+                      <a:r>
+                        <a:rPr lang="en-US" altLang="ko-KR" dirty="0" smtClean="0"/>
+                        <a:t> 10</a:t>
+                      </a:r>
+                      <a:endParaRPr lang="ko-KR" altLang="en-US" dirty="0"/>
+                    </a:p>
+                  </a:txBody>
+                  <a:tcPr anchor="ctr"/>
+                </a:tc>
+              </a:tr>
+              <a:tr h="370840">
+                <a:tc>
+                  <a:txBody>
+                    <a:bodyPr/>
+                    <a:lstStyle/>
+                    <a:p>
+                      <a:pPr algn="ctr" latinLnBrk="1"/>
+                      <a:r>
+                        <a:rPr lang="ko-KR" altLang="en-US" dirty="0" smtClean="0"/>
+                        <a:t>이희수</a:t>
+                      </a:r>
+                      <a:endParaRPr lang="ko-KR" altLang="en-US" dirty="0"/>
+                    </a:p>
+                  </a:txBody>
+                  <a:tcPr/>
+                </a:tc>
+                <a:tc>
+                  <a:txBody>
+                    <a:bodyPr/>
+                    <a:lstStyle/>
+                    <a:p>
+                      <a:pPr algn="ctr" latinLnBrk="1"/>
+                      <a:r>
+                        <a:rPr lang="en-US" altLang="ko-KR" smtClean="0"/>
+                        <a:t>Daum 10</a:t>
+                      </a:r>
+                      <a:endParaRPr lang="ko-KR" altLang="en-US" dirty="0"/>
+                    </a:p>
+                  </a:txBody>
+                  <a:tcPr anchor="ctr"/>
+                </a:tc>
+              </a:tr>
+              <a:tr h="370840">
+                <a:tc>
+                  <a:txBody>
+                    <a:bodyPr/>
+                    <a:lstStyle/>
+                    <a:p>
+                      <a:pPr algn="ctr" latinLnBrk="1"/>
+                      <a:r>
+                        <a:rPr lang="ko-KR" altLang="en-US" dirty="0" smtClean="0"/>
+                        <a:t>문진한</a:t>
+                      </a:r>
+                      <a:endParaRPr lang="ko-KR" altLang="en-US" dirty="0"/>
+                    </a:p>
+                  </a:txBody>
+                  <a:tcPr/>
+                </a:tc>
+                <a:tc>
+                  <a:txBody>
+                    <a:bodyPr/>
+                    <a:lstStyle/>
+                    <a:p>
+                      <a:pPr algn="ctr" latinLnBrk="1"/>
+                      <a:r>
+                        <a:rPr lang="en-US" altLang="ko-KR" dirty="0" smtClean="0"/>
+                        <a:t>Google</a:t>
+                      </a:r>
+                      <a:endParaRPr lang="ko-KR" altLang="en-US" dirty="0"/>
+                    </a:p>
+                  </a:txBody>
+                  <a:tcPr anchor="ctr"/>
+                </a:tc>
+              </a:tr>
+            </a:tbl>
+          </a:graphicData>
+        </a:graphic>
+      </p:graphicFrame>
+      <p:sp>
+        <p:nvSpPr>
+          <p:cNvPr id="5" name="TextBox 4"/>
+          <p:cNvSpPr txBox="1"/>
+          <p:nvPr/>
+        </p:nvSpPr>
+        <p:spPr>
+          <a:xfrm>
+            <a:off x="4644008" y="1731150"/>
+            <a:ext cx="3096344" cy="3000821"/>
+          </a:xfrm>
+          <a:prstGeom prst="rect">
+            <a:avLst/>
+          </a:prstGeom>
+          <a:noFill/>
+        </p:spPr>
+        <p:txBody>
+          <a:bodyPr wrap="square" rtlCol="0" anchor="ctr">
+            <a:spAutoFit/>
+          </a:bodyPr>
+          <a:lstStyle/>
+          <a:p>
+            <a:pPr marL="342900" indent="-342900">
+              <a:lnSpc>
+                <a:spcPct val="150000"/>
+              </a:lnSpc>
+              <a:buAutoNum type="arabicPeriod"/>
+            </a:pPr>
+            <a:r>
+              <a:rPr lang="ko-KR" altLang="en-US" dirty="0" smtClean="0"/>
+              <a:t>몇 개 하고 왜 그만큼의 숫자를 하게 되었는가</a:t>
+            </a:r>
+            <a:r>
+              <a:rPr lang="en-US" altLang="ko-KR" dirty="0" smtClean="0"/>
+              <a:t>? </a:t>
+            </a:r>
+          </a:p>
+          <a:p>
+            <a:pPr marL="342900" indent="-342900">
+              <a:lnSpc>
+                <a:spcPct val="150000"/>
+              </a:lnSpc>
+              <a:buAutoNum type="arabicPeriod"/>
+            </a:pPr>
+            <a:r>
+              <a:rPr lang="ko-KR" altLang="en-US" dirty="0" smtClean="0"/>
+              <a:t>각각의 사이트 별로 어떤 </a:t>
+            </a:r>
+            <a:r>
+              <a:rPr lang="en-US" altLang="ko-KR" dirty="0" smtClean="0"/>
+              <a:t>API </a:t>
+            </a:r>
+            <a:r>
+              <a:rPr lang="ko-KR" altLang="en-US" dirty="0" err="1" smtClean="0"/>
+              <a:t>썻는가</a:t>
+            </a:r>
+            <a:r>
+              <a:rPr lang="en-US" altLang="ko-KR" dirty="0" smtClean="0"/>
+              <a:t>? </a:t>
+            </a:r>
+            <a:r>
+              <a:rPr lang="ko-KR" altLang="en-US" dirty="0" smtClean="0"/>
+              <a:t>혹은 코드를 </a:t>
+            </a:r>
+            <a:r>
+              <a:rPr lang="ko-KR" altLang="en-US" dirty="0" err="1" smtClean="0"/>
+              <a:t>짯는가</a:t>
+            </a:r>
+            <a:r>
+              <a:rPr lang="en-US" altLang="ko-KR" dirty="0" smtClean="0"/>
+              <a:t>?</a:t>
+            </a:r>
+          </a:p>
+          <a:p>
+            <a:pPr marL="342900" indent="-342900">
+              <a:lnSpc>
+                <a:spcPct val="150000"/>
+              </a:lnSpc>
+              <a:buAutoNum type="arabicPeriod"/>
+            </a:pPr>
+            <a:r>
+              <a:rPr lang="ko-KR" altLang="en-US" dirty="0" smtClean="0"/>
+              <a:t>키워드 </a:t>
+            </a:r>
+            <a:r>
+              <a:rPr lang="en-US" altLang="ko-KR" dirty="0" smtClean="0"/>
+              <a:t>– </a:t>
+            </a:r>
+            <a:r>
+              <a:rPr lang="ko-KR" altLang="en-US" dirty="0" smtClean="0"/>
+              <a:t>뉴스기사 </a:t>
+            </a:r>
+            <a:r>
+              <a:rPr lang="en-US" altLang="ko-KR" dirty="0" smtClean="0"/>
+              <a:t>– </a:t>
+            </a:r>
+            <a:r>
+              <a:rPr lang="ko-KR" altLang="en-US" dirty="0" smtClean="0"/>
+              <a:t>왜</a:t>
+            </a:r>
+            <a:r>
+              <a:rPr lang="en-US" altLang="ko-KR" dirty="0" smtClean="0"/>
+              <a:t>?</a:t>
+            </a:r>
+          </a:p>
+          <a:p>
+            <a:pPr marL="342900" indent="-342900">
+              <a:lnSpc>
+                <a:spcPct val="150000"/>
+              </a:lnSpc>
+              <a:buAutoNum type="arabicPeriod"/>
+            </a:pPr>
+            <a:r>
+              <a:rPr lang="ko-KR" altLang="en-US" dirty="0" smtClean="0"/>
+              <a:t>나온 결과물 첨부</a:t>
+            </a:r>
+            <a:endParaRPr lang="ko-KR" altLang="en-US" dirty="0"/>
+          </a:p>
+        </p:txBody>
+      </p:sp>
+    </p:spTree>
+    <p:extLst>
+      <p:ext uri="{BB962C8B-B14F-4D97-AF65-F5344CB8AC3E}">
+        <p14:creationId xmlns:p14="http://schemas.microsoft.com/office/powerpoint/2010/main" val="923990876"/>
+      </p:ext>
+    </p:extLst>
+  </p:cSld>
+  <p:clrMapOvr>
+    <a:masterClrMapping/>
+  </p:clrMapOvr>
+</p:sld>
+</file>
+
+<file path=ppt/slides/slide7.xml><?xml version="1.0" encoding="utf-8"?>
+<p:sld xmlns:a="http://schemas.openxmlformats.org/drawingml/2006/main" xmlns:r="http://schemas.openxmlformats.org/officeDocument/2006/relationships" xmlns:p="http://schemas.openxmlformats.org/presentationml/2006/main">
+  <p:cSld>
+    <p:spTree>
+      <p:nvGrpSpPr>
+        <p:cNvPr id="1" name=""/>
+        <p:cNvGrpSpPr/>
+        <p:nvPr/>
+      </p:nvGrpSpPr>
+      <p:grpSpPr>
+        <a:xfrm>
+          <a:off x="0" y="0"/>
+          <a:ext cx="0" cy="0"/>
+          <a:chOff x="0" y="0"/>
+          <a:chExt cx="0" cy="0"/>
+        </a:xfrm>
+      </p:grpSpPr>
+      <p:graphicFrame>
+        <p:nvGraphicFramePr>
+          <p:cNvPr id="4" name="내용 개체 틀 3"/>
+          <p:cNvGraphicFramePr>
+            <a:graphicFrameLocks noGrp="1"/>
+          </p:cNvGraphicFramePr>
+          <p:nvPr>
+            <p:ph idx="1"/>
+            <p:extLst>
+              <p:ext uri="{D42A27DB-BD31-4B8C-83A1-F6EECF244321}">
+                <p14:modId xmlns:p14="http://schemas.microsoft.com/office/powerpoint/2010/main" val="2086755726"/>
+              </p:ext>
+            </p:extLst>
+          </p:nvPr>
+        </p:nvGraphicFramePr>
+        <p:xfrm>
+          <a:off x="457200" y="1600200"/>
+          <a:ext cx="8229600" cy="4525963"/>
+        </p:xfrm>
+        <a:graphic>
+          <a:graphicData uri="http://schemas.openxmlformats.org/drawingml/2006/diagram">
+            <dgm:relIds xmlns:dgm="http://schemas.openxmlformats.org/drawingml/2006/diagram" xmlns:r="http://schemas.openxmlformats.org/officeDocument/2006/relationships" r:dm="rId2" r:lo="rId3" r:qs="rId4" r:cs="rId5"/>
+          </a:graphicData>
+        </a:graphic>
+      </p:graphicFrame>
+    </p:spTree>
+    <p:extLst>
+      <p:ext uri="{BB962C8B-B14F-4D97-AF65-F5344CB8AC3E}">
+        <p14:creationId xmlns:p14="http://schemas.microsoft.com/office/powerpoint/2010/main" val="4222939945"/>
+      </p:ext>
+    </p:extLst>
+  </p:cSld>
+  <p:clrMapOvr>
+    <a:masterClrMapping/>
+  </p:clrMapOvr>
+</p:sld>
+</file>
+
+<file path=ppt/slides/slide8.xml><?xml version="1.0" encoding="utf-8"?>
+<p:sld xmlns:a="http://schemas.openxmlformats.org/drawingml/2006/main" xmlns:r="http://schemas.openxmlformats.org/officeDocument/2006/relationships" xmlns:p="http://schemas.openxmlformats.org/presentationml/2006/main">
+  <p:cSld>
+    <p:spTree>
+      <p:nvGrpSpPr>
+        <p:cNvPr id="1" name=""/>
+        <p:cNvGrpSpPr/>
+        <p:nvPr/>
+      </p:nvGrpSpPr>
+      <p:grpSpPr>
+        <a:xfrm>
+          <a:off x="0" y="0"/>
+          <a:ext cx="0" cy="0"/>
+          <a:chOff x="0" y="0"/>
+          <a:chExt cx="0" cy="0"/>
+        </a:xfrm>
+      </p:grpSpPr>
+      <p:sp>
+        <p:nvSpPr>
+          <p:cNvPr id="2" name="제목 1"/>
+          <p:cNvSpPr>
+            <a:spLocks noGrp="1"/>
+          </p:cNvSpPr>
+          <p:nvPr>
+            <p:ph type="title"/>
+          </p:nvPr>
+        </p:nvSpPr>
+        <p:spPr/>
+        <p:txBody>
+          <a:bodyPr>
+            <a:normAutofit/>
+          </a:bodyPr>
+          <a:lstStyle/>
+          <a:p>
+            <a:pPr lvl="0" algn="l"/>
+            <a:r>
+              <a:rPr lang="ko-KR" altLang="en-US" dirty="0" smtClean="0">
+                <a:solidFill>
+                  <a:schemeClr val="tx1"/>
+                </a:solidFill>
+              </a:rPr>
+              <a:t>형태소분석</a:t>
+            </a:r>
+            <a:endParaRPr lang="ko-KR" altLang="en-US" dirty="0"/>
+          </a:p>
+        </p:txBody>
+      </p:sp>
+      <p:graphicFrame>
+        <p:nvGraphicFramePr>
+          <p:cNvPr id="4" name="내용 개체 틀 3"/>
+          <p:cNvGraphicFramePr>
+            <a:graphicFrameLocks noGrp="1"/>
+          </p:cNvGraphicFramePr>
+          <p:nvPr>
+            <p:ph idx="1"/>
+            <p:extLst>
+              <p:ext uri="{D42A27DB-BD31-4B8C-83A1-F6EECF244321}">
+                <p14:modId xmlns:p14="http://schemas.microsoft.com/office/powerpoint/2010/main" val="2876921666"/>
+              </p:ext>
+            </p:extLst>
+          </p:nvPr>
+        </p:nvGraphicFramePr>
+        <p:xfrm>
+          <a:off x="611560" y="2348880"/>
+          <a:ext cx="2880320" cy="1854200"/>
+        </p:xfrm>
+        <a:graphic>
+          <a:graphicData uri="http://schemas.openxmlformats.org/drawingml/2006/table">
+            <a:tbl>
+              <a:tblPr firstRow="1" bandRow="1">
+                <a:tableStyleId>{5940675A-B579-460E-94D1-54222C63F5DA}</a:tableStyleId>
+              </a:tblPr>
+              <a:tblGrid>
+                <a:gridCol w="936104"/>
+                <a:gridCol w="1944216"/>
+              </a:tblGrid>
+              <a:tr h="370840">
+                <a:tc>
+                  <a:txBody>
+                    <a:bodyPr/>
+                    <a:lstStyle/>
+                    <a:p>
+                      <a:pPr algn="ctr" latinLnBrk="1"/>
+                      <a:r>
+                        <a:rPr lang="ko-KR" altLang="en-US" dirty="0" smtClean="0"/>
+                        <a:t>팀원</a:t>
+                      </a:r>
+                      <a:endParaRPr lang="ko-KR" altLang="en-US" dirty="0"/>
+                    </a:p>
+                  </a:txBody>
+                  <a:tcPr/>
+                </a:tc>
+                <a:tc>
+                  <a:txBody>
+                    <a:bodyPr/>
+                    <a:lstStyle/>
+                    <a:p>
+                      <a:pPr algn="ctr" latinLnBrk="1"/>
+                      <a:r>
+                        <a:rPr lang="ko-KR" altLang="en-US" dirty="0" smtClean="0"/>
+                        <a:t>형태소 분석기</a:t>
+                      </a:r>
+                      <a:endParaRPr lang="ko-KR" altLang="en-US" dirty="0"/>
+                    </a:p>
+                  </a:txBody>
+                  <a:tcPr anchor="ctr"/>
+                </a:tc>
+              </a:tr>
+              <a:tr h="370840">
+                <a:tc>
+                  <a:txBody>
+                    <a:bodyPr/>
+                    <a:lstStyle/>
+                    <a:p>
+                      <a:pPr algn="ctr" latinLnBrk="1"/>
+                      <a:r>
+                        <a:rPr lang="ko-KR" altLang="en-US" dirty="0" smtClean="0"/>
+                        <a:t>김재현</a:t>
+                      </a:r>
+                      <a:endParaRPr lang="ko-KR" altLang="en-US" dirty="0"/>
+                    </a:p>
+                  </a:txBody>
+                  <a:tcPr/>
+                </a:tc>
+                <a:tc>
+                  <a:txBody>
+                    <a:bodyPr/>
+                    <a:lstStyle/>
+                    <a:p>
+                      <a:pPr algn="ctr" latinLnBrk="1"/>
+                      <a:r>
+                        <a:rPr lang="ko-KR" altLang="en-US" dirty="0" err="1" smtClean="0"/>
+                        <a:t>카희</a:t>
+                      </a:r>
+                      <a:r>
+                        <a:rPr lang="en-US" altLang="ko-KR" dirty="0" smtClean="0"/>
+                        <a:t>, ?</a:t>
+                      </a:r>
+                      <a:endParaRPr lang="ko-KR" altLang="en-US" dirty="0"/>
+                    </a:p>
+                  </a:txBody>
+                  <a:tcPr anchor="ctr"/>
+                </a:tc>
+              </a:tr>
+              <a:tr h="370840">
+                <a:tc>
+                  <a:txBody>
+                    <a:bodyPr/>
+                    <a:lstStyle/>
+                    <a:p>
+                      <a:pPr algn="ctr" latinLnBrk="1"/>
+                      <a:r>
+                        <a:rPr lang="ko-KR" altLang="en-US" dirty="0" smtClean="0"/>
+                        <a:t>박종선</a:t>
+                      </a:r>
+                      <a:endParaRPr lang="ko-KR" altLang="en-US" dirty="0"/>
+                    </a:p>
+                  </a:txBody>
+                  <a:tcPr/>
+                </a:tc>
+                <a:tc>
+                  <a:txBody>
+                    <a:bodyPr/>
+                    <a:lstStyle/>
+                    <a:p>
+                      <a:pPr algn="ctr" latinLnBrk="1"/>
+                      <a:r>
+                        <a:rPr lang="en-US" altLang="ko-KR" dirty="0" smtClean="0"/>
+                        <a:t>?</a:t>
+                      </a:r>
+                      <a:endParaRPr lang="ko-KR" altLang="en-US" dirty="0"/>
+                    </a:p>
+                  </a:txBody>
+                  <a:tcPr anchor="ctr"/>
+                </a:tc>
+              </a:tr>
+              <a:tr h="370840">
+                <a:tc>
+                  <a:txBody>
+                    <a:bodyPr/>
+                    <a:lstStyle/>
+                    <a:p>
+                      <a:pPr algn="ctr" latinLnBrk="1"/>
+                      <a:r>
+                        <a:rPr lang="ko-KR" altLang="en-US" dirty="0" smtClean="0"/>
+                        <a:t>이희수</a:t>
+                      </a:r>
+                      <a:endParaRPr lang="ko-KR" altLang="en-US" dirty="0"/>
+                    </a:p>
+                  </a:txBody>
+                  <a:tcPr/>
+                </a:tc>
+                <a:tc>
+                  <a:txBody>
+                    <a:bodyPr/>
+                    <a:lstStyle/>
+                    <a:p>
+                      <a:pPr algn="ctr" latinLnBrk="1"/>
+                      <a:r>
+                        <a:rPr lang="ko-KR" altLang="en-US" dirty="0" err="1" smtClean="0"/>
+                        <a:t>다오느</a:t>
+                      </a:r>
+                      <a:r>
+                        <a:rPr lang="ko-KR" altLang="en-US" dirty="0" smtClean="0"/>
+                        <a:t> </a:t>
+                      </a:r>
+                      <a:r>
+                        <a:rPr lang="ko-KR" altLang="en-US" dirty="0" err="1" smtClean="0"/>
+                        <a:t>코모란</a:t>
+                      </a:r>
+                      <a:endParaRPr lang="ko-KR" altLang="en-US" dirty="0"/>
+                    </a:p>
+                  </a:txBody>
+                  <a:tcPr anchor="ctr"/>
+                </a:tc>
+              </a:tr>
+              <a:tr h="370840">
+                <a:tc>
+                  <a:txBody>
+                    <a:bodyPr/>
+                    <a:lstStyle/>
+                    <a:p>
+                      <a:pPr algn="ctr" latinLnBrk="1"/>
+                      <a:r>
+                        <a:rPr lang="ko-KR" altLang="en-US" dirty="0" smtClean="0"/>
+                        <a:t>문진한</a:t>
+                      </a:r>
+                      <a:endParaRPr lang="ko-KR" altLang="en-US" dirty="0"/>
+                    </a:p>
+                  </a:txBody>
+                  <a:tcPr/>
+                </a:tc>
+                <a:tc>
+                  <a:txBody>
+                    <a:bodyPr/>
+                    <a:lstStyle/>
+                    <a:p>
+                      <a:pPr algn="ctr" latinLnBrk="1"/>
+                      <a:r>
+                        <a:rPr lang="ko-KR" altLang="en-US" dirty="0" smtClean="0"/>
+                        <a:t>아리랑 꼬마</a:t>
+                      </a:r>
+                      <a:endParaRPr lang="ko-KR" altLang="en-US" dirty="0"/>
+                    </a:p>
+                  </a:txBody>
+                  <a:tcPr anchor="ctr"/>
+                </a:tc>
+              </a:tr>
+            </a:tbl>
+          </a:graphicData>
+        </a:graphic>
+      </p:graphicFrame>
+      <p:sp>
+        <p:nvSpPr>
+          <p:cNvPr id="5" name="TextBox 4"/>
+          <p:cNvSpPr txBox="1"/>
+          <p:nvPr/>
+        </p:nvSpPr>
+        <p:spPr>
+          <a:xfrm>
+            <a:off x="5004048" y="2420888"/>
+            <a:ext cx="184731" cy="369332"/>
+          </a:xfrm>
+          <a:prstGeom prst="rect">
+            <a:avLst/>
+          </a:prstGeom>
+          <a:noFill/>
+        </p:spPr>
+        <p:txBody>
+          <a:bodyPr wrap="none" rtlCol="0">
+            <a:spAutoFit/>
+          </a:bodyPr>
+          <a:lstStyle/>
+          <a:p>
+            <a:endParaRPr lang="ko-KR" altLang="en-US" dirty="0"/>
+          </a:p>
+        </p:txBody>
+      </p:sp>
+      <p:sp>
+        <p:nvSpPr>
+          <p:cNvPr id="6" name="TextBox 5"/>
+          <p:cNvSpPr txBox="1"/>
+          <p:nvPr/>
+        </p:nvSpPr>
+        <p:spPr>
+          <a:xfrm>
+            <a:off x="4788024" y="2348880"/>
+            <a:ext cx="3363421" cy="923330"/>
+          </a:xfrm>
+          <a:prstGeom prst="rect">
+            <a:avLst/>
+          </a:prstGeom>
+          <a:noFill/>
+        </p:spPr>
+        <p:txBody>
+          <a:bodyPr wrap="none" rtlCol="0">
+            <a:spAutoFit/>
+          </a:bodyPr>
+          <a:lstStyle/>
+          <a:p>
+            <a:pPr marL="285750" indent="-285750">
+              <a:buFont typeface="Arial" pitchFamily="34" charset="0"/>
+              <a:buChar char="•"/>
+            </a:pPr>
+            <a:r>
+              <a:rPr lang="ko-KR" altLang="en-US" dirty="0" smtClean="0"/>
+              <a:t>처음에 왜 이렇게 골랐는가</a:t>
+            </a:r>
+            <a:r>
+              <a:rPr lang="en-US" altLang="ko-KR" dirty="0" smtClean="0"/>
+              <a:t>?</a:t>
+            </a:r>
+          </a:p>
+          <a:p>
+            <a:pPr marL="285750" indent="-285750">
+              <a:buFont typeface="Arial" pitchFamily="34" charset="0"/>
+              <a:buChar char="•"/>
+            </a:pPr>
+            <a:r>
+              <a:rPr lang="ko-KR" altLang="en-US" dirty="0" smtClean="0"/>
+              <a:t>왜 </a:t>
+            </a:r>
+            <a:r>
+              <a:rPr lang="ko-KR" altLang="en-US" dirty="0" err="1" smtClean="0"/>
+              <a:t>카이를</a:t>
+            </a:r>
+            <a:r>
+              <a:rPr lang="ko-KR" altLang="en-US" dirty="0" smtClean="0"/>
+              <a:t> 골랐는가</a:t>
+            </a:r>
+            <a:r>
+              <a:rPr lang="en-US" altLang="ko-KR" dirty="0" smtClean="0"/>
+              <a:t>?</a:t>
+            </a:r>
+          </a:p>
+          <a:p>
+            <a:pPr marL="285750" indent="-285750">
+              <a:buFont typeface="Arial" pitchFamily="34" charset="0"/>
+              <a:buChar char="•"/>
+            </a:pPr>
+            <a:r>
+              <a:rPr lang="ko-KR" altLang="en-US" dirty="0" smtClean="0"/>
+              <a:t>결과 이유 예시</a:t>
+            </a:r>
+            <a:endParaRPr lang="ko-KR" altLang="en-US" dirty="0"/>
+          </a:p>
+        </p:txBody>
+      </p:sp>
+    </p:spTree>
+    <p:extLst>
+      <p:ext uri="{BB962C8B-B14F-4D97-AF65-F5344CB8AC3E}">
+        <p14:creationId xmlns:p14="http://schemas.microsoft.com/office/powerpoint/2010/main" val="923990876"/>
+      </p:ext>
+    </p:extLst>
+  </p:cSld>
+  <p:clrMapOvr>
+    <a:masterClrMapping/>
+  </p:clrMapOvr>
+</p:sld>
+</file>
+
+<file path=ppt/slides/slide9.xml><?xml version="1.0" encoding="utf-8"?>
+<p:sld xmlns:a="http://schemas.openxmlformats.org/drawingml/2006/main" xmlns:r="http://schemas.openxmlformats.org/officeDocument/2006/relationships" xmlns:p="http://schemas.openxmlformats.org/presentationml/2006/main">
+  <p:cSld>
+    <p:spTree>
+      <p:nvGrpSpPr>
+        <p:cNvPr id="1" name=""/>
+        <p:cNvGrpSpPr/>
+        <p:nvPr/>
+      </p:nvGrpSpPr>
+      <p:grpSpPr>
+        <a:xfrm>
+          <a:off x="0" y="0"/>
+          <a:ext cx="0" cy="0"/>
+          <a:chOff x="0" y="0"/>
+          <a:chExt cx="0" cy="0"/>
+        </a:xfrm>
+      </p:grpSpPr>
+      <p:sp>
+        <p:nvSpPr>
+          <p:cNvPr id="2" name="제목 1"/>
+          <p:cNvSpPr>
+            <a:spLocks noGrp="1"/>
+          </p:cNvSpPr>
+          <p:nvPr>
+            <p:ph type="title"/>
+          </p:nvPr>
+        </p:nvSpPr>
+        <p:spPr/>
+        <p:txBody>
+          <a:bodyPr/>
+          <a:lstStyle/>
+          <a:p>
+            <a:pPr algn="l"/>
+            <a:r>
+              <a:rPr lang="ko-KR" altLang="en-US" dirty="0" smtClean="0"/>
+              <a:t>통계적 분석</a:t>
+            </a:r>
+            <a:r>
+              <a:rPr lang="en-US" altLang="ko-KR" dirty="0" smtClean="0"/>
+              <a:t>-TF-IDF , Word2Vec</a:t>
+            </a:r>
+            <a:endParaRPr lang="ko-KR" altLang="en-US" dirty="0"/>
+          </a:p>
+        </p:txBody>
+      </p:sp>
+      <p:pic>
+        <p:nvPicPr>
+          <p:cNvPr id="4" name="Picture 2"/>
+          <p:cNvPicPr>
+            <a:picLocks noGrp="1" noChangeAspect="1" noChangeArrowheads="1"/>
+          </p:cNvPicPr>
+          <p:nvPr>
+            <p:ph idx="1"/>
+          </p:nvPr>
+        </p:nvPicPr>
+        <p:blipFill>
+          <a:blip r:embed="rId2">
+            <a:extLst>
+              <a:ext uri="{28A0092B-C50C-407E-A947-70E740481C1C}">
+                <a14:useLocalDpi xmlns:a14="http://schemas.microsoft.com/office/drawing/2010/main" val="0"/>
+              </a:ext>
+            </a:extLst>
+          </a:blip>
+          <a:srcRect/>
+          <a:stretch>
+            <a:fillRect/>
+          </a:stretch>
+        </p:blipFill>
+        <p:spPr bwMode="auto">
+          <a:xfrm>
+            <a:off x="683568" y="4005064"/>
+            <a:ext cx="2520280" cy="2105174"/>
+          </a:xfrm>
+          <a:prstGeom prst="rect">
+            <a:avLst/>
+          </a:prstGeom>
+          <a:noFill/>
+          <a:ln>
+            <a:noFill/>
+          </a:ln>
+          <a:effectLst/>
+          <a:extLst>
+            <a:ext uri="{909E8E84-426E-40DD-AFC4-6F175D3DCCD1}">
+              <a14:hiddenFill xmlns:a14="http://schemas.microsoft.com/office/drawing/2010/main">
+                <a:solidFill>
+                  <a:schemeClr val="accent1"/>
+                </a:solidFill>
+              </a14:hiddenFill>
+            </a:ext>
+            <a:ext uri="{91240B29-F687-4F45-9708-019B960494DF}">
+              <a14:hiddenLine xmlns:a14="http://schemas.microsoft.com/office/drawing/2010/main" w="9525">
+                <a:solidFill>
+                  <a:schemeClr val="tx1"/>
+                </a:solidFill>
+                <a:miter lim="800000"/>
+                <a:headEnd/>
+                <a:tailEnd/>
+              </a14:hiddenLine>
+            </a:ext>
+            <a:ext uri="{AF507438-7753-43E0-B8FC-AC1667EBCBE1}">
+              <a14:hiddenEffects xmlns:a14="http://schemas.microsoft.com/office/drawing/2010/main">
+                <a:effectLst>
+                  <a:outerShdw dist="35921" dir="2700000" algn="ctr" rotWithShape="0">
+                    <a:schemeClr val="bg2"/>
+                  </a:outerShdw>
+                </a:effectLst>
+              </a14:hiddenEffects>
+            </a:ext>
+          </a:extLst>
+        </p:spPr>
+      </p:pic>
+      <p:sp>
+        <p:nvSpPr>
+          <p:cNvPr id="5" name="AutoShape 2" descr="tf idf에 대한 이미지 검색결과"/>
+          <p:cNvSpPr>
+            <a:spLocks noChangeAspect="1" noChangeArrowheads="1"/>
+          </p:cNvSpPr>
+          <p:nvPr/>
+        </p:nvSpPr>
+        <p:spPr bwMode="auto">
+          <a:xfrm>
+            <a:off x="168275" y="-144463"/>
+            <a:ext cx="304800" cy="304801"/>
+          </a:xfrm>
+          <a:prstGeom prst="rect">
+            <a:avLst/>
+          </a:prstGeom>
+          <a:noFill/>
+          <a:extLst>
+            <a:ext uri="{909E8E84-426E-40DD-AFC4-6F175D3DCCD1}">
+              <a14:hiddenFill xmlns:a14="http://schemas.microsoft.com/office/drawing/2010/main">
+                <a:solidFill>
+                  <a:srgbClr val="FFFFFF"/>
+                </a:solidFill>
+              </a14:hiddenFill>
+            </a:ext>
+          </a:extLst>
+        </p:spPr>
+        <p:txBody>
+          <a:bodyPr vert="horz" wrap="square" lIns="91440" tIns="45720" rIns="91440" bIns="45720" numCol="1" anchor="t" anchorCtr="0" compatLnSpc="1">
+            <a:prstTxWarp prst="textNoShape">
+              <a:avLst/>
+            </a:prstTxWarp>
+          </a:bodyPr>
+          <a:lstStyle/>
+          <a:p>
+            <a:endParaRPr lang="ko-KR" altLang="en-US"/>
+          </a:p>
+        </p:txBody>
+      </p:sp>
+      <p:sp>
+        <p:nvSpPr>
+          <p:cNvPr id="6" name="AutoShape 4" descr="tf idf에 대한 이미지 검색결과"/>
+          <p:cNvSpPr>
+            <a:spLocks noChangeAspect="1" noChangeArrowheads="1"/>
+          </p:cNvSpPr>
+          <p:nvPr/>
+        </p:nvSpPr>
+        <p:spPr bwMode="auto">
+          <a:xfrm>
+            <a:off x="320675" y="7937"/>
+            <a:ext cx="304800" cy="304801"/>
+          </a:xfrm>
+          <a:prstGeom prst="rect">
+            <a:avLst/>
+          </a:prstGeom>
+          <a:noFill/>
+          <a:extLst>
+            <a:ext uri="{909E8E84-426E-40DD-AFC4-6F175D3DCCD1}">
+              <a14:hiddenFill xmlns:a14="http://schemas.microsoft.com/office/drawing/2010/main">
+                <a:solidFill>
+                  <a:srgbClr val="FFFFFF"/>
+                </a:solidFill>
+              </a14:hiddenFill>
+            </a:ext>
+          </a:extLst>
+        </p:spPr>
+        <p:txBody>
+          <a:bodyPr vert="horz" wrap="square" lIns="91440" tIns="45720" rIns="91440" bIns="45720" numCol="1" anchor="t" anchorCtr="0" compatLnSpc="1">
+            <a:prstTxWarp prst="textNoShape">
+              <a:avLst/>
+            </a:prstTxWarp>
+          </a:bodyPr>
+          <a:lstStyle/>
+          <a:p>
+            <a:endParaRPr lang="ko-KR" altLang="en-US"/>
+          </a:p>
+        </p:txBody>
+      </p:sp>
+      <p:sp>
+        <p:nvSpPr>
+          <p:cNvPr id="7" name="AutoShape 6" descr="tf idf에 대한 이미지 검색결과"/>
+          <p:cNvSpPr>
+            <a:spLocks noChangeAspect="1" noChangeArrowheads="1"/>
+          </p:cNvSpPr>
+          <p:nvPr/>
+        </p:nvSpPr>
+        <p:spPr bwMode="auto">
+          <a:xfrm>
+            <a:off x="473075" y="160337"/>
+            <a:ext cx="304800" cy="304801"/>
+          </a:xfrm>
+          <a:prstGeom prst="rect">
+            <a:avLst/>
+          </a:prstGeom>
+          <a:noFill/>
+          <a:extLst>
+            <a:ext uri="{909E8E84-426E-40DD-AFC4-6F175D3DCCD1}">
+              <a14:hiddenFill xmlns:a14="http://schemas.microsoft.com/office/drawing/2010/main">
+                <a:solidFill>
+                  <a:srgbClr val="FFFFFF"/>
+                </a:solidFill>
+              </a14:hiddenFill>
+            </a:ext>
+          </a:extLst>
+        </p:spPr>
+        <p:txBody>
+          <a:bodyPr vert="horz" wrap="square" lIns="91440" tIns="45720" rIns="91440" bIns="45720" numCol="1" anchor="t" anchorCtr="0" compatLnSpc="1">
+            <a:prstTxWarp prst="textNoShape">
+              <a:avLst/>
+            </a:prstTxWarp>
+          </a:bodyPr>
+          <a:lstStyle/>
+          <a:p>
+            <a:endParaRPr lang="ko-KR" altLang="en-US"/>
+          </a:p>
+        </p:txBody>
+      </p:sp>
+      <p:sp>
+        <p:nvSpPr>
+          <p:cNvPr id="8" name="AutoShape 8" descr="tf idf에 대한 이미지 검색결과"/>
+          <p:cNvSpPr>
+            <a:spLocks noChangeAspect="1" noChangeArrowheads="1"/>
+          </p:cNvSpPr>
+          <p:nvPr/>
+        </p:nvSpPr>
+        <p:spPr bwMode="auto">
+          <a:xfrm>
+            <a:off x="625475" y="312737"/>
+            <a:ext cx="304800" cy="304801"/>
+          </a:xfrm>
+          <a:prstGeom prst="rect">
+            <a:avLst/>
+          </a:prstGeom>
+          <a:noFill/>
+          <a:extLst>
+            <a:ext uri="{909E8E84-426E-40DD-AFC4-6F175D3DCCD1}">
+              <a14:hiddenFill xmlns:a14="http://schemas.microsoft.com/office/drawing/2010/main">
+                <a:solidFill>
+                  <a:srgbClr val="FFFFFF"/>
+                </a:solidFill>
+              </a14:hiddenFill>
+            </a:ext>
+          </a:extLst>
+        </p:spPr>
+        <p:txBody>
+          <a:bodyPr vert="horz" wrap="square" lIns="91440" tIns="45720" rIns="91440" bIns="45720" numCol="1" anchor="t" anchorCtr="0" compatLnSpc="1">
+            <a:prstTxWarp prst="textNoShape">
+              <a:avLst/>
+            </a:prstTxWarp>
+          </a:bodyPr>
+          <a:lstStyle/>
+          <a:p>
+            <a:endParaRPr lang="ko-KR" altLang="en-US"/>
+          </a:p>
+        </p:txBody>
+      </p:sp>
+      <p:pic>
+        <p:nvPicPr>
+          <p:cNvPr id="1034" name="Picture 10" descr="td-idf-graphic"/>
+          <p:cNvPicPr>
+            <a:picLocks noChangeAspect="1" noChangeArrowheads="1"/>
+          </p:cNvPicPr>
+          <p:nvPr/>
+        </p:nvPicPr>
+        <p:blipFill>
+          <a:blip r:embed="rId3">
+            <a:extLst>
+              <a:ext uri="{28A0092B-C50C-407E-A947-70E740481C1C}">
+                <a14:useLocalDpi xmlns:a14="http://schemas.microsoft.com/office/drawing/2010/main" val="0"/>
+              </a:ext>
+            </a:extLst>
+          </a:blip>
+          <a:srcRect/>
+          <a:stretch>
+            <a:fillRect/>
+          </a:stretch>
+        </p:blipFill>
+        <p:spPr bwMode="auto">
+          <a:xfrm>
+            <a:off x="473075" y="1700808"/>
+            <a:ext cx="3024336" cy="2016224"/>
+          </a:xfrm>
+          <a:prstGeom prst="rect">
+            <a:avLst/>
+          </a:prstGeom>
+          <a:noFill/>
+          <a:extLst>
+            <a:ext uri="{909E8E84-426E-40DD-AFC4-6F175D3DCCD1}">
+              <a14:hiddenFill xmlns:a14="http://schemas.microsoft.com/office/drawing/2010/main">
+                <a:solidFill>
+                  <a:srgbClr val="FFFFFF"/>
+                </a:solidFill>
+              </a14:hiddenFill>
+            </a:ext>
+          </a:extLst>
+        </p:spPr>
+      </p:pic>
+      <p:sp>
+        <p:nvSpPr>
+          <p:cNvPr id="9" name="TextBox 8"/>
+          <p:cNvSpPr txBox="1"/>
+          <p:nvPr/>
+        </p:nvSpPr>
+        <p:spPr>
+          <a:xfrm>
+            <a:off x="3923928" y="2132856"/>
+            <a:ext cx="4722768" cy="2169825"/>
+          </a:xfrm>
+          <a:prstGeom prst="rect">
+            <a:avLst/>
+          </a:prstGeom>
+          <a:noFill/>
+        </p:spPr>
+        <p:txBody>
+          <a:bodyPr wrap="none" rtlCol="0">
+            <a:spAutoFit/>
+          </a:bodyPr>
+          <a:lstStyle/>
+          <a:p>
+            <a:pPr marL="285750" indent="-285750">
+              <a:lnSpc>
+                <a:spcPct val="250000"/>
+              </a:lnSpc>
+              <a:buFont typeface="Arial" pitchFamily="34" charset="0"/>
+              <a:buChar char="•"/>
+            </a:pPr>
+            <a:r>
+              <a:rPr lang="en-US" altLang="ko-KR" dirty="0" smtClean="0"/>
+              <a:t>TF-IDF</a:t>
+            </a:r>
+            <a:r>
+              <a:rPr lang="ko-KR" altLang="en-US" dirty="0" smtClean="0"/>
+              <a:t>를 고른 이유 와 맞지 않았던  이유</a:t>
+            </a:r>
+            <a:endParaRPr lang="en-US" altLang="ko-KR" dirty="0" smtClean="0"/>
+          </a:p>
+          <a:p>
+            <a:pPr marL="285750" indent="-285750">
+              <a:lnSpc>
+                <a:spcPct val="250000"/>
+              </a:lnSpc>
+              <a:buFont typeface="Arial" pitchFamily="34" charset="0"/>
+              <a:buChar char="•"/>
+            </a:pPr>
+            <a:r>
+              <a:rPr lang="en-US" altLang="ko-KR" dirty="0" smtClean="0"/>
+              <a:t>Word2Vec </a:t>
+            </a:r>
+          </a:p>
+          <a:p>
+            <a:pPr marL="285750" indent="-285750">
+              <a:lnSpc>
+                <a:spcPct val="250000"/>
+              </a:lnSpc>
+              <a:buFont typeface="Arial" pitchFamily="34" charset="0"/>
+              <a:buChar char="•"/>
+            </a:pPr>
+            <a:r>
+              <a:rPr lang="en-US" altLang="ko-KR" dirty="0" smtClean="0"/>
+              <a:t>RTF</a:t>
+            </a:r>
+            <a:endParaRPr lang="ko-KR" altLang="en-US" dirty="0"/>
+          </a:p>
+        </p:txBody>
+      </p:sp>
+    </p:spTree>
+    <p:extLst>
+      <p:ext uri="{BB962C8B-B14F-4D97-AF65-F5344CB8AC3E}">
+        <p14:creationId xmlns:p14="http://schemas.microsoft.com/office/powerpoint/2010/main" val="923990876"/>
       </p:ext>
     </p:extLst>
   </p:cSld>

--- a/doc/최종 PPT.pptx
+++ b/doc/최종 PPT.pptx
@@ -9816,16 +9816,26 @@
         <p:spPr/>
         <p:txBody>
           <a:bodyPr numCol="2">
-            <a:normAutofit lnSpcReduction="10000"/>
+            <a:normAutofit fontScale="55000" lnSpcReduction="20000"/>
           </a:bodyPr>
           <a:lstStyle/>
           <a:p>
+            <a:pPr>
+              <a:lnSpc>
+                <a:spcPct val="170000"/>
+              </a:lnSpc>
+            </a:pPr>
             <a:r>
               <a:rPr lang="en-US" altLang="ko-KR" dirty="0" smtClean="0"/>
               <a:t>Needs</a:t>
             </a:r>
           </a:p>
           <a:p>
+            <a:pPr>
+              <a:lnSpc>
+                <a:spcPct val="170000"/>
+              </a:lnSpc>
+            </a:pPr>
             <a:r>
               <a:rPr lang="ko-KR" altLang="en-US" dirty="0" err="1" smtClean="0"/>
               <a:t>크롤링</a:t>
@@ -9833,6 +9843,11 @@
             <a:endParaRPr lang="en-US" altLang="ko-KR" dirty="0" smtClean="0"/>
           </a:p>
           <a:p>
+            <a:pPr>
+              <a:lnSpc>
+                <a:spcPct val="170000"/>
+              </a:lnSpc>
+            </a:pPr>
             <a:r>
               <a:rPr lang="ko-KR" altLang="en-US" dirty="0" smtClean="0"/>
               <a:t>형태소 분석</a:t>
@@ -9840,7 +9855,11 @@
             <a:endParaRPr lang="en-US" altLang="ko-KR" dirty="0" smtClean="0"/>
           </a:p>
           <a:p>
-            <a:pPr lvl="1"/>
+            <a:pPr lvl="1">
+              <a:lnSpc>
+                <a:spcPct val="170000"/>
+              </a:lnSpc>
+            </a:pPr>
             <a:r>
               <a:rPr lang="ko-KR" altLang="en-US" dirty="0" smtClean="0"/>
               <a:t>분석기 모델 설정</a:t>
@@ -9848,7 +9867,11 @@
             <a:endParaRPr lang="en-US" altLang="ko-KR" dirty="0" smtClean="0"/>
           </a:p>
           <a:p>
-            <a:pPr lvl="1"/>
+            <a:pPr lvl="1">
+              <a:lnSpc>
+                <a:spcPct val="170000"/>
+              </a:lnSpc>
+            </a:pPr>
             <a:r>
               <a:rPr lang="ko-KR" altLang="en-US" dirty="0" smtClean="0"/>
               <a:t>이유와 결과</a:t>
@@ -9864,6 +9887,11 @@
             <a:endParaRPr lang="en-US" altLang="ko-KR" dirty="0" smtClean="0"/>
           </a:p>
           <a:p>
+            <a:pPr>
+              <a:lnSpc>
+                <a:spcPct val="170000"/>
+              </a:lnSpc>
+            </a:pPr>
             <a:r>
               <a:rPr lang="ko-KR" altLang="en-US" dirty="0" smtClean="0"/>
               <a:t>통계적 분석</a:t>
@@ -9871,47 +9899,97 @@
             <a:endParaRPr lang="en-US" altLang="ko-KR" dirty="0" smtClean="0"/>
           </a:p>
           <a:p>
-            <a:pPr lvl="1"/>
+            <a:pPr lvl="1">
+              <a:lnSpc>
+                <a:spcPct val="170000"/>
+              </a:lnSpc>
+            </a:pPr>
             <a:r>
               <a:rPr lang="en-US" altLang="ko-KR" dirty="0" smtClean="0"/>
               <a:t>TF-IDF</a:t>
             </a:r>
           </a:p>
           <a:p>
-            <a:pPr lvl="1"/>
+            <a:pPr lvl="1">
+              <a:lnSpc>
+                <a:spcPct val="170000"/>
+              </a:lnSpc>
+            </a:pPr>
             <a:r>
               <a:rPr lang="en-US" altLang="ko-KR" dirty="0" smtClean="0"/>
               <a:t>Word2Vec</a:t>
             </a:r>
           </a:p>
           <a:p>
-            <a:pPr lvl="1"/>
+            <a:pPr lvl="1">
+              <a:lnSpc>
+                <a:spcPct val="170000"/>
+              </a:lnSpc>
+            </a:pPr>
+            <a:r>
+              <a:rPr lang="en-US" altLang="ko-KR" dirty="0" smtClean="0"/>
+              <a:t>Result of TF-IDF and Word2Vec</a:t>
+            </a:r>
+          </a:p>
+          <a:p>
+            <a:pPr marL="457200" lvl="1" indent="0">
+              <a:lnSpc>
+                <a:spcPct val="170000"/>
+              </a:lnSpc>
+              <a:buNone/>
+            </a:pPr>
+            <a:endParaRPr lang="en-US" altLang="ko-KR" dirty="0" smtClean="0"/>
+          </a:p>
+          <a:p>
+            <a:pPr lvl="1">
+              <a:lnSpc>
+                <a:spcPct val="170000"/>
+              </a:lnSpc>
+            </a:pPr>
             <a:r>
               <a:rPr lang="en-US" altLang="ko-KR" dirty="0" smtClean="0"/>
               <a:t>What is RTF?</a:t>
             </a:r>
           </a:p>
           <a:p>
-            <a:pPr lvl="1"/>
+            <a:pPr lvl="1">
+              <a:lnSpc>
+                <a:spcPct val="170000"/>
+              </a:lnSpc>
+            </a:pPr>
             <a:r>
               <a:rPr lang="en-US" altLang="ko-KR" dirty="0" smtClean="0"/>
               <a:t>RTF results</a:t>
             </a:r>
           </a:p>
           <a:p>
+            <a:pPr>
+              <a:lnSpc>
+                <a:spcPct val="170000"/>
+              </a:lnSpc>
+            </a:pPr>
             <a:r>
               <a:rPr lang="en-US" altLang="ko-KR" dirty="0" smtClean="0"/>
               <a:t>DB</a:t>
             </a:r>
           </a:p>
           <a:p>
+            <a:pPr>
+              <a:lnSpc>
+                <a:spcPct val="170000"/>
+              </a:lnSpc>
+            </a:pPr>
             <a:r>
               <a:rPr lang="en-US" altLang="ko-KR" dirty="0" smtClean="0"/>
               <a:t>View</a:t>
             </a:r>
           </a:p>
           <a:p>
-            <a:pPr lvl="1"/>
+            <a:pPr lvl="1">
+              <a:lnSpc>
+                <a:spcPct val="170000"/>
+              </a:lnSpc>
+            </a:pPr>
             <a:r>
               <a:rPr lang="en-US" altLang="ko-KR" dirty="0" smtClean="0"/>
               <a:t>Reason(</a:t>
@@ -9926,7 +10004,11 @@
             </a:r>
           </a:p>
           <a:p>
-            <a:pPr lvl="1"/>
+            <a:pPr lvl="1">
+              <a:lnSpc>
+                <a:spcPct val="170000"/>
+              </a:lnSpc>
+            </a:pPr>
             <a:r>
               <a:rPr lang="ko-KR" altLang="en-US" dirty="0" smtClean="0"/>
               <a:t>구동 모델</a:t>
@@ -9934,6 +10016,11 @@
             <a:endParaRPr lang="en-US" altLang="ko-KR" dirty="0" smtClean="0"/>
           </a:p>
           <a:p>
+            <a:pPr>
+              <a:lnSpc>
+                <a:spcPct val="170000"/>
+              </a:lnSpc>
+            </a:pPr>
             <a:r>
               <a:rPr lang="ko-KR" altLang="en-US" dirty="0" smtClean="0"/>
               <a:t>실제 모델 구동</a:t>
@@ -9941,6 +10028,11 @@
             <a:endParaRPr lang="en-US" altLang="ko-KR" dirty="0" smtClean="0"/>
           </a:p>
           <a:p>
+            <a:pPr>
+              <a:lnSpc>
+                <a:spcPct val="170000"/>
+              </a:lnSpc>
+            </a:pPr>
             <a:r>
               <a:rPr lang="ko-KR" altLang="en-US" dirty="0" smtClean="0"/>
               <a:t>기대효과</a:t>
@@ -9948,6 +10040,11 @@
             <a:endParaRPr lang="en-US" altLang="ko-KR" dirty="0" smtClean="0"/>
           </a:p>
           <a:p>
+            <a:pPr>
+              <a:lnSpc>
+                <a:spcPct val="170000"/>
+              </a:lnSpc>
+            </a:pPr>
             <a:r>
               <a:rPr lang="ko-KR" altLang="en-US" dirty="0" smtClean="0"/>
               <a:t>참고문헌</a:t>
